--- a/Calendario/Presentaciones/6_Ruteo_estatico.pptx
+++ b/Calendario/Presentaciones/6_Ruteo_estatico.pptx
@@ -29,19 +29,19 @@
     <p:sldId id="1005" r:id="rId17"/>
     <p:sldId id="1006" r:id="rId18"/>
     <p:sldId id="1007" r:id="rId19"/>
-    <p:sldId id="1017" r:id="rId20"/>
-    <p:sldId id="1295" r:id="rId21"/>
-    <p:sldId id="1008" r:id="rId22"/>
-    <p:sldId id="1009" r:id="rId23"/>
-    <p:sldId id="1010" r:id="rId24"/>
-    <p:sldId id="1011" r:id="rId25"/>
-    <p:sldId id="1012" r:id="rId26"/>
-    <p:sldId id="1013" r:id="rId27"/>
-    <p:sldId id="1014" r:id="rId28"/>
-    <p:sldId id="1015" r:id="rId29"/>
-    <p:sldId id="1016" r:id="rId30"/>
-    <p:sldId id="1018" r:id="rId31"/>
-    <p:sldId id="1194" r:id="rId32"/>
+    <p:sldId id="1295" r:id="rId20"/>
+    <p:sldId id="1008" r:id="rId21"/>
+    <p:sldId id="1009" r:id="rId22"/>
+    <p:sldId id="1010" r:id="rId23"/>
+    <p:sldId id="1011" r:id="rId24"/>
+    <p:sldId id="1012" r:id="rId25"/>
+    <p:sldId id="1013" r:id="rId26"/>
+    <p:sldId id="1014" r:id="rId27"/>
+    <p:sldId id="1015" r:id="rId28"/>
+    <p:sldId id="1016" r:id="rId29"/>
+    <p:sldId id="1299" r:id="rId30"/>
+    <p:sldId id="1017" r:id="rId31"/>
+    <p:sldId id="1018" r:id="rId32"/>
     <p:sldId id="1288" r:id="rId33"/>
     <p:sldId id="1296" r:id="rId34"/>
     <p:sldId id="1021" r:id="rId35"/>
@@ -3251,7 +3251,7 @@
       </p:grpSpPr>
       <p:sp>
         <p:nvSpPr>
-          <p:cNvPr id="22529" name="Rectangle 11"/>
+          <p:cNvPr id="31746" name="Rectangle 11"/>
           <p:cNvSpPr>
             <a:spLocks noGrp="1" noChangeArrowheads="1"/>
           </p:cNvSpPr>
@@ -3261,162 +3261,23 @@
         </p:nvSpPr>
         <p:spPr>
           <a:noFill/>
-          <a:ln/>
-          <a:extLst>
-            <a:ext uri="{909E8E84-426E-40DD-AFC4-6F175D3DCCD1}">
-              <a14:hiddenFill xmlns:a14="http://schemas.microsoft.com/office/drawing/2010/main">
-                <a:solidFill>
-                  <a:srgbClr val="FFFFFF"/>
-                </a:solidFill>
-              </a14:hiddenFill>
-            </a:ext>
-            <a:ext uri="{91240B29-F687-4F45-9708-019B960494DF}">
-              <a14:hiddenLine xmlns:a14="http://schemas.microsoft.com/office/drawing/2010/main" w="9525">
-                <a:solidFill>
-                  <a:srgbClr val="000000"/>
-                </a:solidFill>
-                <a:miter lim="800000"/>
-                <a:headEnd/>
-                <a:tailEnd/>
-              </a14:hiddenLine>
-            </a:ext>
-          </a:extLst>
         </p:spPr>
         <p:txBody>
           <a:bodyPr/>
-          <a:lstStyle>
-            <a:lvl1pPr defTabSz="903288">
-              <a:defRPr sz="2400">
-                <a:solidFill>
-                  <a:schemeClr val="tx1"/>
-                </a:solidFill>
-                <a:latin typeface="Arial" charset="0"/>
-                <a:ea typeface="ＭＳ Ｐゴシック" charset="0"/>
-                <a:cs typeface="ＭＳ Ｐゴシック" charset="0"/>
-              </a:defRPr>
-            </a:lvl1pPr>
-            <a:lvl2pPr marL="742950" indent="-285750" defTabSz="903288">
-              <a:defRPr sz="2400">
-                <a:solidFill>
-                  <a:schemeClr val="tx1"/>
-                </a:solidFill>
-                <a:latin typeface="Arial" charset="0"/>
-                <a:ea typeface="ＭＳ Ｐゴシック" charset="0"/>
-              </a:defRPr>
-            </a:lvl2pPr>
-            <a:lvl3pPr marL="1143000" indent="-228600" defTabSz="903288">
-              <a:defRPr sz="2400">
-                <a:solidFill>
-                  <a:schemeClr val="tx1"/>
-                </a:solidFill>
-                <a:latin typeface="Arial" charset="0"/>
-                <a:ea typeface="ＭＳ Ｐゴシック" charset="0"/>
-              </a:defRPr>
-            </a:lvl3pPr>
-            <a:lvl4pPr marL="1600200" indent="-228600" defTabSz="903288">
-              <a:defRPr sz="2400">
-                <a:solidFill>
-                  <a:schemeClr val="tx1"/>
-                </a:solidFill>
-                <a:latin typeface="Arial" charset="0"/>
-                <a:ea typeface="ＭＳ Ｐゴシック" charset="0"/>
-              </a:defRPr>
-            </a:lvl4pPr>
-            <a:lvl5pPr marL="2057400" indent="-228600" defTabSz="903288">
-              <a:defRPr sz="2400">
-                <a:solidFill>
-                  <a:schemeClr val="tx1"/>
-                </a:solidFill>
-                <a:latin typeface="Arial" charset="0"/>
-                <a:ea typeface="ＭＳ Ｐゴシック" charset="0"/>
-              </a:defRPr>
-            </a:lvl5pPr>
-            <a:lvl6pPr marL="2514600" indent="-228600" algn="ctr" defTabSz="903288" eaLnBrk="0" fontAlgn="base" hangingPunct="0">
-              <a:lnSpc>
-                <a:spcPct val="90000"/>
-              </a:lnSpc>
-              <a:spcBef>
-                <a:spcPct val="0"/>
-              </a:spcBef>
-              <a:spcAft>
-                <a:spcPct val="0"/>
-              </a:spcAft>
-              <a:defRPr sz="2400">
-                <a:solidFill>
-                  <a:schemeClr val="tx1"/>
-                </a:solidFill>
-                <a:latin typeface="Arial" charset="0"/>
-                <a:ea typeface="ＭＳ Ｐゴシック" charset="0"/>
-              </a:defRPr>
-            </a:lvl6pPr>
-            <a:lvl7pPr marL="2971800" indent="-228600" algn="ctr" defTabSz="903288" eaLnBrk="0" fontAlgn="base" hangingPunct="0">
-              <a:lnSpc>
-                <a:spcPct val="90000"/>
-              </a:lnSpc>
-              <a:spcBef>
-                <a:spcPct val="0"/>
-              </a:spcBef>
-              <a:spcAft>
-                <a:spcPct val="0"/>
-              </a:spcAft>
-              <a:defRPr sz="2400">
-                <a:solidFill>
-                  <a:schemeClr val="tx1"/>
-                </a:solidFill>
-                <a:latin typeface="Arial" charset="0"/>
-                <a:ea typeface="ＭＳ Ｐゴシック" charset="0"/>
-              </a:defRPr>
-            </a:lvl7pPr>
-            <a:lvl8pPr marL="3429000" indent="-228600" algn="ctr" defTabSz="903288" eaLnBrk="0" fontAlgn="base" hangingPunct="0">
-              <a:lnSpc>
-                <a:spcPct val="90000"/>
-              </a:lnSpc>
-              <a:spcBef>
-                <a:spcPct val="0"/>
-              </a:spcBef>
-              <a:spcAft>
-                <a:spcPct val="0"/>
-              </a:spcAft>
-              <a:defRPr sz="2400">
-                <a:solidFill>
-                  <a:schemeClr val="tx1"/>
-                </a:solidFill>
-                <a:latin typeface="Arial" charset="0"/>
-                <a:ea typeface="ＭＳ Ｐゴシック" charset="0"/>
-              </a:defRPr>
-            </a:lvl8pPr>
-            <a:lvl9pPr marL="3886200" indent="-228600" algn="ctr" defTabSz="903288" eaLnBrk="0" fontAlgn="base" hangingPunct="0">
-              <a:lnSpc>
-                <a:spcPct val="90000"/>
-              </a:lnSpc>
-              <a:spcBef>
-                <a:spcPct val="0"/>
-              </a:spcBef>
-              <a:spcAft>
-                <a:spcPct val="0"/>
-              </a:spcAft>
-              <a:defRPr sz="2400">
-                <a:solidFill>
-                  <a:schemeClr val="tx1"/>
-                </a:solidFill>
-                <a:latin typeface="Arial" charset="0"/>
-                <a:ea typeface="ＭＳ Ｐゴシック" charset="0"/>
-              </a:defRPr>
-            </a:lvl9pPr>
-          </a:lstStyle>
-          <a:p>
-            <a:fld id="{3997A419-355F-A04A-96E0-21643AF8E9FF}" type="slidenum">
-              <a:rPr lang="en-US" sz="800"/>
+          <a:lstStyle/>
+          <a:p>
+            <a:fld id="{F602A389-8690-465F-BB28-DC61C90E42E7}" type="slidenum">
+              <a:rPr lang="en-US" smtClean="0"/>
               <a:pPr/>
               <a:t>18</a:t>
             </a:fld>
-            <a:endParaRPr lang="es-ES" sz="800"/>
+            <a:endParaRPr lang="es-ES" dirty="0"/>
           </a:p>
         </p:txBody>
       </p:sp>
       <p:sp>
         <p:nvSpPr>
-          <p:cNvPr id="22530" name="Rectangle 2"/>
+          <p:cNvPr id="31747" name="Rectangle 2"/>
           <p:cNvSpPr>
             <a:spLocks noGrp="1" noRot="1" noChangeAspect="1" noChangeArrowheads="1" noTextEdit="1"/>
           </p:cNvSpPr>
@@ -3430,7 +3291,7 @@
       </p:sp>
       <p:sp>
         <p:nvSpPr>
-          <p:cNvPr id="22531" name="Rectangle 3"/>
+          <p:cNvPr id="31748" name="Rectangle 3"/>
           <p:cNvSpPr>
             <a:spLocks noGrp="1" noChangeArrowheads="1"/>
           </p:cNvSpPr>
@@ -3439,62 +3300,53 @@
           </p:nvPr>
         </p:nvSpPr>
         <p:spPr>
+          <a:xfrm>
+            <a:off x="404813" y="4378325"/>
+            <a:ext cx="6121400" cy="4252913"/>
+          </a:xfrm>
           <a:noFill/>
           <a:ln/>
-          <a:extLst>
-            <a:ext uri="{909E8E84-426E-40DD-AFC4-6F175D3DCCD1}">
-              <a14:hiddenFill xmlns:a14="http://schemas.microsoft.com/office/drawing/2010/main">
-                <a:solidFill>
-                  <a:srgbClr val="FFFFFF"/>
-                </a:solidFill>
-              </a14:hiddenFill>
-            </a:ext>
-            <a:ext uri="{91240B29-F687-4F45-9708-019B960494DF}">
-              <a14:hiddenLine xmlns:a14="http://schemas.microsoft.com/office/drawing/2010/main" w="9525">
-                <a:solidFill>
-                  <a:srgbClr val="000000"/>
-                </a:solidFill>
-                <a:miter lim="800000"/>
-                <a:headEnd/>
-                <a:tailEnd/>
-              </a14:hiddenLine>
-            </a:ext>
-          </a:extLst>
         </p:spPr>
         <p:txBody>
           <a:bodyPr/>
           <a:lstStyle/>
           <a:p>
-            <a:r>
-              <a:rPr lang="es-ES" b="0" baseline="0" dirty="0">
-                <a:latin typeface="Arial" charset="0"/>
-              </a:rPr>
-              <a:t>2.2.5.2 </a:t>
-            </a:r>
-            <a:r>
-              <a:rPr lang="es-ES" b="0" dirty="0">
-                <a:effectLst/>
-              </a:rPr>
-              <a:t>Configurar una ruta estática flotante IPv4</a:t>
-            </a:r>
-          </a:p>
-          <a:p>
-            <a:endParaRPr lang="es-ES" b="0" dirty="0">
-              <a:effectLst/>
-            </a:endParaRPr>
-          </a:p>
-          <a:p>
-            <a:pPr marL="0" indent="0">
+            <a:pPr>
+              <a:buFontTx/>
               <a:buNone/>
             </a:pPr>
-            <a:endParaRPr lang="es-ES" dirty="0"/>
+            <a:r>
+              <a:rPr lang="es-ES" b="0" dirty="0"/>
+              <a:t>Cisco Networking Academy Program</a:t>
+            </a:r>
+          </a:p>
+          <a:p>
+            <a:pPr>
+              <a:buFontTx/>
+              <a:buNone/>
+            </a:pPr>
+            <a:r>
+              <a:rPr lang="es-ES" b="0" dirty="0"/>
+              <a:t>Routing and Switching Essentials v6.0</a:t>
+            </a:r>
+          </a:p>
+          <a:p>
+            <a:pPr>
+              <a:buFontTx/>
+              <a:buNone/>
+            </a:pPr>
+            <a:r>
+              <a:rPr lang="es-ES" sz="1200" b="0" dirty="0"/>
+              <a:t>Capítulo 2: Routing estático</a:t>
+            </a:r>
+            <a:endParaRPr lang="es-ES" b="0" dirty="0"/>
           </a:p>
         </p:txBody>
       </p:sp>
     </p:spTree>
     <p:extLst>
       <p:ext uri="{BB962C8B-B14F-4D97-AF65-F5344CB8AC3E}">
-        <p14:creationId xmlns:p14="http://schemas.microsoft.com/office/powerpoint/2010/main" val="3722459010"/>
+        <p14:creationId xmlns:p14="http://schemas.microsoft.com/office/powerpoint/2010/main" val="1552897432"/>
       </p:ext>
     </p:extLst>
   </p:cSld>
@@ -3523,7 +3375,7 @@
       </p:grpSpPr>
       <p:sp>
         <p:nvSpPr>
-          <p:cNvPr id="31746" name="Rectangle 11"/>
+          <p:cNvPr id="22529" name="Rectangle 11"/>
           <p:cNvSpPr>
             <a:spLocks noGrp="1" noChangeArrowheads="1"/>
           </p:cNvSpPr>
@@ -3533,92 +3385,238 @@
         </p:nvSpPr>
         <p:spPr>
           <a:noFill/>
+          <a:ln/>
+          <a:extLst>
+            <a:ext uri="{909E8E84-426E-40DD-AFC4-6F175D3DCCD1}">
+              <a14:hiddenFill xmlns:a14="http://schemas.microsoft.com/office/drawing/2010/main">
+                <a:solidFill>
+                  <a:srgbClr val="FFFFFF"/>
+                </a:solidFill>
+              </a14:hiddenFill>
+            </a:ext>
+            <a:ext uri="{91240B29-F687-4F45-9708-019B960494DF}">
+              <a14:hiddenLine xmlns:a14="http://schemas.microsoft.com/office/drawing/2010/main" w="9525">
+                <a:solidFill>
+                  <a:srgbClr val="000000"/>
+                </a:solidFill>
+                <a:miter lim="800000"/>
+                <a:headEnd/>
+                <a:tailEnd/>
+              </a14:hiddenLine>
+            </a:ext>
+          </a:extLst>
+        </p:spPr>
+        <p:txBody>
+          <a:bodyPr/>
+          <a:lstStyle>
+            <a:lvl1pPr defTabSz="903288">
+              <a:defRPr sz="2400">
+                <a:solidFill>
+                  <a:schemeClr val="tx1"/>
+                </a:solidFill>
+                <a:latin typeface="Arial" charset="0"/>
+                <a:ea typeface="ＭＳ Ｐゴシック" charset="0"/>
+                <a:cs typeface="ＭＳ Ｐゴシック" charset="0"/>
+              </a:defRPr>
+            </a:lvl1pPr>
+            <a:lvl2pPr marL="742950" indent="-285750" defTabSz="903288">
+              <a:defRPr sz="2400">
+                <a:solidFill>
+                  <a:schemeClr val="tx1"/>
+                </a:solidFill>
+                <a:latin typeface="Arial" charset="0"/>
+                <a:ea typeface="ＭＳ Ｐゴシック" charset="0"/>
+              </a:defRPr>
+            </a:lvl2pPr>
+            <a:lvl3pPr marL="1143000" indent="-228600" defTabSz="903288">
+              <a:defRPr sz="2400">
+                <a:solidFill>
+                  <a:schemeClr val="tx1"/>
+                </a:solidFill>
+                <a:latin typeface="Arial" charset="0"/>
+                <a:ea typeface="ＭＳ Ｐゴシック" charset="0"/>
+              </a:defRPr>
+            </a:lvl3pPr>
+            <a:lvl4pPr marL="1600200" indent="-228600" defTabSz="903288">
+              <a:defRPr sz="2400">
+                <a:solidFill>
+                  <a:schemeClr val="tx1"/>
+                </a:solidFill>
+                <a:latin typeface="Arial" charset="0"/>
+                <a:ea typeface="ＭＳ Ｐゴシック" charset="0"/>
+              </a:defRPr>
+            </a:lvl4pPr>
+            <a:lvl5pPr marL="2057400" indent="-228600" defTabSz="903288">
+              <a:defRPr sz="2400">
+                <a:solidFill>
+                  <a:schemeClr val="tx1"/>
+                </a:solidFill>
+                <a:latin typeface="Arial" charset="0"/>
+                <a:ea typeface="ＭＳ Ｐゴシック" charset="0"/>
+              </a:defRPr>
+            </a:lvl5pPr>
+            <a:lvl6pPr marL="2514600" indent="-228600" algn="ctr" defTabSz="903288" eaLnBrk="0" fontAlgn="base" hangingPunct="0">
+              <a:lnSpc>
+                <a:spcPct val="90000"/>
+              </a:lnSpc>
+              <a:spcBef>
+                <a:spcPct val="0"/>
+              </a:spcBef>
+              <a:spcAft>
+                <a:spcPct val="0"/>
+              </a:spcAft>
+              <a:defRPr sz="2400">
+                <a:solidFill>
+                  <a:schemeClr val="tx1"/>
+                </a:solidFill>
+                <a:latin typeface="Arial" charset="0"/>
+                <a:ea typeface="ＭＳ Ｐゴシック" charset="0"/>
+              </a:defRPr>
+            </a:lvl6pPr>
+            <a:lvl7pPr marL="2971800" indent="-228600" algn="ctr" defTabSz="903288" eaLnBrk="0" fontAlgn="base" hangingPunct="0">
+              <a:lnSpc>
+                <a:spcPct val="90000"/>
+              </a:lnSpc>
+              <a:spcBef>
+                <a:spcPct val="0"/>
+              </a:spcBef>
+              <a:spcAft>
+                <a:spcPct val="0"/>
+              </a:spcAft>
+              <a:defRPr sz="2400">
+                <a:solidFill>
+                  <a:schemeClr val="tx1"/>
+                </a:solidFill>
+                <a:latin typeface="Arial" charset="0"/>
+                <a:ea typeface="ＭＳ Ｐゴシック" charset="0"/>
+              </a:defRPr>
+            </a:lvl7pPr>
+            <a:lvl8pPr marL="3429000" indent="-228600" algn="ctr" defTabSz="903288" eaLnBrk="0" fontAlgn="base" hangingPunct="0">
+              <a:lnSpc>
+                <a:spcPct val="90000"/>
+              </a:lnSpc>
+              <a:spcBef>
+                <a:spcPct val="0"/>
+              </a:spcBef>
+              <a:spcAft>
+                <a:spcPct val="0"/>
+              </a:spcAft>
+              <a:defRPr sz="2400">
+                <a:solidFill>
+                  <a:schemeClr val="tx1"/>
+                </a:solidFill>
+                <a:latin typeface="Arial" charset="0"/>
+                <a:ea typeface="ＭＳ Ｐゴシック" charset="0"/>
+              </a:defRPr>
+            </a:lvl8pPr>
+            <a:lvl9pPr marL="3886200" indent="-228600" algn="ctr" defTabSz="903288" eaLnBrk="0" fontAlgn="base" hangingPunct="0">
+              <a:lnSpc>
+                <a:spcPct val="90000"/>
+              </a:lnSpc>
+              <a:spcBef>
+                <a:spcPct val="0"/>
+              </a:spcBef>
+              <a:spcAft>
+                <a:spcPct val="0"/>
+              </a:spcAft>
+              <a:defRPr sz="2400">
+                <a:solidFill>
+                  <a:schemeClr val="tx1"/>
+                </a:solidFill>
+                <a:latin typeface="Arial" charset="0"/>
+                <a:ea typeface="ＭＳ Ｐゴシック" charset="0"/>
+              </a:defRPr>
+            </a:lvl9pPr>
+          </a:lstStyle>
+          <a:p>
+            <a:fld id="{3997A419-355F-A04A-96E0-21643AF8E9FF}" type="slidenum">
+              <a:rPr lang="en-US" sz="800"/>
+              <a:pPr/>
+              <a:t>19</a:t>
+            </a:fld>
+            <a:endParaRPr lang="es-ES" sz="800"/>
+          </a:p>
+        </p:txBody>
+      </p:sp>
+      <p:sp>
+        <p:nvSpPr>
+          <p:cNvPr id="22530" name="Rectangle 2"/>
+          <p:cNvSpPr>
+            <a:spLocks noGrp="1" noRot="1" noChangeAspect="1" noChangeArrowheads="1" noTextEdit="1"/>
+          </p:cNvSpPr>
+          <p:nvPr>
+            <p:ph type="sldImg"/>
+          </p:nvPr>
+        </p:nvSpPr>
+        <p:spPr>
+          <a:ln/>
+        </p:spPr>
+      </p:sp>
+      <p:sp>
+        <p:nvSpPr>
+          <p:cNvPr id="22531" name="Rectangle 3"/>
+          <p:cNvSpPr>
+            <a:spLocks noGrp="1" noChangeArrowheads="1"/>
+          </p:cNvSpPr>
+          <p:nvPr>
+            <p:ph type="body" idx="1"/>
+          </p:nvPr>
+        </p:nvSpPr>
+        <p:spPr>
+          <a:noFill/>
+          <a:ln/>
+          <a:extLst>
+            <a:ext uri="{909E8E84-426E-40DD-AFC4-6F175D3DCCD1}">
+              <a14:hiddenFill xmlns:a14="http://schemas.microsoft.com/office/drawing/2010/main">
+                <a:solidFill>
+                  <a:srgbClr val="FFFFFF"/>
+                </a:solidFill>
+              </a14:hiddenFill>
+            </a:ext>
+            <a:ext uri="{91240B29-F687-4F45-9708-019B960494DF}">
+              <a14:hiddenLine xmlns:a14="http://schemas.microsoft.com/office/drawing/2010/main" w="9525">
+                <a:solidFill>
+                  <a:srgbClr val="000000"/>
+                </a:solidFill>
+                <a:miter lim="800000"/>
+                <a:headEnd/>
+                <a:tailEnd/>
+              </a14:hiddenLine>
+            </a:ext>
+          </a:extLst>
         </p:spPr>
         <p:txBody>
           <a:bodyPr/>
           <a:lstStyle/>
           <a:p>
-            <a:fld id="{F602A389-8690-465F-BB28-DC61C90E42E7}" type="slidenum">
-              <a:rPr lang="en-US" smtClean="0"/>
-              <a:pPr/>
-              <a:t>19</a:t>
-            </a:fld>
-            <a:endParaRPr lang="es-ES" dirty="0"/>
-          </a:p>
-        </p:txBody>
-      </p:sp>
-      <p:sp>
-        <p:nvSpPr>
-          <p:cNvPr id="31747" name="Rectangle 2"/>
-          <p:cNvSpPr>
-            <a:spLocks noGrp="1" noRot="1" noChangeAspect="1" noChangeArrowheads="1" noTextEdit="1"/>
-          </p:cNvSpPr>
-          <p:nvPr>
-            <p:ph type="sldImg"/>
-          </p:nvPr>
-        </p:nvSpPr>
-        <p:spPr>
-          <a:ln/>
-        </p:spPr>
-      </p:sp>
-      <p:sp>
-        <p:nvSpPr>
-          <p:cNvPr id="31748" name="Rectangle 3"/>
-          <p:cNvSpPr>
-            <a:spLocks noGrp="1" noChangeArrowheads="1"/>
-          </p:cNvSpPr>
-          <p:nvPr>
-            <p:ph type="body" idx="1"/>
-          </p:nvPr>
-        </p:nvSpPr>
-        <p:spPr>
-          <a:xfrm>
-            <a:off x="404813" y="4378325"/>
-            <a:ext cx="6121400" cy="4252913"/>
-          </a:xfrm>
-          <a:noFill/>
-          <a:ln/>
-        </p:spPr>
-        <p:txBody>
-          <a:bodyPr/>
-          <a:lstStyle/>
-          <a:p>
-            <a:pPr>
-              <a:buFontTx/>
+            <a:r>
+              <a:rPr lang="es-ES" b="0" baseline="0" dirty="0">
+                <a:latin typeface="Arial" charset="0"/>
+              </a:rPr>
+              <a:t>2.2.3.1 </a:t>
+            </a:r>
+            <a:r>
+              <a:rPr lang="es-ES" b="0" dirty="0"/>
+              <a:t>El comando ipv6 route</a:t>
+            </a:r>
+          </a:p>
+          <a:p>
+            <a:endParaRPr lang="es-ES" b="0" dirty="0">
+              <a:effectLst/>
+            </a:endParaRPr>
+          </a:p>
+          <a:p>
+            <a:pPr marL="0" indent="0">
               <a:buNone/>
             </a:pPr>
-            <a:r>
-              <a:rPr lang="es-ES" b="0" dirty="0"/>
-              <a:t>Cisco Networking Academy Program</a:t>
-            </a:r>
-          </a:p>
-          <a:p>
-            <a:pPr>
-              <a:buFontTx/>
-              <a:buNone/>
-            </a:pPr>
-            <a:r>
-              <a:rPr lang="es-ES" b="0" dirty="0"/>
-              <a:t>Routing and Switching Essentials v6.0</a:t>
-            </a:r>
-          </a:p>
-          <a:p>
-            <a:pPr>
-              <a:buFontTx/>
-              <a:buNone/>
-            </a:pPr>
-            <a:r>
-              <a:rPr lang="es-ES" sz="1200" b="0" dirty="0"/>
-              <a:t>Capítulo 2: Routing estático</a:t>
-            </a:r>
-            <a:endParaRPr lang="es-ES" b="0" dirty="0"/>
+            <a:endParaRPr lang="es-ES" dirty="0"/>
           </a:p>
         </p:txBody>
       </p:sp>
     </p:spTree>
     <p:extLst>
       <p:ext uri="{BB962C8B-B14F-4D97-AF65-F5344CB8AC3E}">
-        <p14:creationId xmlns:p14="http://schemas.microsoft.com/office/powerpoint/2010/main" val="1552897432"/>
+        <p14:creationId xmlns:p14="http://schemas.microsoft.com/office/powerpoint/2010/main" val="3711425939"/>
       </p:ext>
     </p:extLst>
   </p:cSld>
@@ -4167,14 +4165,8 @@
           <a:lstStyle/>
           <a:p>
             <a:r>
-              <a:rPr lang="es-ES" b="0" baseline="0" dirty="0">
-                <a:latin typeface="Arial" charset="0"/>
-              </a:rPr>
-              <a:t>2.2.3.1 </a:t>
-            </a:r>
-            <a:r>
-              <a:rPr lang="es-ES" b="0" dirty="0"/>
-              <a:t>El comando ipv6 route</a:t>
+              <a:rPr lang="es-ES"/>
+              <a:t>2.2.3.2 Opciones de siguiente salto</a:t>
             </a:r>
           </a:p>
           <a:p>
@@ -4193,7 +4185,7 @@
     </p:spTree>
     <p:extLst>
       <p:ext uri="{BB962C8B-B14F-4D97-AF65-F5344CB8AC3E}">
-        <p14:creationId xmlns:p14="http://schemas.microsoft.com/office/powerpoint/2010/main" val="3711425939"/>
+        <p14:creationId xmlns:p14="http://schemas.microsoft.com/office/powerpoint/2010/main" val="3741278527"/>
       </p:ext>
     </p:extLst>
   </p:cSld>
@@ -4438,7 +4430,7 @@
           <a:p>
             <a:r>
               <a:rPr lang="es-ES"/>
-              <a:t>2.2.3.2 Opciones de siguiente salto</a:t>
+              <a:t>2.2.3.3 Configurar una ruta IPv6 estática de siguiente salto</a:t>
             </a:r>
           </a:p>
           <a:p>
@@ -4457,7 +4449,7 @@
     </p:spTree>
     <p:extLst>
       <p:ext uri="{BB962C8B-B14F-4D97-AF65-F5344CB8AC3E}">
-        <p14:creationId xmlns:p14="http://schemas.microsoft.com/office/powerpoint/2010/main" val="3741278527"/>
+        <p14:creationId xmlns:p14="http://schemas.microsoft.com/office/powerpoint/2010/main" val="2880385593"/>
       </p:ext>
     </p:extLst>
   </p:cSld>
@@ -4702,7 +4694,7 @@
           <a:p>
             <a:r>
               <a:rPr lang="es-ES"/>
-              <a:t>2.2.3.3 Configurar una ruta IPv6 estática de siguiente salto</a:t>
+              <a:t>2.2.3.4 Configurar una ruta IPv6 estática conectada directamente</a:t>
             </a:r>
           </a:p>
           <a:p>
@@ -4721,7 +4713,7 @@
     </p:spTree>
     <p:extLst>
       <p:ext uri="{BB962C8B-B14F-4D97-AF65-F5344CB8AC3E}">
-        <p14:creationId xmlns:p14="http://schemas.microsoft.com/office/powerpoint/2010/main" val="2880385593"/>
+        <p14:creationId xmlns:p14="http://schemas.microsoft.com/office/powerpoint/2010/main" val="3983015505"/>
       </p:ext>
     </p:extLst>
   </p:cSld>
@@ -4966,7 +4958,7 @@
           <a:p>
             <a:r>
               <a:rPr lang="es-ES"/>
-              <a:t>2.2.3.4 Configurar una ruta IPv6 estática conectada directamente</a:t>
+              <a:t>2.2.3.5 Configurar una ruta IPv6 estática totalmente especificada</a:t>
             </a:r>
           </a:p>
           <a:p>
@@ -4985,7 +4977,7 @@
     </p:spTree>
     <p:extLst>
       <p:ext uri="{BB962C8B-B14F-4D97-AF65-F5344CB8AC3E}">
-        <p14:creationId xmlns:p14="http://schemas.microsoft.com/office/powerpoint/2010/main" val="3983015505"/>
+        <p14:creationId xmlns:p14="http://schemas.microsoft.com/office/powerpoint/2010/main" val="2433552342"/>
       </p:ext>
     </p:extLst>
   </p:cSld>
@@ -5230,7 +5222,7 @@
           <a:p>
             <a:r>
               <a:rPr lang="es-ES"/>
-              <a:t>2.2.3.5 Configurar una ruta IPv6 estática totalmente especificada</a:t>
+              <a:t>2.2.3.6 Verificar rutas IPv6 estáticas</a:t>
             </a:r>
           </a:p>
           <a:p>
@@ -5249,7 +5241,7 @@
     </p:spTree>
     <p:extLst>
       <p:ext uri="{BB962C8B-B14F-4D97-AF65-F5344CB8AC3E}">
-        <p14:creationId xmlns:p14="http://schemas.microsoft.com/office/powerpoint/2010/main" val="2433552342"/>
+        <p14:creationId xmlns:p14="http://schemas.microsoft.com/office/powerpoint/2010/main" val="311765879"/>
       </p:ext>
     </p:extLst>
   </p:cSld>
@@ -5493,8 +5485,16 @@
           <a:lstStyle/>
           <a:p>
             <a:r>
-              <a:rPr lang="es-ES"/>
-              <a:t>2.2.3.6 Verificar rutas IPv6 estáticas</a:t>
+              <a:rPr lang="es-ES" b="0" baseline="0" dirty="0">
+                <a:latin typeface="Arial" charset="0"/>
+              </a:rPr>
+              <a:t>2.2.4.1 </a:t>
+            </a:r>
+            <a:r>
+              <a:rPr lang="es-ES" b="0" dirty="0">
+                <a:effectLst/>
+              </a:rPr>
+              <a:t>Ruta IPv6 estática predeterminada</a:t>
             </a:r>
           </a:p>
           <a:p>
@@ -5513,7 +5513,7 @@
     </p:spTree>
     <p:extLst>
       <p:ext uri="{BB962C8B-B14F-4D97-AF65-F5344CB8AC3E}">
-        <p14:creationId xmlns:p14="http://schemas.microsoft.com/office/powerpoint/2010/main" val="311765879"/>
+        <p14:creationId xmlns:p14="http://schemas.microsoft.com/office/powerpoint/2010/main" val="2426947533"/>
       </p:ext>
     </p:extLst>
   </p:cSld>
@@ -5757,16 +5757,8 @@
           <a:lstStyle/>
           <a:p>
             <a:r>
-              <a:rPr lang="es-ES" b="0" baseline="0" dirty="0">
-                <a:latin typeface="Arial" charset="0"/>
-              </a:rPr>
-              <a:t>2.2.4.1 </a:t>
-            </a:r>
-            <a:r>
-              <a:rPr lang="es-ES" b="0" dirty="0">
-                <a:effectLst/>
-              </a:rPr>
-              <a:t>Ruta IPv6 estática predeterminada</a:t>
+              <a:rPr lang="es-ES"/>
+              <a:t>2.2.4.2 Configurar una ruta IPv6 estática predeterminada</a:t>
             </a:r>
           </a:p>
           <a:p>
@@ -5785,7 +5777,7 @@
     </p:spTree>
     <p:extLst>
       <p:ext uri="{BB962C8B-B14F-4D97-AF65-F5344CB8AC3E}">
-        <p14:creationId xmlns:p14="http://schemas.microsoft.com/office/powerpoint/2010/main" val="2426947533"/>
+        <p14:creationId xmlns:p14="http://schemas.microsoft.com/office/powerpoint/2010/main" val="955846665"/>
       </p:ext>
     </p:extLst>
   </p:cSld>
@@ -6029,8 +6021,14 @@
           <a:lstStyle/>
           <a:p>
             <a:r>
-              <a:rPr lang="es-ES"/>
-              <a:t>2.2.4.2 Configurar una ruta IPv6 estática predeterminada</a:t>
+              <a:rPr lang="es-ES" b="0" baseline="0" dirty="0">
+                <a:latin typeface="Arial" charset="0"/>
+              </a:rPr>
+              <a:t>2.2.4.3 </a:t>
+            </a:r>
+            <a:r>
+              <a:rPr lang="es-ES" b="0" dirty="0"/>
+              <a:t>Verificar una ruta estática predeterminada</a:t>
             </a:r>
           </a:p>
           <a:p>
@@ -6049,7 +6047,7 @@
     </p:spTree>
     <p:extLst>
       <p:ext uri="{BB962C8B-B14F-4D97-AF65-F5344CB8AC3E}">
-        <p14:creationId xmlns:p14="http://schemas.microsoft.com/office/powerpoint/2010/main" val="955846665"/>
+        <p14:creationId xmlns:p14="http://schemas.microsoft.com/office/powerpoint/2010/main" val="3451202023"/>
       </p:ext>
     </p:extLst>
   </p:cSld>
@@ -6078,7 +6076,7 @@
       </p:grpSpPr>
       <p:sp>
         <p:nvSpPr>
-          <p:cNvPr id="22529" name="Rectangle 11"/>
+          <p:cNvPr id="31746" name="Rectangle 11"/>
           <p:cNvSpPr>
             <a:spLocks noGrp="1" noChangeArrowheads="1"/>
           </p:cNvSpPr>
@@ -6088,162 +6086,23 @@
         </p:nvSpPr>
         <p:spPr>
           <a:noFill/>
-          <a:ln/>
-          <a:extLst>
-            <a:ext uri="{909E8E84-426E-40DD-AFC4-6F175D3DCCD1}">
-              <a14:hiddenFill xmlns:a14="http://schemas.microsoft.com/office/drawing/2010/main">
-                <a:solidFill>
-                  <a:srgbClr val="FFFFFF"/>
-                </a:solidFill>
-              </a14:hiddenFill>
-            </a:ext>
-            <a:ext uri="{91240B29-F687-4F45-9708-019B960494DF}">
-              <a14:hiddenLine xmlns:a14="http://schemas.microsoft.com/office/drawing/2010/main" w="9525">
-                <a:solidFill>
-                  <a:srgbClr val="000000"/>
-                </a:solidFill>
-                <a:miter lim="800000"/>
-                <a:headEnd/>
-                <a:tailEnd/>
-              </a14:hiddenLine>
-            </a:ext>
-          </a:extLst>
         </p:spPr>
         <p:txBody>
           <a:bodyPr/>
-          <a:lstStyle>
-            <a:lvl1pPr defTabSz="903288">
-              <a:defRPr sz="2400">
-                <a:solidFill>
-                  <a:schemeClr val="tx1"/>
-                </a:solidFill>
-                <a:latin typeface="Arial" charset="0"/>
-                <a:ea typeface="ＭＳ Ｐゴシック" charset="0"/>
-                <a:cs typeface="ＭＳ Ｐゴシック" charset="0"/>
-              </a:defRPr>
-            </a:lvl1pPr>
-            <a:lvl2pPr marL="742950" indent="-285750" defTabSz="903288">
-              <a:defRPr sz="2400">
-                <a:solidFill>
-                  <a:schemeClr val="tx1"/>
-                </a:solidFill>
-                <a:latin typeface="Arial" charset="0"/>
-                <a:ea typeface="ＭＳ Ｐゴシック" charset="0"/>
-              </a:defRPr>
-            </a:lvl2pPr>
-            <a:lvl3pPr marL="1143000" indent="-228600" defTabSz="903288">
-              <a:defRPr sz="2400">
-                <a:solidFill>
-                  <a:schemeClr val="tx1"/>
-                </a:solidFill>
-                <a:latin typeface="Arial" charset="0"/>
-                <a:ea typeface="ＭＳ Ｐゴシック" charset="0"/>
-              </a:defRPr>
-            </a:lvl3pPr>
-            <a:lvl4pPr marL="1600200" indent="-228600" defTabSz="903288">
-              <a:defRPr sz="2400">
-                <a:solidFill>
-                  <a:schemeClr val="tx1"/>
-                </a:solidFill>
-                <a:latin typeface="Arial" charset="0"/>
-                <a:ea typeface="ＭＳ Ｐゴシック" charset="0"/>
-              </a:defRPr>
-            </a:lvl4pPr>
-            <a:lvl5pPr marL="2057400" indent="-228600" defTabSz="903288">
-              <a:defRPr sz="2400">
-                <a:solidFill>
-                  <a:schemeClr val="tx1"/>
-                </a:solidFill>
-                <a:latin typeface="Arial" charset="0"/>
-                <a:ea typeface="ＭＳ Ｐゴシック" charset="0"/>
-              </a:defRPr>
-            </a:lvl5pPr>
-            <a:lvl6pPr marL="2514600" indent="-228600" algn="ctr" defTabSz="903288" eaLnBrk="0" fontAlgn="base" hangingPunct="0">
-              <a:lnSpc>
-                <a:spcPct val="90000"/>
-              </a:lnSpc>
-              <a:spcBef>
-                <a:spcPct val="0"/>
-              </a:spcBef>
-              <a:spcAft>
-                <a:spcPct val="0"/>
-              </a:spcAft>
-              <a:defRPr sz="2400">
-                <a:solidFill>
-                  <a:schemeClr val="tx1"/>
-                </a:solidFill>
-                <a:latin typeface="Arial" charset="0"/>
-                <a:ea typeface="ＭＳ Ｐゴシック" charset="0"/>
-              </a:defRPr>
-            </a:lvl6pPr>
-            <a:lvl7pPr marL="2971800" indent="-228600" algn="ctr" defTabSz="903288" eaLnBrk="0" fontAlgn="base" hangingPunct="0">
-              <a:lnSpc>
-                <a:spcPct val="90000"/>
-              </a:lnSpc>
-              <a:spcBef>
-                <a:spcPct val="0"/>
-              </a:spcBef>
-              <a:spcAft>
-                <a:spcPct val="0"/>
-              </a:spcAft>
-              <a:defRPr sz="2400">
-                <a:solidFill>
-                  <a:schemeClr val="tx1"/>
-                </a:solidFill>
-                <a:latin typeface="Arial" charset="0"/>
-                <a:ea typeface="ＭＳ Ｐゴシック" charset="0"/>
-              </a:defRPr>
-            </a:lvl7pPr>
-            <a:lvl8pPr marL="3429000" indent="-228600" algn="ctr" defTabSz="903288" eaLnBrk="0" fontAlgn="base" hangingPunct="0">
-              <a:lnSpc>
-                <a:spcPct val="90000"/>
-              </a:lnSpc>
-              <a:spcBef>
-                <a:spcPct val="0"/>
-              </a:spcBef>
-              <a:spcAft>
-                <a:spcPct val="0"/>
-              </a:spcAft>
-              <a:defRPr sz="2400">
-                <a:solidFill>
-                  <a:schemeClr val="tx1"/>
-                </a:solidFill>
-                <a:latin typeface="Arial" charset="0"/>
-                <a:ea typeface="ＭＳ Ｐゴシック" charset="0"/>
-              </a:defRPr>
-            </a:lvl8pPr>
-            <a:lvl9pPr marL="3886200" indent="-228600" algn="ctr" defTabSz="903288" eaLnBrk="0" fontAlgn="base" hangingPunct="0">
-              <a:lnSpc>
-                <a:spcPct val="90000"/>
-              </a:lnSpc>
-              <a:spcBef>
-                <a:spcPct val="0"/>
-              </a:spcBef>
-              <a:spcAft>
-                <a:spcPct val="0"/>
-              </a:spcAft>
-              <a:defRPr sz="2400">
-                <a:solidFill>
-                  <a:schemeClr val="tx1"/>
-                </a:solidFill>
-                <a:latin typeface="Arial" charset="0"/>
-                <a:ea typeface="ＭＳ Ｐゴシック" charset="0"/>
-              </a:defRPr>
-            </a:lvl9pPr>
-          </a:lstStyle>
-          <a:p>
-            <a:fld id="{3997A419-355F-A04A-96E0-21643AF8E9FF}" type="slidenum">
-              <a:rPr lang="en-US" sz="800"/>
+          <a:lstStyle/>
+          <a:p>
+            <a:fld id="{F602A389-8690-465F-BB28-DC61C90E42E7}" type="slidenum">
+              <a:rPr lang="en-US" smtClean="0"/>
               <a:pPr/>
               <a:t>28</a:t>
             </a:fld>
-            <a:endParaRPr lang="es-ES" sz="800"/>
+            <a:endParaRPr lang="es-ES" dirty="0"/>
           </a:p>
         </p:txBody>
       </p:sp>
       <p:sp>
         <p:nvSpPr>
-          <p:cNvPr id="22530" name="Rectangle 2"/>
+          <p:cNvPr id="31747" name="Rectangle 2"/>
           <p:cNvSpPr>
             <a:spLocks noGrp="1" noRot="1" noChangeAspect="1" noChangeArrowheads="1" noTextEdit="1"/>
           </p:cNvSpPr>
@@ -6257,7 +6116,7 @@
       </p:sp>
       <p:sp>
         <p:nvSpPr>
-          <p:cNvPr id="22531" name="Rectangle 3"/>
+          <p:cNvPr id="31748" name="Rectangle 3"/>
           <p:cNvSpPr>
             <a:spLocks noGrp="1" noChangeArrowheads="1"/>
           </p:cNvSpPr>
@@ -6266,60 +6125,53 @@
           </p:nvPr>
         </p:nvSpPr>
         <p:spPr>
+          <a:xfrm>
+            <a:off x="404813" y="4378325"/>
+            <a:ext cx="6121400" cy="4252913"/>
+          </a:xfrm>
           <a:noFill/>
           <a:ln/>
-          <a:extLst>
-            <a:ext uri="{909E8E84-426E-40DD-AFC4-6F175D3DCCD1}">
-              <a14:hiddenFill xmlns:a14="http://schemas.microsoft.com/office/drawing/2010/main">
-                <a:solidFill>
-                  <a:srgbClr val="FFFFFF"/>
-                </a:solidFill>
-              </a14:hiddenFill>
-            </a:ext>
-            <a:ext uri="{91240B29-F687-4F45-9708-019B960494DF}">
-              <a14:hiddenLine xmlns:a14="http://schemas.microsoft.com/office/drawing/2010/main" w="9525">
-                <a:solidFill>
-                  <a:srgbClr val="000000"/>
-                </a:solidFill>
-                <a:miter lim="800000"/>
-                <a:headEnd/>
-                <a:tailEnd/>
-              </a14:hiddenLine>
-            </a:ext>
-          </a:extLst>
         </p:spPr>
         <p:txBody>
           <a:bodyPr/>
           <a:lstStyle/>
           <a:p>
-            <a:r>
-              <a:rPr lang="es-ES" b="0" baseline="0" dirty="0">
-                <a:latin typeface="Arial" charset="0"/>
-              </a:rPr>
-              <a:t>2.2.4.3 </a:t>
-            </a:r>
-            <a:r>
-              <a:rPr lang="es-ES" b="0" dirty="0"/>
-              <a:t>Verificar una ruta estática predeterminada</a:t>
-            </a:r>
-          </a:p>
-          <a:p>
-            <a:endParaRPr lang="es-ES" b="0" dirty="0">
-              <a:effectLst/>
-            </a:endParaRPr>
-          </a:p>
-          <a:p>
-            <a:pPr marL="0" indent="0">
+            <a:pPr>
+              <a:buFontTx/>
               <a:buNone/>
             </a:pPr>
-            <a:endParaRPr lang="es-ES" dirty="0"/>
+            <a:r>
+              <a:rPr lang="es-ES" b="0" dirty="0"/>
+              <a:t>Cisco Networking Academy Program</a:t>
+            </a:r>
+          </a:p>
+          <a:p>
+            <a:pPr>
+              <a:buFontTx/>
+              <a:buNone/>
+            </a:pPr>
+            <a:r>
+              <a:rPr lang="es-ES" b="0" dirty="0"/>
+              <a:t>Routing and Switching Essentials v6.0</a:t>
+            </a:r>
+          </a:p>
+          <a:p>
+            <a:pPr>
+              <a:buFontTx/>
+              <a:buNone/>
+            </a:pPr>
+            <a:r>
+              <a:rPr lang="es-ES" sz="1200" b="0" dirty="0"/>
+              <a:t>Capítulo 2: Routing estático</a:t>
+            </a:r>
+            <a:endParaRPr lang="es-ES" b="0" dirty="0"/>
           </a:p>
         </p:txBody>
       </p:sp>
     </p:spTree>
     <p:extLst>
       <p:ext uri="{BB962C8B-B14F-4D97-AF65-F5344CB8AC3E}">
-        <p14:creationId xmlns:p14="http://schemas.microsoft.com/office/powerpoint/2010/main" val="3451202023"/>
+        <p14:creationId xmlns:p14="http://schemas.microsoft.com/office/powerpoint/2010/main" val="1149613194"/>
       </p:ext>
     </p:extLst>
   </p:cSld>
@@ -6566,13 +6418,13 @@
               <a:rPr lang="es-ES" b="0" baseline="0" dirty="0">
                 <a:latin typeface="Arial" charset="0"/>
               </a:rPr>
-              <a:t>2.2.5.1 </a:t>
+              <a:t>2.2.5.2 </a:t>
             </a:r>
             <a:r>
               <a:rPr lang="es-ES" b="0" dirty="0">
                 <a:effectLst/>
               </a:rPr>
-              <a:t>Rutas estáticas flotantes</a:t>
+              <a:t>Configurar una ruta estática flotante IPv4</a:t>
             </a:r>
           </a:p>
           <a:p>
@@ -6591,7 +6443,7 @@
     </p:spTree>
     <p:extLst>
       <p:ext uri="{BB962C8B-B14F-4D97-AF65-F5344CB8AC3E}">
-        <p14:creationId xmlns:p14="http://schemas.microsoft.com/office/powerpoint/2010/main" val="2475852507"/>
+        <p14:creationId xmlns:p14="http://schemas.microsoft.com/office/powerpoint/2010/main" val="179451126"/>
       </p:ext>
     </p:extLst>
   </p:cSld>
@@ -6889,81 +6741,250 @@
       </p:grpSpPr>
       <p:sp>
         <p:nvSpPr>
-          <p:cNvPr id="2" name="Slide Image Placeholder 1"/>
+          <p:cNvPr id="22529" name="Rectangle 11"/>
           <p:cNvSpPr>
-            <a:spLocks noGrp="1" noRot="1" noChangeAspect="1"/>
+            <a:spLocks noGrp="1" noChangeArrowheads="1"/>
+          </p:cNvSpPr>
+          <p:nvPr>
+            <p:ph type="sldNum" sz="quarter" idx="5"/>
+          </p:nvPr>
+        </p:nvSpPr>
+        <p:spPr>
+          <a:noFill/>
+          <a:ln/>
+          <a:extLst>
+            <a:ext uri="{909E8E84-426E-40DD-AFC4-6F175D3DCCD1}">
+              <a14:hiddenFill xmlns:a14="http://schemas.microsoft.com/office/drawing/2010/main">
+                <a:solidFill>
+                  <a:srgbClr val="FFFFFF"/>
+                </a:solidFill>
+              </a14:hiddenFill>
+            </a:ext>
+            <a:ext uri="{91240B29-F687-4F45-9708-019B960494DF}">
+              <a14:hiddenLine xmlns:a14="http://schemas.microsoft.com/office/drawing/2010/main" w="9525">
+                <a:solidFill>
+                  <a:srgbClr val="000000"/>
+                </a:solidFill>
+                <a:miter lim="800000"/>
+                <a:headEnd/>
+                <a:tailEnd/>
+              </a14:hiddenLine>
+            </a:ext>
+          </a:extLst>
+        </p:spPr>
+        <p:txBody>
+          <a:bodyPr/>
+          <a:lstStyle>
+            <a:lvl1pPr defTabSz="903288">
+              <a:defRPr sz="2400">
+                <a:solidFill>
+                  <a:schemeClr val="tx1"/>
+                </a:solidFill>
+                <a:latin typeface="Arial" charset="0"/>
+                <a:ea typeface="ＭＳ Ｐゴシック" charset="0"/>
+                <a:cs typeface="ＭＳ Ｐゴシック" charset="0"/>
+              </a:defRPr>
+            </a:lvl1pPr>
+            <a:lvl2pPr marL="742950" indent="-285750" defTabSz="903288">
+              <a:defRPr sz="2400">
+                <a:solidFill>
+                  <a:schemeClr val="tx1"/>
+                </a:solidFill>
+                <a:latin typeface="Arial" charset="0"/>
+                <a:ea typeface="ＭＳ Ｐゴシック" charset="0"/>
+              </a:defRPr>
+            </a:lvl2pPr>
+            <a:lvl3pPr marL="1143000" indent="-228600" defTabSz="903288">
+              <a:defRPr sz="2400">
+                <a:solidFill>
+                  <a:schemeClr val="tx1"/>
+                </a:solidFill>
+                <a:latin typeface="Arial" charset="0"/>
+                <a:ea typeface="ＭＳ Ｐゴシック" charset="0"/>
+              </a:defRPr>
+            </a:lvl3pPr>
+            <a:lvl4pPr marL="1600200" indent="-228600" defTabSz="903288">
+              <a:defRPr sz="2400">
+                <a:solidFill>
+                  <a:schemeClr val="tx1"/>
+                </a:solidFill>
+                <a:latin typeface="Arial" charset="0"/>
+                <a:ea typeface="ＭＳ Ｐゴシック" charset="0"/>
+              </a:defRPr>
+            </a:lvl4pPr>
+            <a:lvl5pPr marL="2057400" indent="-228600" defTabSz="903288">
+              <a:defRPr sz="2400">
+                <a:solidFill>
+                  <a:schemeClr val="tx1"/>
+                </a:solidFill>
+                <a:latin typeface="Arial" charset="0"/>
+                <a:ea typeface="ＭＳ Ｐゴシック" charset="0"/>
+              </a:defRPr>
+            </a:lvl5pPr>
+            <a:lvl6pPr marL="2514600" indent="-228600" algn="ctr" defTabSz="903288" eaLnBrk="0" fontAlgn="base" hangingPunct="0">
+              <a:lnSpc>
+                <a:spcPct val="90000"/>
+              </a:lnSpc>
+              <a:spcBef>
+                <a:spcPct val="0"/>
+              </a:spcBef>
+              <a:spcAft>
+                <a:spcPct val="0"/>
+              </a:spcAft>
+              <a:defRPr sz="2400">
+                <a:solidFill>
+                  <a:schemeClr val="tx1"/>
+                </a:solidFill>
+                <a:latin typeface="Arial" charset="0"/>
+                <a:ea typeface="ＭＳ Ｐゴシック" charset="0"/>
+              </a:defRPr>
+            </a:lvl6pPr>
+            <a:lvl7pPr marL="2971800" indent="-228600" algn="ctr" defTabSz="903288" eaLnBrk="0" fontAlgn="base" hangingPunct="0">
+              <a:lnSpc>
+                <a:spcPct val="90000"/>
+              </a:lnSpc>
+              <a:spcBef>
+                <a:spcPct val="0"/>
+              </a:spcBef>
+              <a:spcAft>
+                <a:spcPct val="0"/>
+              </a:spcAft>
+              <a:defRPr sz="2400">
+                <a:solidFill>
+                  <a:schemeClr val="tx1"/>
+                </a:solidFill>
+                <a:latin typeface="Arial" charset="0"/>
+                <a:ea typeface="ＭＳ Ｐゴシック" charset="0"/>
+              </a:defRPr>
+            </a:lvl7pPr>
+            <a:lvl8pPr marL="3429000" indent="-228600" algn="ctr" defTabSz="903288" eaLnBrk="0" fontAlgn="base" hangingPunct="0">
+              <a:lnSpc>
+                <a:spcPct val="90000"/>
+              </a:lnSpc>
+              <a:spcBef>
+                <a:spcPct val="0"/>
+              </a:spcBef>
+              <a:spcAft>
+                <a:spcPct val="0"/>
+              </a:spcAft>
+              <a:defRPr sz="2400">
+                <a:solidFill>
+                  <a:schemeClr val="tx1"/>
+                </a:solidFill>
+                <a:latin typeface="Arial" charset="0"/>
+                <a:ea typeface="ＭＳ Ｐゴシック" charset="0"/>
+              </a:defRPr>
+            </a:lvl8pPr>
+            <a:lvl9pPr marL="3886200" indent="-228600" algn="ctr" defTabSz="903288" eaLnBrk="0" fontAlgn="base" hangingPunct="0">
+              <a:lnSpc>
+                <a:spcPct val="90000"/>
+              </a:lnSpc>
+              <a:spcBef>
+                <a:spcPct val="0"/>
+              </a:spcBef>
+              <a:spcAft>
+                <a:spcPct val="0"/>
+              </a:spcAft>
+              <a:defRPr sz="2400">
+                <a:solidFill>
+                  <a:schemeClr val="tx1"/>
+                </a:solidFill>
+                <a:latin typeface="Arial" charset="0"/>
+                <a:ea typeface="ＭＳ Ｐゴシック" charset="0"/>
+              </a:defRPr>
+            </a:lvl9pPr>
+          </a:lstStyle>
+          <a:p>
+            <a:fld id="{3997A419-355F-A04A-96E0-21643AF8E9FF}" type="slidenum">
+              <a:rPr lang="en-US" sz="800"/>
+              <a:pPr/>
+              <a:t>30</a:t>
+            </a:fld>
+            <a:endParaRPr lang="es-ES" sz="800"/>
+          </a:p>
+        </p:txBody>
+      </p:sp>
+      <p:sp>
+        <p:nvSpPr>
+          <p:cNvPr id="22530" name="Rectangle 2"/>
+          <p:cNvSpPr>
+            <a:spLocks noGrp="1" noRot="1" noChangeAspect="1" noChangeArrowheads="1" noTextEdit="1"/>
           </p:cNvSpPr>
           <p:nvPr>
             <p:ph type="sldImg"/>
           </p:nvPr>
         </p:nvSpPr>
-        <p:spPr/>
-      </p:sp>
-      <p:sp>
-        <p:nvSpPr>
-          <p:cNvPr id="3" name="Notes Placeholder 2"/>
+        <p:spPr>
+          <a:ln/>
+        </p:spPr>
+      </p:sp>
+      <p:sp>
+        <p:nvSpPr>
+          <p:cNvPr id="22531" name="Rectangle 3"/>
           <p:cNvSpPr>
-            <a:spLocks noGrp="1"/>
+            <a:spLocks noGrp="1" noChangeArrowheads="1"/>
           </p:cNvSpPr>
           <p:nvPr>
             <p:ph type="body" idx="1"/>
           </p:nvPr>
         </p:nvSpPr>
-        <p:spPr/>
+        <p:spPr>
+          <a:noFill/>
+          <a:ln/>
+          <a:extLst>
+            <a:ext uri="{909E8E84-426E-40DD-AFC4-6F175D3DCCD1}">
+              <a14:hiddenFill xmlns:a14="http://schemas.microsoft.com/office/drawing/2010/main">
+                <a:solidFill>
+                  <a:srgbClr val="FFFFFF"/>
+                </a:solidFill>
+              </a14:hiddenFill>
+            </a:ext>
+            <a:ext uri="{91240B29-F687-4F45-9708-019B960494DF}">
+              <a14:hiddenLine xmlns:a14="http://schemas.microsoft.com/office/drawing/2010/main" w="9525">
+                <a:solidFill>
+                  <a:srgbClr val="000000"/>
+                </a:solidFill>
+                <a:miter lim="800000"/>
+                <a:headEnd/>
+                <a:tailEnd/>
+              </a14:hiddenLine>
+            </a:ext>
+          </a:extLst>
+        </p:spPr>
         <p:txBody>
           <a:bodyPr/>
           <a:lstStyle/>
           <a:p>
-            <a:pPr rtl="0"/>
-            <a:r>
-              <a:rPr lang="es-419"/>
-              <a:t>15 — Enrutamiento IP Estático</a:t>
-            </a:r>
-          </a:p>
-          <a:p>
-            <a:pPr rtl="0"/>
-            <a:r>
-              <a:rPr lang="es-419"/>
-              <a:t>15.4 – Configurar rutas estáticas flotantes</a:t>
-            </a:r>
-          </a:p>
-          <a:p>
-            <a:pPr rtl="0"/>
-            <a:r>
-              <a:rPr lang="es-419"/>
-              <a:t>15.4.1 - Rutas Estáticas Flotantes</a:t>
-            </a:r>
-          </a:p>
-        </p:txBody>
-      </p:sp>
-      <p:sp>
-        <p:nvSpPr>
-          <p:cNvPr id="4" name="Slide Number Placeholder 3"/>
-          <p:cNvSpPr>
-            <a:spLocks noGrp="1"/>
-          </p:cNvSpPr>
-          <p:nvPr>
-            <p:ph type="sldNum" sz="quarter" idx="5"/>
-          </p:nvPr>
-        </p:nvSpPr>
-        <p:spPr/>
-        <p:txBody>
-          <a:bodyPr/>
-          <a:lstStyle/>
-          <a:p>
-            <a:pPr rtl="0"/>
-            <a:fld id="{5641018C-6CAF-B84E-B92C-ECB119457FBA}" type="slidenum">
-              <a:rPr/>
-              <a:t>30</a:t>
-            </a:fld>
-            <a:endParaRPr/>
+            <a:r>
+              <a:rPr lang="es-ES" b="0" baseline="0" dirty="0">
+                <a:latin typeface="Arial" charset="0"/>
+              </a:rPr>
+              <a:t>2.2.5.1 </a:t>
+            </a:r>
+            <a:r>
+              <a:rPr lang="es-ES" b="0" dirty="0">
+                <a:effectLst/>
+              </a:rPr>
+              <a:t>Rutas estáticas flotantes</a:t>
+            </a:r>
+          </a:p>
+          <a:p>
+            <a:endParaRPr lang="es-ES" b="0" dirty="0">
+              <a:effectLst/>
+            </a:endParaRPr>
+          </a:p>
+          <a:p>
+            <a:pPr marL="0" indent="0">
+              <a:buNone/>
+            </a:pPr>
+            <a:endParaRPr lang="es-ES" dirty="0"/>
           </a:p>
         </p:txBody>
       </p:sp>
     </p:spTree>
     <p:extLst>
       <p:ext uri="{BB962C8B-B14F-4D97-AF65-F5344CB8AC3E}">
-        <p14:creationId xmlns:p14="http://schemas.microsoft.com/office/powerpoint/2010/main" val="3463350898"/>
+        <p14:creationId xmlns:p14="http://schemas.microsoft.com/office/powerpoint/2010/main" val="2475852507"/>
       </p:ext>
     </p:extLst>
   </p:cSld>
@@ -15968,13 +15989,22 @@
               </a:buClr>
             </a:pPr>
             <a:r>
-              <a:rPr lang="es-ES" sz="2000" kern="0" dirty="0">
+              <a:rPr lang="es-ES" sz="2000" b="1" kern="0" dirty="0">
                 <a:solidFill>
                   <a:srgbClr val="000000"/>
                 </a:solidFill>
                 <a:latin typeface="Arial"/>
               </a:rPr>
-              <a:t>NOTA: Si cambia la dirección IP del siguiente salto (</a:t>
+              <a:t>NOTA: </a:t>
+            </a:r>
+            <a:r>
+              <a:rPr lang="es-ES" sz="2000" kern="0" dirty="0">
+                <a:solidFill>
+                  <a:srgbClr val="000000"/>
+                </a:solidFill>
+                <a:latin typeface="Arial"/>
+              </a:rPr>
+              <a:t>Si cambia la dirección IP del siguiente salto (</a:t>
             </a:r>
             <a:r>
               <a:rPr lang="es-ES" sz="2000" kern="0" dirty="0" err="1">
@@ -17059,6 +17089,72 @@
       </p:grpSpPr>
       <p:sp>
         <p:nvSpPr>
+          <p:cNvPr id="5122" name="Rectangle 2"/>
+          <p:cNvSpPr>
+            <a:spLocks noGrp="1" noChangeArrowheads="1"/>
+          </p:cNvSpPr>
+          <p:nvPr>
+            <p:ph type="ctrTitle"/>
+          </p:nvPr>
+        </p:nvSpPr>
+        <p:spPr>
+          <a:xfrm>
+            <a:off x="327478" y="2214789"/>
+            <a:ext cx="4146551" cy="1891846"/>
+          </a:xfrm>
+        </p:spPr>
+        <p:txBody>
+          <a:bodyPr/>
+          <a:lstStyle/>
+          <a:p>
+            <a:pPr eaLnBrk="1" hangingPunct="1"/>
+            <a:r>
+              <a:rPr lang="es-ES" sz="2400" dirty="0"/>
+              <a:t>Configurar rutas estáticas y por default IPv6</a:t>
+            </a:r>
+            <a:endParaRPr lang="es-ES" sz="2400" dirty="0">
+              <a:solidFill>
+                <a:srgbClr val="00B0F0"/>
+              </a:solidFill>
+            </a:endParaRPr>
+          </a:p>
+        </p:txBody>
+      </p:sp>
+    </p:spTree>
+    <p:extLst>
+      <p:ext uri="{BB962C8B-B14F-4D97-AF65-F5344CB8AC3E}">
+        <p14:creationId xmlns:p14="http://schemas.microsoft.com/office/powerpoint/2010/main" val="3553669503"/>
+      </p:ext>
+    </p:extLst>
+  </p:cSld>
+  <p:clrMapOvr>
+    <a:masterClrMapping/>
+  </p:clrMapOvr>
+  <p:transition>
+    <p:wipe dir="r"/>
+  </p:transition>
+</p:sld>
+</file>
+
+<file path=ppt/slides/slide19.xml><?xml version="1.0" encoding="utf-8"?>
+<p:sld xmlns:a="http://schemas.openxmlformats.org/drawingml/2006/main" xmlns:r="http://schemas.openxmlformats.org/officeDocument/2006/relationships" xmlns:p="http://schemas.openxmlformats.org/presentationml/2006/main">
+  <p:cSld>
+    <p:spTree>
+      <p:nvGrpSpPr>
+        <p:cNvPr id="1" name=""/>
+        <p:cNvGrpSpPr/>
+        <p:nvPr/>
+      </p:nvGrpSpPr>
+      <p:grpSpPr>
+        <a:xfrm>
+          <a:off x="0" y="0"/>
+          <a:ext cx="0" cy="0"/>
+          <a:chOff x="0" y="0"/>
+          <a:chExt cx="0" cy="0"/>
+        </a:xfrm>
+      </p:grpSpPr>
+      <p:sp>
+        <p:nvSpPr>
           <p:cNvPr id="21505" name="Rectangle 2"/>
           <p:cNvSpPr>
             <a:spLocks noGrp="1" noChangeArrowheads="1"/>
@@ -17067,19 +17163,27 @@
             <p:ph type="title"/>
           </p:nvPr>
         </p:nvSpPr>
-        <p:spPr>
-          <a:xfrm>
-            <a:off x="193868" y="274130"/>
-            <a:ext cx="8772157" cy="838200"/>
-          </a:xfrm>
-        </p:spPr>
+        <p:spPr/>
         <p:txBody>
           <a:bodyPr/>
           <a:lstStyle/>
           <a:p>
             <a:r>
+              <a:rPr lang="es-ES" sz="1800" dirty="0"/>
+              <a:t>Configurar rutas estáticas IPv6</a:t>
+            </a:r>
+            <a:br>
+              <a:rPr dirty="0"/>
+            </a:br>
+            <a:r>
               <a:rPr lang="es-ES" dirty="0"/>
-              <a:t>Configurar una ruta estática flotante IPv4</a:t>
+              <a:t>El comando </a:t>
+            </a:r>
+            <a:r>
+              <a:rPr lang="es-ES" dirty="0">
+                <a:latin typeface="Courier New" panose="02070309020205020404" pitchFamily="49" charset="0"/>
+              </a:rPr>
+              <a:t>ipv6 route</a:t>
             </a:r>
           </a:p>
         </p:txBody>
@@ -17094,8 +17198,8 @@
         </p:nvSpPr>
         <p:spPr bwMode="auto">
           <a:xfrm>
-            <a:off x="656704" y="-48399"/>
-            <a:ext cx="8487295" cy="553998"/>
+            <a:off x="698268" y="-48399"/>
+            <a:ext cx="8445731" cy="553998"/>
           </a:xfrm>
           <a:prstGeom prst="rect">
             <a:avLst/>
@@ -17213,8 +17317,8 @@
         </p:nvSpPr>
         <p:spPr bwMode="auto">
           <a:xfrm>
-            <a:off x="656704" y="104001"/>
-            <a:ext cx="8639696" cy="553998"/>
+            <a:off x="598516" y="104001"/>
+            <a:ext cx="8396628" cy="553998"/>
           </a:xfrm>
           <a:prstGeom prst="rect">
             <a:avLst/>
@@ -17344,75 +17448,18 @@
         </p:blipFill>
         <p:spPr>
           <a:xfrm>
-            <a:off x="2950453" y="1282459"/>
-            <a:ext cx="6096001" cy="4797553"/>
+            <a:off x="1200694" y="1474584"/>
+            <a:ext cx="6750551" cy="4922785"/>
           </a:xfrm>
           <a:prstGeom prst="rect">
             <a:avLst/>
           </a:prstGeom>
         </p:spPr>
       </p:pic>
-      <p:sp>
-        <p:nvSpPr>
-          <p:cNvPr id="5" name="Rectángulo 4">
-            <a:extLst>
-              <a:ext uri="{FF2B5EF4-FFF2-40B4-BE49-F238E27FC236}">
-                <a16:creationId xmlns:a16="http://schemas.microsoft.com/office/drawing/2014/main" id="{CA5F1BF5-A2E0-48B4-AF03-4EC9078E11C9}"/>
-              </a:ext>
-            </a:extLst>
-          </p:cNvPr>
-          <p:cNvSpPr/>
-          <p:nvPr/>
-        </p:nvSpPr>
-        <p:spPr>
-          <a:xfrm>
-            <a:off x="193868" y="1566661"/>
-            <a:ext cx="2541168" cy="4164217"/>
-          </a:xfrm>
-          <a:prstGeom prst="rect">
-            <a:avLst/>
-          </a:prstGeom>
-        </p:spPr>
-        <p:txBody>
-          <a:bodyPr wrap="square">
-            <a:spAutoFit/>
-          </a:bodyPr>
-          <a:lstStyle/>
-          <a:p>
-            <a:pPr algn="l"/>
-            <a:r>
-              <a:rPr lang="es-ES" sz="1400" dirty="0"/>
-              <a:t>Si no se configura ninguna distancia administrativa, se utiliza el valor predeterminado (1).</a:t>
-            </a:r>
-          </a:p>
-          <a:p>
-            <a:pPr algn="l"/>
-            <a:endParaRPr lang="es-ES" sz="1400" dirty="0"/>
-          </a:p>
-          <a:p>
-            <a:pPr algn="l"/>
-            <a:r>
-              <a:rPr lang="es-ES" sz="1400" dirty="0"/>
-              <a:t>En esta configuración, la ruta preferida del R1 es al R2. La conexión al R3 se debe utilizar solo para respaldo.</a:t>
-            </a:r>
-          </a:p>
-          <a:p>
-            <a:pPr algn="l"/>
-            <a:endParaRPr lang="es-ES" sz="1400" dirty="0"/>
-          </a:p>
-          <a:p>
-            <a:pPr algn="l"/>
-            <a:r>
-              <a:rPr lang="es-ES" sz="1400" dirty="0"/>
-              <a:t>El R1 está configurado con una ruta estática flotante predeterminada que apunta al R3 con una distancia administrativa de 5. Este valor es mayor que el valor predeterminado 1, y, por lo tanto, esta ruta flota y no está presente en la tabla de ruteo, a menos que la ruta preferida falle.</a:t>
-            </a:r>
-          </a:p>
-        </p:txBody>
-      </p:sp>
     </p:spTree>
     <p:extLst>
       <p:ext uri="{BB962C8B-B14F-4D97-AF65-F5344CB8AC3E}">
-        <p14:creationId xmlns:p14="http://schemas.microsoft.com/office/powerpoint/2010/main" val="4093119910"/>
+        <p14:creationId xmlns:p14="http://schemas.microsoft.com/office/powerpoint/2010/main" val="529944694"/>
       </p:ext>
     </p:extLst>
   </p:cSld>
@@ -17420,72 +17467,6 @@
     <a:masterClrMapping/>
   </p:clrMapOvr>
   <p:transition spd="med">
-    <p:wipe dir="r"/>
-  </p:transition>
-</p:sld>
-</file>
-
-<file path=ppt/slides/slide19.xml><?xml version="1.0" encoding="utf-8"?>
-<p:sld xmlns:a="http://schemas.openxmlformats.org/drawingml/2006/main" xmlns:r="http://schemas.openxmlformats.org/officeDocument/2006/relationships" xmlns:p="http://schemas.openxmlformats.org/presentationml/2006/main">
-  <p:cSld>
-    <p:spTree>
-      <p:nvGrpSpPr>
-        <p:cNvPr id="1" name=""/>
-        <p:cNvGrpSpPr/>
-        <p:nvPr/>
-      </p:nvGrpSpPr>
-      <p:grpSpPr>
-        <a:xfrm>
-          <a:off x="0" y="0"/>
-          <a:ext cx="0" cy="0"/>
-          <a:chOff x="0" y="0"/>
-          <a:chExt cx="0" cy="0"/>
-        </a:xfrm>
-      </p:grpSpPr>
-      <p:sp>
-        <p:nvSpPr>
-          <p:cNvPr id="5122" name="Rectangle 2"/>
-          <p:cNvSpPr>
-            <a:spLocks noGrp="1" noChangeArrowheads="1"/>
-          </p:cNvSpPr>
-          <p:nvPr>
-            <p:ph type="ctrTitle"/>
-          </p:nvPr>
-        </p:nvSpPr>
-        <p:spPr>
-          <a:xfrm>
-            <a:off x="327478" y="2214789"/>
-            <a:ext cx="4146551" cy="1891846"/>
-          </a:xfrm>
-        </p:spPr>
-        <p:txBody>
-          <a:bodyPr/>
-          <a:lstStyle/>
-          <a:p>
-            <a:pPr eaLnBrk="1" hangingPunct="1"/>
-            <a:r>
-              <a:rPr lang="es-ES" sz="2400" dirty="0"/>
-              <a:t>Configurar rutas estáticas y por default IPv6</a:t>
-            </a:r>
-            <a:endParaRPr lang="es-ES" sz="2400" dirty="0">
-              <a:solidFill>
-                <a:srgbClr val="00B0F0"/>
-              </a:solidFill>
-            </a:endParaRPr>
-          </a:p>
-        </p:txBody>
-      </p:sp>
-    </p:spTree>
-    <p:extLst>
-      <p:ext uri="{BB962C8B-B14F-4D97-AF65-F5344CB8AC3E}">
-        <p14:creationId xmlns:p14="http://schemas.microsoft.com/office/powerpoint/2010/main" val="3553669503"/>
-      </p:ext>
-    </p:extLst>
-  </p:cSld>
-  <p:clrMapOvr>
-    <a:masterClrMapping/>
-  </p:clrMapOvr>
-  <p:transition>
     <p:wipe dir="r"/>
   </p:transition>
 </p:sld>
@@ -17692,13 +17673,7 @@
             </a:br>
             <a:r>
               <a:rPr lang="es-ES" dirty="0"/>
-              <a:t>El comando </a:t>
-            </a:r>
-            <a:r>
-              <a:rPr lang="es-ES" dirty="0">
-                <a:latin typeface="Courier New" panose="02070309020205020404" pitchFamily="49" charset="0"/>
-              </a:rPr>
-              <a:t>ipv6 route</a:t>
+              <a:t>Opciones de siguiente salto</a:t>
             </a:r>
           </a:p>
         </p:txBody>
@@ -17713,8 +17688,8 @@
         </p:nvSpPr>
         <p:spPr bwMode="auto">
           <a:xfrm>
-            <a:off x="698268" y="-48399"/>
-            <a:ext cx="8445731" cy="553998"/>
+            <a:off x="781396" y="-48399"/>
+            <a:ext cx="8362604" cy="553998"/>
           </a:xfrm>
           <a:prstGeom prst="rect">
             <a:avLst/>
@@ -17832,8 +17807,8 @@
         </p:nvSpPr>
         <p:spPr bwMode="auto">
           <a:xfrm>
-            <a:off x="598516" y="104001"/>
-            <a:ext cx="8396628" cy="553998"/>
+            <a:off x="781396" y="104001"/>
+            <a:ext cx="8184628" cy="553998"/>
           </a:xfrm>
           <a:prstGeom prst="rect">
             <a:avLst/>
@@ -17941,40 +17916,131 @@
           </a:p>
         </p:txBody>
       </p:sp>
-      <p:pic>
-        <p:nvPicPr>
-          <p:cNvPr id="3" name="Picture 2"/>
-          <p:cNvPicPr>
-            <a:picLocks noChangeAspect="1"/>
-          </p:cNvPicPr>
+      <p:sp>
+        <p:nvSpPr>
+          <p:cNvPr id="6" name="Rectangle 5"/>
+          <p:cNvSpPr/>
           <p:nvPr/>
-        </p:nvPicPr>
-        <p:blipFill>
-          <a:blip r:embed="rId3" cstate="email">
-            <a:extLst>
-              <a:ext uri="{28A0092B-C50C-407E-A947-70E740481C1C}">
-                <a14:useLocalDpi xmlns:a14="http://schemas.microsoft.com/office/drawing/2010/main" val="0"/>
-              </a:ext>
-            </a:extLst>
-          </a:blip>
-          <a:stretch>
-            <a:fillRect/>
-          </a:stretch>
-        </p:blipFill>
+        </p:nvSpPr>
         <p:spPr>
           <a:xfrm>
-            <a:off x="1200694" y="1474584"/>
-            <a:ext cx="6750551" cy="4922785"/>
+            <a:off x="346363" y="1474584"/>
+            <a:ext cx="8619661" cy="2154436"/>
           </a:xfrm>
           <a:prstGeom prst="rect">
             <a:avLst/>
           </a:prstGeom>
         </p:spPr>
-      </p:pic>
+        <p:txBody>
+          <a:bodyPr wrap="square">
+            <a:spAutoFit/>
+          </a:bodyPr>
+          <a:lstStyle/>
+          <a:p>
+            <a:pPr marL="236538" lvl="0" indent="-236538" algn="l" defTabSz="814388">
+              <a:lnSpc>
+                <a:spcPct val="95000"/>
+              </a:lnSpc>
+              <a:spcBef>
+                <a:spcPct val="50000"/>
+              </a:spcBef>
+              <a:buClr>
+                <a:srgbClr val="708CA1"/>
+              </a:buClr>
+              <a:buFont typeface="Wingdings" charset="0"/>
+              <a:buChar char="§"/>
+            </a:pPr>
+            <a:r>
+              <a:rPr lang="es-ES" sz="2000" b="1" kern="0" dirty="0">
+                <a:solidFill>
+                  <a:srgbClr val="000000"/>
+                </a:solidFill>
+                <a:latin typeface="Arial"/>
+              </a:rPr>
+              <a:t>Ruta IPv6 del siguiente salto</a:t>
+            </a:r>
+            <a:r>
+              <a:rPr lang="es-ES" sz="2000" kern="0" dirty="0">
+                <a:solidFill>
+                  <a:srgbClr val="000000"/>
+                </a:solidFill>
+                <a:latin typeface="Arial"/>
+              </a:rPr>
+              <a:t>: solo se especifica la dirección IPv6 del siguiente salto.</a:t>
+            </a:r>
+          </a:p>
+          <a:p>
+            <a:pPr marL="236538" lvl="0" indent="-236538" algn="l" defTabSz="814388">
+              <a:lnSpc>
+                <a:spcPct val="95000"/>
+              </a:lnSpc>
+              <a:spcBef>
+                <a:spcPct val="50000"/>
+              </a:spcBef>
+              <a:buClr>
+                <a:srgbClr val="708CA1"/>
+              </a:buClr>
+              <a:buFont typeface="Wingdings" charset="0"/>
+              <a:buChar char="§"/>
+            </a:pPr>
+            <a:r>
+              <a:rPr lang="es-ES" sz="2000" b="1" kern="0" dirty="0">
+                <a:solidFill>
+                  <a:srgbClr val="000000"/>
+                </a:solidFill>
+                <a:latin typeface="Arial"/>
+              </a:rPr>
+              <a:t>Ruta IPv6 estática conectada directamente</a:t>
+            </a:r>
+            <a:r>
+              <a:rPr lang="es-ES" sz="2000" kern="0" dirty="0">
+                <a:solidFill>
+                  <a:srgbClr val="000000"/>
+                </a:solidFill>
+                <a:latin typeface="Arial"/>
+              </a:rPr>
+              <a:t>: solo se especifica la interfaz de salida del router.</a:t>
+            </a:r>
+          </a:p>
+          <a:p>
+            <a:pPr marL="236538" lvl="0" indent="-236538" algn="l" defTabSz="814388">
+              <a:lnSpc>
+                <a:spcPct val="95000"/>
+              </a:lnSpc>
+              <a:spcBef>
+                <a:spcPct val="50000"/>
+              </a:spcBef>
+              <a:buClr>
+                <a:srgbClr val="708CA1"/>
+              </a:buClr>
+              <a:buFont typeface="Wingdings" charset="0"/>
+              <a:buChar char="§"/>
+            </a:pPr>
+            <a:r>
+              <a:rPr lang="es-ES" sz="2000" b="1" kern="0" dirty="0">
+                <a:solidFill>
+                  <a:srgbClr val="000000"/>
+                </a:solidFill>
+                <a:latin typeface="Arial"/>
+              </a:rPr>
+              <a:t>Ruta IPv6 estática totalmente especificada</a:t>
+            </a:r>
+            <a:r>
+              <a:rPr lang="es-ES" sz="2000" kern="0" dirty="0">
+                <a:solidFill>
+                  <a:srgbClr val="000000"/>
+                </a:solidFill>
+                <a:latin typeface="Arial"/>
+              </a:rPr>
+              <a:t>: se especifican la dirección IPv6 del siguiente salto y la interfaz de salida.</a:t>
+            </a:r>
+          </a:p>
+        </p:txBody>
+      </p:sp>
     </p:spTree>
     <p:extLst>
       <p:ext uri="{BB962C8B-B14F-4D97-AF65-F5344CB8AC3E}">
-        <p14:creationId xmlns:p14="http://schemas.microsoft.com/office/powerpoint/2010/main" val="529944694"/>
+        <p14:creationId xmlns:p14="http://schemas.microsoft.com/office/powerpoint/2010/main" val="3679068436"/>
       </p:ext>
     </p:extLst>
   </p:cSld>
@@ -18014,9 +18080,14 @@
             <p:ph type="title"/>
           </p:nvPr>
         </p:nvSpPr>
-        <p:spPr/>
+        <p:spPr>
+          <a:xfrm>
+            <a:off x="193868" y="394392"/>
+            <a:ext cx="8875704" cy="838200"/>
+          </a:xfrm>
+        </p:spPr>
         <p:txBody>
-          <a:bodyPr/>
+          <a:bodyPr anchor="t"/>
           <a:lstStyle/>
           <a:p>
             <a:r>
@@ -18028,7 +18099,7 @@
             </a:br>
             <a:r>
               <a:rPr lang="es-ES" dirty="0"/>
-              <a:t>Opciones de siguiente salto</a:t>
+              <a:t>Configurar una ruta IPv6 estática de siguiente salto</a:t>
             </a:r>
           </a:p>
         </p:txBody>
@@ -18043,8 +18114,8 @@
         </p:nvSpPr>
         <p:spPr bwMode="auto">
           <a:xfrm>
-            <a:off x="781396" y="-48399"/>
-            <a:ext cx="8362604" cy="553998"/>
+            <a:off x="897775" y="57931"/>
+            <a:ext cx="7991044" cy="553998"/>
           </a:xfrm>
           <a:prstGeom prst="rect">
             <a:avLst/>
@@ -18162,8 +18233,8 @@
         </p:nvSpPr>
         <p:spPr bwMode="auto">
           <a:xfrm>
-            <a:off x="781396" y="104001"/>
-            <a:ext cx="8184628" cy="553998"/>
+            <a:off x="656704" y="104001"/>
+            <a:ext cx="8327807" cy="553998"/>
           </a:xfrm>
           <a:prstGeom prst="rect">
             <a:avLst/>
@@ -18271,131 +18342,40 @@
           </a:p>
         </p:txBody>
       </p:sp>
-      <p:sp>
-        <p:nvSpPr>
-          <p:cNvPr id="6" name="Rectangle 5"/>
-          <p:cNvSpPr/>
+      <p:pic>
+        <p:nvPicPr>
+          <p:cNvPr id="3" name="Picture 2"/>
+          <p:cNvPicPr>
+            <a:picLocks noChangeAspect="1"/>
+          </p:cNvPicPr>
           <p:nvPr/>
-        </p:nvSpPr>
+        </p:nvPicPr>
+        <p:blipFill>
+          <a:blip r:embed="rId3">
+            <a:extLst>
+              <a:ext uri="{28A0092B-C50C-407E-A947-70E740481C1C}">
+                <a14:useLocalDpi xmlns:a14="http://schemas.microsoft.com/office/drawing/2010/main" val="0"/>
+              </a:ext>
+            </a:extLst>
+          </a:blip>
+          <a:stretch>
+            <a:fillRect/>
+          </a:stretch>
+        </p:blipFill>
         <p:spPr>
           <a:xfrm>
-            <a:off x="346363" y="1474584"/>
-            <a:ext cx="8619661" cy="2154436"/>
+            <a:off x="1318519" y="1520462"/>
+            <a:ext cx="6234674" cy="5140036"/>
           </a:xfrm>
           <a:prstGeom prst="rect">
             <a:avLst/>
           </a:prstGeom>
         </p:spPr>
-        <p:txBody>
-          <a:bodyPr wrap="square">
-            <a:spAutoFit/>
-          </a:bodyPr>
-          <a:lstStyle/>
-          <a:p>
-            <a:pPr marL="236538" lvl="0" indent="-236538" algn="l" defTabSz="814388">
-              <a:lnSpc>
-                <a:spcPct val="95000"/>
-              </a:lnSpc>
-              <a:spcBef>
-                <a:spcPct val="50000"/>
-              </a:spcBef>
-              <a:buClr>
-                <a:srgbClr val="708CA1"/>
-              </a:buClr>
-              <a:buFont typeface="Wingdings" charset="0"/>
-              <a:buChar char="§"/>
-            </a:pPr>
-            <a:r>
-              <a:rPr lang="es-ES" sz="2000" b="1" kern="0" dirty="0">
-                <a:solidFill>
-                  <a:srgbClr val="000000"/>
-                </a:solidFill>
-                <a:latin typeface="Arial"/>
-              </a:rPr>
-              <a:t>Ruta IPv6 del siguiente salto</a:t>
-            </a:r>
-            <a:r>
-              <a:rPr lang="es-ES" sz="2000" kern="0" dirty="0">
-                <a:solidFill>
-                  <a:srgbClr val="000000"/>
-                </a:solidFill>
-                <a:latin typeface="Arial"/>
-              </a:rPr>
-              <a:t>: solo se especifica la dirección IPv6 del siguiente salto.</a:t>
-            </a:r>
-          </a:p>
-          <a:p>
-            <a:pPr marL="236538" lvl="0" indent="-236538" algn="l" defTabSz="814388">
-              <a:lnSpc>
-                <a:spcPct val="95000"/>
-              </a:lnSpc>
-              <a:spcBef>
-                <a:spcPct val="50000"/>
-              </a:spcBef>
-              <a:buClr>
-                <a:srgbClr val="708CA1"/>
-              </a:buClr>
-              <a:buFont typeface="Wingdings" charset="0"/>
-              <a:buChar char="§"/>
-            </a:pPr>
-            <a:r>
-              <a:rPr lang="es-ES" sz="2000" b="1" kern="0" dirty="0">
-                <a:solidFill>
-                  <a:srgbClr val="000000"/>
-                </a:solidFill>
-                <a:latin typeface="Arial"/>
-              </a:rPr>
-              <a:t>Ruta IPv6 estática conectada directamente</a:t>
-            </a:r>
-            <a:r>
-              <a:rPr lang="es-ES" sz="2000" kern="0" dirty="0">
-                <a:solidFill>
-                  <a:srgbClr val="000000"/>
-                </a:solidFill>
-                <a:latin typeface="Arial"/>
-              </a:rPr>
-              <a:t>: solo se especifica la interfaz de salida del router.</a:t>
-            </a:r>
-          </a:p>
-          <a:p>
-            <a:pPr marL="236538" lvl="0" indent="-236538" algn="l" defTabSz="814388">
-              <a:lnSpc>
-                <a:spcPct val="95000"/>
-              </a:lnSpc>
-              <a:spcBef>
-                <a:spcPct val="50000"/>
-              </a:spcBef>
-              <a:buClr>
-                <a:srgbClr val="708CA1"/>
-              </a:buClr>
-              <a:buFont typeface="Wingdings" charset="0"/>
-              <a:buChar char="§"/>
-            </a:pPr>
-            <a:r>
-              <a:rPr lang="es-ES" sz="2000" b="1" kern="0" dirty="0">
-                <a:solidFill>
-                  <a:srgbClr val="000000"/>
-                </a:solidFill>
-                <a:latin typeface="Arial"/>
-              </a:rPr>
-              <a:t>Ruta IPv6 estática totalmente especificada</a:t>
-            </a:r>
-            <a:r>
-              <a:rPr lang="es-ES" sz="2000" kern="0" dirty="0">
-                <a:solidFill>
-                  <a:srgbClr val="000000"/>
-                </a:solidFill>
-                <a:latin typeface="Arial"/>
-              </a:rPr>
-              <a:t>: se especifican la dirección IPv6 del siguiente salto y la interfaz de salida.</a:t>
-            </a:r>
-          </a:p>
-        </p:txBody>
-      </p:sp>
+      </p:pic>
     </p:spTree>
     <p:extLst>
       <p:ext uri="{BB962C8B-B14F-4D97-AF65-F5344CB8AC3E}">
-        <p14:creationId xmlns:p14="http://schemas.microsoft.com/office/powerpoint/2010/main" val="3679068436"/>
+        <p14:creationId xmlns:p14="http://schemas.microsoft.com/office/powerpoint/2010/main" val="120974620"/>
       </p:ext>
     </p:extLst>
   </p:cSld>
@@ -18435,12 +18415,7 @@
             <p:ph type="title"/>
           </p:nvPr>
         </p:nvSpPr>
-        <p:spPr>
-          <a:xfrm>
-            <a:off x="193868" y="394392"/>
-            <a:ext cx="8875704" cy="838200"/>
-          </a:xfrm>
-        </p:spPr>
+        <p:spPr/>
         <p:txBody>
           <a:bodyPr anchor="t"/>
           <a:lstStyle/>
@@ -18454,7 +18429,7 @@
             </a:br>
             <a:r>
               <a:rPr lang="es-ES" dirty="0"/>
-              <a:t>Configurar una ruta IPv6 estática de siguiente salto</a:t>
+              <a:t>Configurar una ruta IPv6 estática conectada directamente</a:t>
             </a:r>
           </a:p>
         </p:txBody>
@@ -18469,8 +18444,8 @@
         </p:nvSpPr>
         <p:spPr bwMode="auto">
           <a:xfrm>
-            <a:off x="897775" y="57931"/>
-            <a:ext cx="7991044" cy="553998"/>
+            <a:off x="764771" y="-48399"/>
+            <a:ext cx="8177210" cy="553998"/>
           </a:xfrm>
           <a:prstGeom prst="rect">
             <a:avLst/>
@@ -18588,8 +18563,8 @@
         </p:nvSpPr>
         <p:spPr bwMode="auto">
           <a:xfrm>
-            <a:off x="656704" y="104001"/>
-            <a:ext cx="8327807" cy="553998"/>
+            <a:off x="764771" y="104001"/>
+            <a:ext cx="8177210" cy="553998"/>
           </a:xfrm>
           <a:prstGeom prst="rect">
             <a:avLst/>
@@ -18699,7 +18674,7 @@
       </p:sp>
       <p:pic>
         <p:nvPicPr>
-          <p:cNvPr id="3" name="Picture 2"/>
+          <p:cNvPr id="5" name="Picture 4"/>
           <p:cNvPicPr>
             <a:picLocks noChangeAspect="1"/>
           </p:cNvPicPr>
@@ -18719,8 +18694,8 @@
         </p:blipFill>
         <p:spPr>
           <a:xfrm>
-            <a:off x="1318519" y="1520462"/>
-            <a:ext cx="6234674" cy="5140036"/>
+            <a:off x="1967346" y="1497257"/>
+            <a:ext cx="5583382" cy="4897368"/>
           </a:xfrm>
           <a:prstGeom prst="rect">
             <a:avLst/>
@@ -18730,7 +18705,7 @@
     </p:spTree>
     <p:extLst>
       <p:ext uri="{BB962C8B-B14F-4D97-AF65-F5344CB8AC3E}">
-        <p14:creationId xmlns:p14="http://schemas.microsoft.com/office/powerpoint/2010/main" val="120974620"/>
+        <p14:creationId xmlns:p14="http://schemas.microsoft.com/office/powerpoint/2010/main" val="2652153045"/>
       </p:ext>
     </p:extLst>
   </p:cSld>
@@ -18784,7 +18759,7 @@
             </a:br>
             <a:r>
               <a:rPr lang="es-ES" dirty="0"/>
-              <a:t>Configurar una ruta IPv6 estática conectada directamente</a:t>
+              <a:t>Configurar una ruta IPv6 estática totalmente especificada</a:t>
             </a:r>
           </a:p>
         </p:txBody>
@@ -18799,8 +18774,8 @@
         </p:nvSpPr>
         <p:spPr bwMode="auto">
           <a:xfrm>
-            <a:off x="764771" y="-48399"/>
-            <a:ext cx="8177210" cy="553998"/>
+            <a:off x="734290" y="-48399"/>
+            <a:ext cx="8409710" cy="553998"/>
           </a:xfrm>
           <a:prstGeom prst="rect">
             <a:avLst/>
@@ -18918,8 +18893,8 @@
         </p:nvSpPr>
         <p:spPr bwMode="auto">
           <a:xfrm>
-            <a:off x="764771" y="104001"/>
-            <a:ext cx="8177210" cy="553998"/>
+            <a:off x="734290" y="104001"/>
+            <a:ext cx="8562109" cy="553998"/>
           </a:xfrm>
           <a:prstGeom prst="rect">
             <a:avLst/>
@@ -19029,14 +19004,14 @@
       </p:sp>
       <p:pic>
         <p:nvPicPr>
-          <p:cNvPr id="5" name="Picture 4"/>
+          <p:cNvPr id="3" name="Picture 2"/>
           <p:cNvPicPr>
             <a:picLocks noChangeAspect="1"/>
           </p:cNvPicPr>
           <p:nvPr/>
         </p:nvPicPr>
         <p:blipFill>
-          <a:blip r:embed="rId3">
+          <a:blip r:embed="rId3" cstate="email">
             <a:extLst>
               <a:ext uri="{28A0092B-C50C-407E-A947-70E740481C1C}">
                 <a14:useLocalDpi xmlns:a14="http://schemas.microsoft.com/office/drawing/2010/main" val="0"/>
@@ -19049,8 +19024,8 @@
         </p:blipFill>
         <p:spPr>
           <a:xfrm>
-            <a:off x="1967346" y="1497257"/>
-            <a:ext cx="5583382" cy="4897368"/>
+            <a:off x="735759" y="1619134"/>
+            <a:ext cx="7686337" cy="5030835"/>
           </a:xfrm>
           <a:prstGeom prst="rect">
             <a:avLst/>
@@ -19060,7 +19035,7 @@
     </p:spTree>
     <p:extLst>
       <p:ext uri="{BB962C8B-B14F-4D97-AF65-F5344CB8AC3E}">
-        <p14:creationId xmlns:p14="http://schemas.microsoft.com/office/powerpoint/2010/main" val="2652153045"/>
+        <p14:creationId xmlns:p14="http://schemas.microsoft.com/office/powerpoint/2010/main" val="2737375730"/>
       </p:ext>
     </p:extLst>
   </p:cSld>
@@ -19102,7 +19077,7 @@
         </p:nvSpPr>
         <p:spPr/>
         <p:txBody>
-          <a:bodyPr anchor="t"/>
+          <a:bodyPr/>
           <a:lstStyle/>
           <a:p>
             <a:r>
@@ -19114,7 +19089,7 @@
             </a:br>
             <a:r>
               <a:rPr lang="es-ES" dirty="0"/>
-              <a:t>Configurar una ruta IPv6 estática totalmente especificada</a:t>
+              <a:t>Verificar rutas IPv6 estáticas</a:t>
             </a:r>
           </a:p>
         </p:txBody>
@@ -19129,8 +19104,8 @@
         </p:nvSpPr>
         <p:spPr bwMode="auto">
           <a:xfrm>
-            <a:off x="734290" y="-48399"/>
-            <a:ext cx="8409710" cy="553998"/>
+            <a:off x="831272" y="-48399"/>
+            <a:ext cx="8312727" cy="553998"/>
           </a:xfrm>
           <a:prstGeom prst="rect">
             <a:avLst/>
@@ -19248,8 +19223,8 @@
         </p:nvSpPr>
         <p:spPr bwMode="auto">
           <a:xfrm>
-            <a:off x="734290" y="104001"/>
-            <a:ext cx="8562109" cy="553998"/>
+            <a:off x="714894" y="104001"/>
+            <a:ext cx="8581505" cy="553998"/>
           </a:xfrm>
           <a:prstGeom prst="rect">
             <a:avLst/>
@@ -19357,9 +19332,202 @@
           </a:p>
         </p:txBody>
       </p:sp>
+      <p:sp>
+        <p:nvSpPr>
+          <p:cNvPr id="5" name="Rectangle 4"/>
+          <p:cNvSpPr/>
+          <p:nvPr/>
+        </p:nvSpPr>
+        <p:spPr>
+          <a:xfrm>
+            <a:off x="304800" y="1474583"/>
+            <a:ext cx="3796145" cy="2600712"/>
+          </a:xfrm>
+          <a:prstGeom prst="rect">
+            <a:avLst/>
+          </a:prstGeom>
+        </p:spPr>
+        <p:txBody>
+          <a:bodyPr wrap="square">
+            <a:spAutoFit/>
+          </a:bodyPr>
+          <a:lstStyle/>
+          <a:p>
+            <a:pPr lvl="0" algn="l" defTabSz="814388">
+              <a:lnSpc>
+                <a:spcPct val="95000"/>
+              </a:lnSpc>
+              <a:spcBef>
+                <a:spcPct val="50000"/>
+              </a:spcBef>
+              <a:buClr>
+                <a:srgbClr val="708CA1"/>
+              </a:buClr>
+            </a:pPr>
+            <a:r>
+              <a:rPr lang="es-ES" sz="2000" kern="0" dirty="0">
+                <a:solidFill>
+                  <a:srgbClr val="000000"/>
+                </a:solidFill>
+                <a:latin typeface="Arial"/>
+              </a:rPr>
+              <a:t>Además de </a:t>
+            </a:r>
+            <a:r>
+              <a:rPr lang="es-ES" sz="2000" b="1" kern="0" dirty="0">
+                <a:solidFill>
+                  <a:srgbClr val="000000"/>
+                </a:solidFill>
+                <a:latin typeface="Courier"/>
+              </a:rPr>
+              <a:t>ping</a:t>
+            </a:r>
+            <a:r>
+              <a:rPr lang="es-ES" dirty="0"/>
+              <a:t> </a:t>
+            </a:r>
+            <a:r>
+              <a:rPr lang="es-ES" sz="2000" kern="0" dirty="0">
+                <a:solidFill>
+                  <a:srgbClr val="000000"/>
+                </a:solidFill>
+                <a:latin typeface="Arial"/>
+              </a:rPr>
+              <a:t>y</a:t>
+            </a:r>
+            <a:r>
+              <a:rPr lang="es-ES" dirty="0"/>
+              <a:t> </a:t>
+            </a:r>
+            <a:r>
+              <a:rPr lang="es-ES" sz="2000" b="1" kern="0" dirty="0">
+                <a:solidFill>
+                  <a:srgbClr val="000000"/>
+                </a:solidFill>
+                <a:latin typeface="Courier"/>
+              </a:rPr>
+              <a:t>traceroute</a:t>
+            </a:r>
+            <a:r>
+              <a:rPr lang="es-ES" sz="2000" kern="0" dirty="0">
+                <a:solidFill>
+                  <a:srgbClr val="000000"/>
+                </a:solidFill>
+                <a:latin typeface="Arial"/>
+              </a:rPr>
+              <a:t>, otros de los comandos para verificar rutas estáticas son:</a:t>
+            </a:r>
+          </a:p>
+          <a:p>
+            <a:pPr marL="236538" lvl="0" indent="-236538" algn="l" defTabSz="814388">
+              <a:lnSpc>
+                <a:spcPct val="95000"/>
+              </a:lnSpc>
+              <a:spcBef>
+                <a:spcPct val="50000"/>
+              </a:spcBef>
+              <a:buClr>
+                <a:srgbClr val="708CA1"/>
+              </a:buClr>
+              <a:buFont typeface="Wingdings" pitchFamily="2" charset="2"/>
+              <a:buChar char="§"/>
+            </a:pPr>
+            <a:r>
+              <a:rPr lang="es-ES" sz="2000" b="1" kern="0" dirty="0">
+                <a:solidFill>
+                  <a:srgbClr val="000000"/>
+                </a:solidFill>
+                <a:latin typeface="Courier"/>
+              </a:rPr>
+              <a:t>show ipv6 route</a:t>
+            </a:r>
+            <a:endParaRPr lang="es-ES" sz="2000" kern="0" dirty="0">
+              <a:solidFill>
+                <a:srgbClr val="000000"/>
+              </a:solidFill>
+              <a:latin typeface="Courier"/>
+              <a:ea typeface="+mn-ea"/>
+              <a:cs typeface="Courier"/>
+            </a:endParaRPr>
+          </a:p>
+          <a:p>
+            <a:pPr marL="236538" lvl="0" indent="-236538" algn="l" defTabSz="814388">
+              <a:lnSpc>
+                <a:spcPct val="95000"/>
+              </a:lnSpc>
+              <a:spcBef>
+                <a:spcPct val="50000"/>
+              </a:spcBef>
+              <a:buClr>
+                <a:srgbClr val="708CA1"/>
+              </a:buClr>
+              <a:buFont typeface="Wingdings" pitchFamily="2" charset="2"/>
+              <a:buChar char="§"/>
+            </a:pPr>
+            <a:r>
+              <a:rPr lang="es-ES" sz="2000" b="1" kern="0" dirty="0">
+                <a:solidFill>
+                  <a:srgbClr val="000000"/>
+                </a:solidFill>
+                <a:latin typeface="Courier"/>
+              </a:rPr>
+              <a:t>show ipv6 route static</a:t>
+            </a:r>
+            <a:endParaRPr lang="es-ES" sz="2000" kern="0" dirty="0">
+              <a:solidFill>
+                <a:srgbClr val="000000"/>
+              </a:solidFill>
+              <a:latin typeface="Courier"/>
+              <a:ea typeface="+mn-ea"/>
+              <a:cs typeface="Courier"/>
+            </a:endParaRPr>
+          </a:p>
+          <a:p>
+            <a:pPr marL="236538" lvl="0" indent="-236538" algn="l" defTabSz="814388">
+              <a:lnSpc>
+                <a:spcPct val="95000"/>
+              </a:lnSpc>
+              <a:spcBef>
+                <a:spcPct val="50000"/>
+              </a:spcBef>
+              <a:buClr>
+                <a:srgbClr val="708CA1"/>
+              </a:buClr>
+              <a:buFont typeface="Wingdings" pitchFamily="2" charset="2"/>
+              <a:buChar char="§"/>
+            </a:pPr>
+            <a:r>
+              <a:rPr lang="es-ES" sz="2000" b="1" kern="0" dirty="0">
+                <a:solidFill>
+                  <a:srgbClr val="000000"/>
+                </a:solidFill>
+                <a:latin typeface="Courier"/>
+              </a:rPr>
+              <a:t>show ipv6 route </a:t>
+            </a:r>
+            <a:r>
+              <a:rPr lang="es-ES" sz="2000" i="1" kern="0" dirty="0">
+                <a:solidFill>
+                  <a:srgbClr val="000000"/>
+                </a:solidFill>
+                <a:latin typeface="Courier"/>
+              </a:rPr>
+              <a:t>red</a:t>
+            </a:r>
+            <a:endParaRPr lang="es-ES" sz="2000" kern="0" dirty="0">
+              <a:solidFill>
+                <a:srgbClr val="000000"/>
+              </a:solidFill>
+              <a:latin typeface="Courier"/>
+              <a:ea typeface="+mn-ea"/>
+              <a:cs typeface="Courier"/>
+            </a:endParaRPr>
+          </a:p>
+        </p:txBody>
+      </p:sp>
       <p:pic>
         <p:nvPicPr>
-          <p:cNvPr id="3" name="Picture 2"/>
+          <p:cNvPr id="8" name="Picture 7"/>
           <p:cNvPicPr>
             <a:picLocks noChangeAspect="1"/>
           </p:cNvPicPr>
@@ -19379,8 +19547,8 @@
         </p:blipFill>
         <p:spPr>
           <a:xfrm>
-            <a:off x="735759" y="1619134"/>
-            <a:ext cx="7686337" cy="5030835"/>
+            <a:off x="4100945" y="1828906"/>
+            <a:ext cx="4783995" cy="4128443"/>
           </a:xfrm>
           <a:prstGeom prst="rect">
             <a:avLst/>
@@ -19390,7 +19558,7 @@
     </p:spTree>
     <p:extLst>
       <p:ext uri="{BB962C8B-B14F-4D97-AF65-F5344CB8AC3E}">
-        <p14:creationId xmlns:p14="http://schemas.microsoft.com/office/powerpoint/2010/main" val="2737375730"/>
+        <p14:creationId xmlns:p14="http://schemas.microsoft.com/office/powerpoint/2010/main" val="2797834957"/>
       </p:ext>
     </p:extLst>
   </p:cSld>
@@ -19437,14 +19605,14 @@
           <a:p>
             <a:r>
               <a:rPr lang="es-ES" sz="1800" dirty="0"/>
-              <a:t>Configurar rutas estáticas IPv6</a:t>
+              <a:t>Configurar rutas por default IPv6</a:t>
             </a:r>
             <a:br>
               <a:rPr dirty="0"/>
             </a:br>
             <a:r>
               <a:rPr lang="es-ES" dirty="0"/>
-              <a:t>Verificar rutas IPv6 estáticas</a:t>
+              <a:t>Ruta IPv6 estática por default</a:t>
             </a:r>
           </a:p>
         </p:txBody>
@@ -19459,8 +19627,8 @@
         </p:nvSpPr>
         <p:spPr bwMode="auto">
           <a:xfrm>
-            <a:off x="831272" y="-48399"/>
-            <a:ext cx="8312727" cy="553998"/>
+            <a:off x="764770" y="-48399"/>
+            <a:ext cx="8379229" cy="553998"/>
           </a:xfrm>
           <a:prstGeom prst="rect">
             <a:avLst/>
@@ -19578,8 +19746,8 @@
         </p:nvSpPr>
         <p:spPr bwMode="auto">
           <a:xfrm>
-            <a:off x="714894" y="104001"/>
-            <a:ext cx="8581505" cy="553998"/>
+            <a:off x="689956" y="104001"/>
+            <a:ext cx="8606444" cy="553998"/>
           </a:xfrm>
           <a:prstGeom prst="rect">
             <a:avLst/>
@@ -19687,202 +19855,9 @@
           </a:p>
         </p:txBody>
       </p:sp>
-      <p:sp>
-        <p:nvSpPr>
-          <p:cNvPr id="5" name="Rectangle 4"/>
-          <p:cNvSpPr/>
-          <p:nvPr/>
-        </p:nvSpPr>
-        <p:spPr>
-          <a:xfrm>
-            <a:off x="304800" y="1474583"/>
-            <a:ext cx="3796145" cy="2600712"/>
-          </a:xfrm>
-          <a:prstGeom prst="rect">
-            <a:avLst/>
-          </a:prstGeom>
-        </p:spPr>
-        <p:txBody>
-          <a:bodyPr wrap="square">
-            <a:spAutoFit/>
-          </a:bodyPr>
-          <a:lstStyle/>
-          <a:p>
-            <a:pPr lvl="0" algn="l" defTabSz="814388">
-              <a:lnSpc>
-                <a:spcPct val="95000"/>
-              </a:lnSpc>
-              <a:spcBef>
-                <a:spcPct val="50000"/>
-              </a:spcBef>
-              <a:buClr>
-                <a:srgbClr val="708CA1"/>
-              </a:buClr>
-            </a:pPr>
-            <a:r>
-              <a:rPr lang="es-ES" sz="2000" kern="0" dirty="0">
-                <a:solidFill>
-                  <a:srgbClr val="000000"/>
-                </a:solidFill>
-                <a:latin typeface="Arial"/>
-              </a:rPr>
-              <a:t>Además de </a:t>
-            </a:r>
-            <a:r>
-              <a:rPr lang="es-ES" sz="2000" b="1" kern="0" dirty="0">
-                <a:solidFill>
-                  <a:srgbClr val="000000"/>
-                </a:solidFill>
-                <a:latin typeface="Courier"/>
-              </a:rPr>
-              <a:t>ping</a:t>
-            </a:r>
-            <a:r>
-              <a:rPr lang="es-ES" dirty="0"/>
-              <a:t> </a:t>
-            </a:r>
-            <a:r>
-              <a:rPr lang="es-ES" sz="2000" kern="0" dirty="0">
-                <a:solidFill>
-                  <a:srgbClr val="000000"/>
-                </a:solidFill>
-                <a:latin typeface="Arial"/>
-              </a:rPr>
-              <a:t>y</a:t>
-            </a:r>
-            <a:r>
-              <a:rPr lang="es-ES" dirty="0"/>
-              <a:t> </a:t>
-            </a:r>
-            <a:r>
-              <a:rPr lang="es-ES" sz="2000" b="1" kern="0" dirty="0">
-                <a:solidFill>
-                  <a:srgbClr val="000000"/>
-                </a:solidFill>
-                <a:latin typeface="Courier"/>
-              </a:rPr>
-              <a:t>traceroute</a:t>
-            </a:r>
-            <a:r>
-              <a:rPr lang="es-ES" sz="2000" kern="0" dirty="0">
-                <a:solidFill>
-                  <a:srgbClr val="000000"/>
-                </a:solidFill>
-                <a:latin typeface="Arial"/>
-              </a:rPr>
-              <a:t>, otros de los comandos para verificar rutas estáticas son:</a:t>
-            </a:r>
-          </a:p>
-          <a:p>
-            <a:pPr marL="236538" lvl="0" indent="-236538" algn="l" defTabSz="814388">
-              <a:lnSpc>
-                <a:spcPct val="95000"/>
-              </a:lnSpc>
-              <a:spcBef>
-                <a:spcPct val="50000"/>
-              </a:spcBef>
-              <a:buClr>
-                <a:srgbClr val="708CA1"/>
-              </a:buClr>
-              <a:buFont typeface="Wingdings" pitchFamily="2" charset="2"/>
-              <a:buChar char="§"/>
-            </a:pPr>
-            <a:r>
-              <a:rPr lang="es-ES" sz="2000" b="1" kern="0" dirty="0">
-                <a:solidFill>
-                  <a:srgbClr val="000000"/>
-                </a:solidFill>
-                <a:latin typeface="Courier"/>
-              </a:rPr>
-              <a:t>show ipv6 route</a:t>
-            </a:r>
-            <a:endParaRPr lang="es-ES" sz="2000" kern="0" dirty="0">
-              <a:solidFill>
-                <a:srgbClr val="000000"/>
-              </a:solidFill>
-              <a:latin typeface="Courier"/>
-              <a:ea typeface="+mn-ea"/>
-              <a:cs typeface="Courier"/>
-            </a:endParaRPr>
-          </a:p>
-          <a:p>
-            <a:pPr marL="236538" lvl="0" indent="-236538" algn="l" defTabSz="814388">
-              <a:lnSpc>
-                <a:spcPct val="95000"/>
-              </a:lnSpc>
-              <a:spcBef>
-                <a:spcPct val="50000"/>
-              </a:spcBef>
-              <a:buClr>
-                <a:srgbClr val="708CA1"/>
-              </a:buClr>
-              <a:buFont typeface="Wingdings" pitchFamily="2" charset="2"/>
-              <a:buChar char="§"/>
-            </a:pPr>
-            <a:r>
-              <a:rPr lang="es-ES" sz="2000" b="1" kern="0" dirty="0">
-                <a:solidFill>
-                  <a:srgbClr val="000000"/>
-                </a:solidFill>
-                <a:latin typeface="Courier"/>
-              </a:rPr>
-              <a:t>show ipv6 route static</a:t>
-            </a:r>
-            <a:endParaRPr lang="es-ES" sz="2000" kern="0" dirty="0">
-              <a:solidFill>
-                <a:srgbClr val="000000"/>
-              </a:solidFill>
-              <a:latin typeface="Courier"/>
-              <a:ea typeface="+mn-ea"/>
-              <a:cs typeface="Courier"/>
-            </a:endParaRPr>
-          </a:p>
-          <a:p>
-            <a:pPr marL="236538" lvl="0" indent="-236538" algn="l" defTabSz="814388">
-              <a:lnSpc>
-                <a:spcPct val="95000"/>
-              </a:lnSpc>
-              <a:spcBef>
-                <a:spcPct val="50000"/>
-              </a:spcBef>
-              <a:buClr>
-                <a:srgbClr val="708CA1"/>
-              </a:buClr>
-              <a:buFont typeface="Wingdings" pitchFamily="2" charset="2"/>
-              <a:buChar char="§"/>
-            </a:pPr>
-            <a:r>
-              <a:rPr lang="es-ES" sz="2000" b="1" kern="0" dirty="0">
-                <a:solidFill>
-                  <a:srgbClr val="000000"/>
-                </a:solidFill>
-                <a:latin typeface="Courier"/>
-              </a:rPr>
-              <a:t>show ipv6 route </a:t>
-            </a:r>
-            <a:r>
-              <a:rPr lang="es-ES" sz="2000" i="1" kern="0" dirty="0">
-                <a:solidFill>
-                  <a:srgbClr val="000000"/>
-                </a:solidFill>
-                <a:latin typeface="Courier"/>
-              </a:rPr>
-              <a:t>red</a:t>
-            </a:r>
-            <a:endParaRPr lang="es-ES" sz="2000" kern="0" dirty="0">
-              <a:solidFill>
-                <a:srgbClr val="000000"/>
-              </a:solidFill>
-              <a:latin typeface="Courier"/>
-              <a:ea typeface="+mn-ea"/>
-              <a:cs typeface="Courier"/>
-            </a:endParaRPr>
-          </a:p>
-        </p:txBody>
-      </p:sp>
       <p:pic>
         <p:nvPicPr>
-          <p:cNvPr id="8" name="Picture 7"/>
+          <p:cNvPr id="6" name="Picture 5"/>
           <p:cNvPicPr>
             <a:picLocks noChangeAspect="1"/>
           </p:cNvPicPr>
@@ -19902,8 +19877,8 @@
         </p:blipFill>
         <p:spPr>
           <a:xfrm>
-            <a:off x="4100945" y="1828906"/>
-            <a:ext cx="4783995" cy="4128443"/>
+            <a:off x="1048202" y="1607127"/>
+            <a:ext cx="7094751" cy="4827357"/>
           </a:xfrm>
           <a:prstGeom prst="rect">
             <a:avLst/>
@@ -19913,7 +19888,7 @@
     </p:spTree>
     <p:extLst>
       <p:ext uri="{BB962C8B-B14F-4D97-AF65-F5344CB8AC3E}">
-        <p14:creationId xmlns:p14="http://schemas.microsoft.com/office/powerpoint/2010/main" val="2797834957"/>
+        <p14:creationId xmlns:p14="http://schemas.microsoft.com/office/powerpoint/2010/main" val="644472322"/>
       </p:ext>
     </p:extLst>
   </p:cSld>
@@ -19955,7 +19930,7 @@
         </p:nvSpPr>
         <p:spPr/>
         <p:txBody>
-          <a:bodyPr/>
+          <a:bodyPr anchor="t"/>
           <a:lstStyle/>
           <a:p>
             <a:r>
@@ -19967,7 +19942,7 @@
             </a:br>
             <a:r>
               <a:rPr lang="es-ES" dirty="0"/>
-              <a:t>Ruta IPv6 estática por default</a:t>
+              <a:t>Configurar una ruta IPv6 estática por default</a:t>
             </a:r>
           </a:p>
         </p:txBody>
@@ -20101,8 +20076,8 @@
         </p:nvSpPr>
         <p:spPr bwMode="auto">
           <a:xfrm>
-            <a:off x="689956" y="104001"/>
-            <a:ext cx="8606444" cy="553998"/>
+            <a:off x="864524" y="104001"/>
+            <a:ext cx="8431876" cy="553998"/>
           </a:xfrm>
           <a:prstGeom prst="rect">
             <a:avLst/>
@@ -20212,14 +20187,14 @@
       </p:sp>
       <p:pic>
         <p:nvPicPr>
-          <p:cNvPr id="6" name="Picture 5"/>
+          <p:cNvPr id="3" name="Picture 2"/>
           <p:cNvPicPr>
             <a:picLocks noChangeAspect="1"/>
           </p:cNvPicPr>
           <p:nvPr/>
         </p:nvPicPr>
         <p:blipFill>
-          <a:blip r:embed="rId3" cstate="email">
+          <a:blip r:embed="rId3">
             <a:extLst>
               <a:ext uri="{28A0092B-C50C-407E-A947-70E740481C1C}">
                 <a14:useLocalDpi xmlns:a14="http://schemas.microsoft.com/office/drawing/2010/main" val="0"/>
@@ -20232,8 +20207,8 @@
         </p:blipFill>
         <p:spPr>
           <a:xfrm>
-            <a:off x="1048202" y="1607127"/>
-            <a:ext cx="7094751" cy="4827357"/>
+            <a:off x="1639715" y="1540936"/>
+            <a:ext cx="6169369" cy="5036415"/>
           </a:xfrm>
           <a:prstGeom prst="rect">
             <a:avLst/>
@@ -20243,7 +20218,7 @@
     </p:spTree>
     <p:extLst>
       <p:ext uri="{BB962C8B-B14F-4D97-AF65-F5344CB8AC3E}">
-        <p14:creationId xmlns:p14="http://schemas.microsoft.com/office/powerpoint/2010/main" val="644472322"/>
+        <p14:creationId xmlns:p14="http://schemas.microsoft.com/office/powerpoint/2010/main" val="2950177938"/>
       </p:ext>
     </p:extLst>
   </p:cSld>
@@ -20283,7 +20258,12 @@
             <p:ph type="title"/>
           </p:nvPr>
         </p:nvSpPr>
-        <p:spPr/>
+        <p:spPr>
+          <a:xfrm>
+            <a:off x="193868" y="402141"/>
+            <a:ext cx="8772157" cy="838200"/>
+          </a:xfrm>
+        </p:spPr>
         <p:txBody>
           <a:bodyPr anchor="t"/>
           <a:lstStyle/>
@@ -20297,7 +20277,7 @@
             </a:br>
             <a:r>
               <a:rPr lang="es-ES" dirty="0"/>
-              <a:t>Configurar una ruta IPv6 estática por default</a:t>
+              <a:t>Verificar una ruta estática IPv6 por default</a:t>
             </a:r>
           </a:p>
         </p:txBody>
@@ -20312,8 +20292,8 @@
         </p:nvSpPr>
         <p:spPr bwMode="auto">
           <a:xfrm>
-            <a:off x="764770" y="-48399"/>
-            <a:ext cx="8379229" cy="553998"/>
+            <a:off x="581890" y="-48399"/>
+            <a:ext cx="8562109" cy="553998"/>
           </a:xfrm>
           <a:prstGeom prst="rect">
             <a:avLst/>
@@ -20431,8 +20411,8 @@
         </p:nvSpPr>
         <p:spPr bwMode="auto">
           <a:xfrm>
-            <a:off x="864524" y="104001"/>
-            <a:ext cx="8431876" cy="553998"/>
+            <a:off x="748144" y="104001"/>
+            <a:ext cx="8548255" cy="553998"/>
           </a:xfrm>
           <a:prstGeom prst="rect">
             <a:avLst/>
@@ -20542,14 +20522,14 @@
       </p:sp>
       <p:pic>
         <p:nvPicPr>
-          <p:cNvPr id="3" name="Picture 2"/>
+          <p:cNvPr id="5" name="Picture 4"/>
           <p:cNvPicPr>
             <a:picLocks noChangeAspect="1"/>
           </p:cNvPicPr>
           <p:nvPr/>
         </p:nvPicPr>
         <p:blipFill>
-          <a:blip r:embed="rId3">
+          <a:blip r:embed="rId3" cstate="email">
             <a:extLst>
               <a:ext uri="{28A0092B-C50C-407E-A947-70E740481C1C}">
                 <a14:useLocalDpi xmlns:a14="http://schemas.microsoft.com/office/drawing/2010/main" val="0"/>
@@ -20562,8 +20542,8 @@
         </p:blipFill>
         <p:spPr>
           <a:xfrm>
-            <a:off x="1639715" y="1540936"/>
-            <a:ext cx="6169369" cy="5036415"/>
+            <a:off x="869120" y="1555968"/>
+            <a:ext cx="7600324" cy="4902452"/>
           </a:xfrm>
           <a:prstGeom prst="rect">
             <a:avLst/>
@@ -20573,7 +20553,7 @@
     </p:spTree>
     <p:extLst>
       <p:ext uri="{BB962C8B-B14F-4D97-AF65-F5344CB8AC3E}">
-        <p14:creationId xmlns:p14="http://schemas.microsoft.com/office/powerpoint/2010/main" val="2950177938"/>
+        <p14:creationId xmlns:p14="http://schemas.microsoft.com/office/powerpoint/2010/main" val="2352631851"/>
       </p:ext>
     </p:extLst>
   </p:cSld>
@@ -20605,317 +20585,48 @@
       </p:grpSpPr>
       <p:sp>
         <p:nvSpPr>
-          <p:cNvPr id="21505" name="Rectangle 2"/>
+          <p:cNvPr id="5122" name="Rectangle 2"/>
           <p:cNvSpPr>
             <a:spLocks noGrp="1" noChangeArrowheads="1"/>
           </p:cNvSpPr>
           <p:nvPr>
-            <p:ph type="title"/>
+            <p:ph type="ctrTitle"/>
           </p:nvPr>
         </p:nvSpPr>
         <p:spPr>
           <a:xfrm>
-            <a:off x="193868" y="402141"/>
-            <a:ext cx="8772157" cy="838200"/>
+            <a:off x="327478" y="2214789"/>
+            <a:ext cx="4146551" cy="1891846"/>
           </a:xfrm>
         </p:spPr>
         <p:txBody>
-          <a:bodyPr anchor="t"/>
+          <a:bodyPr/>
           <a:lstStyle/>
           <a:p>
-            <a:r>
-              <a:rPr lang="es-ES" sz="1800" dirty="0"/>
-              <a:t>Configurar rutas por default IPv6</a:t>
-            </a:r>
-            <a:br>
-              <a:rPr dirty="0"/>
-            </a:br>
-            <a:r>
-              <a:rPr lang="es-ES" dirty="0"/>
-              <a:t>Verificar una ruta estática IPv6 por default</a:t>
-            </a:r>
+            <a:pPr eaLnBrk="1" hangingPunct="1"/>
+            <a:r>
+              <a:rPr lang="es-ES" sz="2400" dirty="0"/>
+              <a:t>Configurar rutas estáticas flotantes</a:t>
+            </a:r>
+            <a:endParaRPr lang="es-ES" sz="2400" dirty="0">
+              <a:solidFill>
+                <a:srgbClr val="00B0F0"/>
+              </a:solidFill>
+            </a:endParaRPr>
           </a:p>
         </p:txBody>
       </p:sp>
-      <p:sp>
-        <p:nvSpPr>
-          <p:cNvPr id="2" name="Rectangle 1"/>
-          <p:cNvSpPr>
-            <a:spLocks noChangeArrowheads="1"/>
-          </p:cNvSpPr>
-          <p:nvPr/>
-        </p:nvSpPr>
-        <p:spPr bwMode="auto">
-          <a:xfrm>
-            <a:off x="581890" y="-48399"/>
-            <a:ext cx="8562109" cy="553998"/>
-          </a:xfrm>
-          <a:prstGeom prst="rect">
-            <a:avLst/>
-          </a:prstGeom>
-          <a:noFill/>
-          <a:ln>
-            <a:noFill/>
-          </a:ln>
-          <a:effectLst/>
-          <a:extLst>
-            <a:ext uri="{909E8E84-426E-40DD-AFC4-6F175D3DCCD1}">
-              <a14:hiddenFill xmlns:a14="http://schemas.microsoft.com/office/drawing/2010/main">
-                <a:solidFill>
-                  <a:schemeClr val="accent1"/>
-                </a:solidFill>
-              </a14:hiddenFill>
-            </a:ext>
-            <a:ext uri="{91240B29-F687-4F45-9708-019B960494DF}">
-              <a14:hiddenLine xmlns:a14="http://schemas.microsoft.com/office/drawing/2010/main" w="9525">
-                <a:solidFill>
-                  <a:schemeClr val="tx1"/>
-                </a:solidFill>
-                <a:miter lim="800000"/>
-                <a:headEnd/>
-                <a:tailEnd/>
-              </a14:hiddenLine>
-            </a:ext>
-            <a:ext uri="{AF507438-7753-43E0-B8FC-AC1667EBCBE1}">
-              <a14:hiddenEffects xmlns:a14="http://schemas.microsoft.com/office/drawing/2010/main">
-                <a:effectLst>
-                  <a:outerShdw dist="35921" dir="2700000" algn="ctr" rotWithShape="0">
-                    <a:schemeClr val="bg2"/>
-                  </a:outerShdw>
-                </a:effectLst>
-              </a14:hiddenEffects>
-            </a:ext>
-          </a:extLst>
-        </p:spPr>
-        <p:txBody>
-          <a:bodyPr vert="horz" wrap="square" lIns="91440" tIns="45720" rIns="91440" bIns="45720" numCol="1" anchor="ctr" anchorCtr="0" compatLnSpc="1">
-            <a:prstTxWarp prst="textNoShape">
-              <a:avLst/>
-            </a:prstTxWarp>
-            <a:spAutoFit/>
-          </a:bodyPr>
-          <a:lstStyle/>
-          <a:p>
-            <a:pPr marL="0" marR="0" lvl="0" indent="0" algn="l" defTabSz="914400" rtl="0" eaLnBrk="0" fontAlgn="base" latinLnBrk="0" hangingPunct="0">
-              <a:lnSpc>
-                <a:spcPct val="100000"/>
-              </a:lnSpc>
-              <a:spcBef>
-                <a:spcPct val="0"/>
-              </a:spcBef>
-              <a:spcAft>
-                <a:spcPct val="0"/>
-              </a:spcAft>
-              <a:buClrTx/>
-              <a:buSzTx/>
-              <a:buFontTx/>
-              <a:buNone/>
-              <a:tabLst/>
-            </a:pPr>
-            <a:r>
-              <a:rPr kumimoji="0" lang="es-ES" altLang="en-US" sz="1200" b="1" i="0" u="none" strike="noStrike" cap="none" normalizeH="0" baseline="0" dirty="0">
-                <a:ln>
-                  <a:noFill/>
-                </a:ln>
-                <a:solidFill>
-                  <a:schemeClr val="tx1"/>
-                </a:solidFill>
-                <a:effectLst/>
-                <a:latin typeface="Arial" panose="020B0604020202020204" pitchFamily="34" charset="0"/>
-              </a:rPr>
-              <a:t>Verificar una ruta estática predeterminada</a:t>
-            </a:r>
-          </a:p>
-          <a:p>
-            <a:pPr marL="0" marR="0" lvl="0" indent="0" algn="l" defTabSz="914400" rtl="0" eaLnBrk="0" fontAlgn="base" latinLnBrk="0" hangingPunct="0">
-              <a:lnSpc>
-                <a:spcPct val="100000"/>
-              </a:lnSpc>
-              <a:spcBef>
-                <a:spcPct val="0"/>
-              </a:spcBef>
-              <a:spcAft>
-                <a:spcPct val="0"/>
-              </a:spcAft>
-              <a:buClrTx/>
-              <a:buSzTx/>
-              <a:buFontTx/>
-              <a:buNone/>
-              <a:tabLst/>
-            </a:pPr>
-            <a:endParaRPr kumimoji="0" lang="es-ES" altLang="en-US" sz="1800" b="0" i="0" u="none" strike="noStrike" cap="none" normalizeH="0" baseline="0" dirty="0">
-              <a:ln>
-                <a:noFill/>
-              </a:ln>
-              <a:solidFill>
-                <a:schemeClr val="tx1"/>
-              </a:solidFill>
-              <a:effectLst/>
-              <a:latin typeface="Arial" panose="020B0604020202020204" pitchFamily="34" charset="0"/>
-            </a:endParaRPr>
-          </a:p>
-        </p:txBody>
-      </p:sp>
-      <p:sp>
-        <p:nvSpPr>
-          <p:cNvPr id="4" name="Rectangle 2"/>
-          <p:cNvSpPr>
-            <a:spLocks noChangeArrowheads="1"/>
-          </p:cNvSpPr>
-          <p:nvPr/>
-        </p:nvSpPr>
-        <p:spPr bwMode="auto">
-          <a:xfrm>
-            <a:off x="748144" y="104001"/>
-            <a:ext cx="8548255" cy="553998"/>
-          </a:xfrm>
-          <a:prstGeom prst="rect">
-            <a:avLst/>
-          </a:prstGeom>
-          <a:noFill/>
-          <a:ln>
-            <a:noFill/>
-          </a:ln>
-          <a:effectLst/>
-          <a:extLst>
-            <a:ext uri="{909E8E84-426E-40DD-AFC4-6F175D3DCCD1}">
-              <a14:hiddenFill xmlns:a14="http://schemas.microsoft.com/office/drawing/2010/main">
-                <a:solidFill>
-                  <a:schemeClr val="accent1"/>
-                </a:solidFill>
-              </a14:hiddenFill>
-            </a:ext>
-            <a:ext uri="{91240B29-F687-4F45-9708-019B960494DF}">
-              <a14:hiddenLine xmlns:a14="http://schemas.microsoft.com/office/drawing/2010/main" w="9525">
-                <a:solidFill>
-                  <a:schemeClr val="tx1"/>
-                </a:solidFill>
-                <a:miter lim="800000"/>
-                <a:headEnd/>
-                <a:tailEnd/>
-              </a14:hiddenLine>
-            </a:ext>
-            <a:ext uri="{AF507438-7753-43E0-B8FC-AC1667EBCBE1}">
-              <a14:hiddenEffects xmlns:a14="http://schemas.microsoft.com/office/drawing/2010/main">
-                <a:effectLst>
-                  <a:outerShdw dist="35921" dir="2700000" algn="ctr" rotWithShape="0">
-                    <a:schemeClr val="bg2"/>
-                  </a:outerShdw>
-                </a:effectLst>
-              </a14:hiddenEffects>
-            </a:ext>
-          </a:extLst>
-        </p:spPr>
-        <p:txBody>
-          <a:bodyPr vert="horz" wrap="square" lIns="91440" tIns="45720" rIns="91440" bIns="45720" numCol="1" anchor="ctr" anchorCtr="0" compatLnSpc="1">
-            <a:prstTxWarp prst="textNoShape">
-              <a:avLst/>
-            </a:prstTxWarp>
-            <a:spAutoFit/>
-          </a:bodyPr>
-          <a:lstStyle/>
-          <a:p>
-            <a:pPr marL="0" marR="0" lvl="0" indent="0" algn="l" defTabSz="914400" rtl="0" eaLnBrk="0" fontAlgn="base" latinLnBrk="0" hangingPunct="0">
-              <a:lnSpc>
-                <a:spcPct val="100000"/>
-              </a:lnSpc>
-              <a:spcBef>
-                <a:spcPct val="0"/>
-              </a:spcBef>
-              <a:spcAft>
-                <a:spcPct val="0"/>
-              </a:spcAft>
-              <a:buClrTx/>
-              <a:buSzTx/>
-              <a:buFontTx/>
-              <a:buNone/>
-              <a:tabLst/>
-            </a:pPr>
-            <a:r>
-              <a:rPr kumimoji="0" lang="es-ES" altLang="en-US" sz="1200" b="1" i="0" u="none" strike="noStrike" cap="none" normalizeH="0" baseline="0" dirty="0">
-                <a:ln>
-                  <a:noFill/>
-                </a:ln>
-                <a:solidFill>
-                  <a:schemeClr val="tx1"/>
-                </a:solidFill>
-                <a:effectLst/>
-                <a:latin typeface="Arial" panose="020B0604020202020204" pitchFamily="34" charset="0"/>
-              </a:rPr>
-              <a:t>Verificar una ruta estática predeterminada</a:t>
-            </a:r>
-          </a:p>
-          <a:p>
-            <a:pPr marL="0" marR="0" lvl="0" indent="0" algn="l" defTabSz="914400" rtl="0" eaLnBrk="0" fontAlgn="base" latinLnBrk="0" hangingPunct="0">
-              <a:lnSpc>
-                <a:spcPct val="100000"/>
-              </a:lnSpc>
-              <a:spcBef>
-                <a:spcPct val="0"/>
-              </a:spcBef>
-              <a:spcAft>
-                <a:spcPct val="0"/>
-              </a:spcAft>
-              <a:buClrTx/>
-              <a:buSzTx/>
-              <a:buFontTx/>
-              <a:buNone/>
-              <a:tabLst/>
-            </a:pPr>
-            <a:endParaRPr kumimoji="0" lang="es-ES" altLang="en-US" sz="1800" b="0" i="0" u="none" strike="noStrike" cap="none" normalizeH="0" baseline="0" dirty="0">
-              <a:ln>
-                <a:noFill/>
-              </a:ln>
-              <a:solidFill>
-                <a:schemeClr val="tx1"/>
-              </a:solidFill>
-              <a:effectLst/>
-              <a:latin typeface="Arial" panose="020B0604020202020204" pitchFamily="34" charset="0"/>
-            </a:endParaRPr>
-          </a:p>
-        </p:txBody>
-      </p:sp>
-      <p:pic>
-        <p:nvPicPr>
-          <p:cNvPr id="5" name="Picture 4"/>
-          <p:cNvPicPr>
-            <a:picLocks noChangeAspect="1"/>
-          </p:cNvPicPr>
-          <p:nvPr/>
-        </p:nvPicPr>
-        <p:blipFill>
-          <a:blip r:embed="rId3" cstate="email">
-            <a:extLst>
-              <a:ext uri="{28A0092B-C50C-407E-A947-70E740481C1C}">
-                <a14:useLocalDpi xmlns:a14="http://schemas.microsoft.com/office/drawing/2010/main" val="0"/>
-              </a:ext>
-            </a:extLst>
-          </a:blip>
-          <a:stretch>
-            <a:fillRect/>
-          </a:stretch>
-        </p:blipFill>
-        <p:spPr>
-          <a:xfrm>
-            <a:off x="869120" y="1555968"/>
-            <a:ext cx="7600324" cy="4902452"/>
-          </a:xfrm>
-          <a:prstGeom prst="rect">
-            <a:avLst/>
-          </a:prstGeom>
-        </p:spPr>
-      </p:pic>
     </p:spTree>
     <p:extLst>
       <p:ext uri="{BB962C8B-B14F-4D97-AF65-F5344CB8AC3E}">
-        <p14:creationId xmlns:p14="http://schemas.microsoft.com/office/powerpoint/2010/main" val="2352631851"/>
+        <p14:creationId xmlns:p14="http://schemas.microsoft.com/office/powerpoint/2010/main" val="3947208034"/>
       </p:ext>
     </p:extLst>
   </p:cSld>
   <p:clrMapOvr>
     <a:masterClrMapping/>
   </p:clrMapOvr>
-  <p:transition spd="med">
+  <p:transition>
     <p:wipe dir="r"/>
   </p:transition>
 </p:sld>
@@ -20948,21 +20659,19 @@
             <p:ph type="title"/>
           </p:nvPr>
         </p:nvSpPr>
-        <p:spPr/>
+        <p:spPr>
+          <a:xfrm>
+            <a:off x="193868" y="274130"/>
+            <a:ext cx="8772157" cy="838200"/>
+          </a:xfrm>
+        </p:spPr>
         <p:txBody>
           <a:bodyPr/>
           <a:lstStyle/>
           <a:p>
             <a:r>
-              <a:rPr lang="es-ES" sz="1800" dirty="0"/>
-              <a:t>Configurar rutas por default IPv6</a:t>
-            </a:r>
-            <a:br>
-              <a:rPr dirty="0"/>
-            </a:br>
-            <a:r>
               <a:rPr lang="es-ES" dirty="0"/>
-              <a:t>Rutas estáticas flotantes</a:t>
+              <a:t>Configurar una ruta estática flotante IPv4</a:t>
             </a:r>
           </a:p>
         </p:txBody>
@@ -20977,8 +20686,8 @@
         </p:nvSpPr>
         <p:spPr bwMode="auto">
           <a:xfrm>
-            <a:off x="789708" y="-48399"/>
-            <a:ext cx="8354291" cy="553998"/>
+            <a:off x="656704" y="-48399"/>
+            <a:ext cx="8487295" cy="553998"/>
           </a:xfrm>
           <a:prstGeom prst="rect">
             <a:avLst/>
@@ -21097,7 +20806,7 @@
         <p:spPr bwMode="auto">
           <a:xfrm>
             <a:off x="656704" y="104001"/>
-            <a:ext cx="8639695" cy="553998"/>
+            <a:ext cx="8639696" cy="553998"/>
           </a:xfrm>
           <a:prstGeom prst="rect">
             <a:avLst/>
@@ -21205,101 +20914,9 @@
           </a:p>
         </p:txBody>
       </p:sp>
-      <p:sp>
-        <p:nvSpPr>
-          <p:cNvPr id="3" name="Rectangle 2"/>
-          <p:cNvSpPr/>
-          <p:nvPr/>
-        </p:nvSpPr>
-        <p:spPr>
-          <a:xfrm>
-            <a:off x="193869" y="1336038"/>
-            <a:ext cx="3750810" cy="4201150"/>
-          </a:xfrm>
-          <a:prstGeom prst="rect">
-            <a:avLst/>
-          </a:prstGeom>
-        </p:spPr>
-        <p:txBody>
-          <a:bodyPr wrap="square">
-            <a:spAutoFit/>
-          </a:bodyPr>
-          <a:lstStyle/>
-          <a:p>
-            <a:pPr lvl="0" algn="l" defTabSz="814388">
-              <a:lnSpc>
-                <a:spcPct val="95000"/>
-              </a:lnSpc>
-              <a:spcBef>
-                <a:spcPct val="50000"/>
-              </a:spcBef>
-              <a:buClr>
-                <a:srgbClr val="708CA1"/>
-              </a:buClr>
-            </a:pPr>
-            <a:r>
-              <a:rPr lang="es-ES" sz="2000" kern="0" dirty="0">
-                <a:solidFill>
-                  <a:srgbClr val="000000"/>
-                </a:solidFill>
-                <a:latin typeface="Arial"/>
-              </a:rPr>
-              <a:t>Las rutas estáticas flotantes tienen una distancia administrativa mayor que la distancia administrativa de otras rutas estáticas o dinámicas. </a:t>
-            </a:r>
-          </a:p>
-          <a:p>
-            <a:pPr marL="236538" lvl="0" indent="-236538" algn="l" defTabSz="814388">
-              <a:lnSpc>
-                <a:spcPct val="95000"/>
-              </a:lnSpc>
-              <a:spcBef>
-                <a:spcPct val="50000"/>
-              </a:spcBef>
-              <a:buClr>
-                <a:srgbClr val="708CA1"/>
-              </a:buClr>
-              <a:buFont typeface="Wingdings" pitchFamily="2" charset="2"/>
-              <a:buChar char="§"/>
-            </a:pPr>
-            <a:r>
-              <a:rPr lang="es-ES" sz="2000" kern="0" dirty="0">
-                <a:solidFill>
-                  <a:srgbClr val="000000"/>
-                </a:solidFill>
-                <a:latin typeface="Arial"/>
-              </a:rPr>
-              <a:t>La ruta estática "flota" y no se utiliza cuando está activa la ruta con la mejor distancia administrativa. </a:t>
-            </a:r>
-          </a:p>
-          <a:p>
-            <a:pPr marL="236538" lvl="0" indent="-236538" algn="l" defTabSz="814388">
-              <a:lnSpc>
-                <a:spcPct val="95000"/>
-              </a:lnSpc>
-              <a:spcBef>
-                <a:spcPct val="50000"/>
-              </a:spcBef>
-              <a:buClr>
-                <a:srgbClr val="708CA1"/>
-              </a:buClr>
-              <a:buFont typeface="Wingdings" pitchFamily="2" charset="2"/>
-              <a:buChar char="§"/>
-            </a:pPr>
-            <a:r>
-              <a:rPr lang="es-ES" sz="2000" kern="0" dirty="0">
-                <a:solidFill>
-                  <a:srgbClr val="000000"/>
-                </a:solidFill>
-                <a:latin typeface="Arial"/>
-              </a:rPr>
-              <a:t>Si se pierde la ruta preferida, la ruta estática flotante puede tomar el control.</a:t>
-            </a:r>
-          </a:p>
-        </p:txBody>
-      </p:sp>
       <p:pic>
         <p:nvPicPr>
-          <p:cNvPr id="6" name="Picture 5"/>
+          <p:cNvPr id="3" name="Picture 2"/>
           <p:cNvPicPr>
             <a:picLocks noChangeAspect="1"/>
           </p:cNvPicPr>
@@ -21319,18 +20936,75 @@
         </p:blipFill>
         <p:spPr>
           <a:xfrm>
-            <a:off x="4059383" y="1623854"/>
-            <a:ext cx="4904630" cy="3721910"/>
+            <a:off x="2950453" y="1282459"/>
+            <a:ext cx="6096001" cy="4797553"/>
           </a:xfrm>
           <a:prstGeom prst="rect">
             <a:avLst/>
           </a:prstGeom>
         </p:spPr>
       </p:pic>
+      <p:sp>
+        <p:nvSpPr>
+          <p:cNvPr id="5" name="Rectángulo 4">
+            <a:extLst>
+              <a:ext uri="{FF2B5EF4-FFF2-40B4-BE49-F238E27FC236}">
+                <a16:creationId xmlns:a16="http://schemas.microsoft.com/office/drawing/2014/main" id="{CA5F1BF5-A2E0-48B4-AF03-4EC9078E11C9}"/>
+              </a:ext>
+            </a:extLst>
+          </p:cNvPr>
+          <p:cNvSpPr/>
+          <p:nvPr/>
+        </p:nvSpPr>
+        <p:spPr>
+          <a:xfrm>
+            <a:off x="193868" y="1566661"/>
+            <a:ext cx="2541168" cy="4164217"/>
+          </a:xfrm>
+          <a:prstGeom prst="rect">
+            <a:avLst/>
+          </a:prstGeom>
+        </p:spPr>
+        <p:txBody>
+          <a:bodyPr wrap="square">
+            <a:spAutoFit/>
+          </a:bodyPr>
+          <a:lstStyle/>
+          <a:p>
+            <a:pPr algn="l"/>
+            <a:r>
+              <a:rPr lang="es-ES" sz="1400" dirty="0"/>
+              <a:t>Si no se configura ninguna distancia administrativa, se utiliza el valor predeterminado (1).</a:t>
+            </a:r>
+          </a:p>
+          <a:p>
+            <a:pPr algn="l"/>
+            <a:endParaRPr lang="es-ES" sz="1400" dirty="0"/>
+          </a:p>
+          <a:p>
+            <a:pPr algn="l"/>
+            <a:r>
+              <a:rPr lang="es-ES" sz="1400" dirty="0"/>
+              <a:t>En esta configuración, la ruta preferida del R1 es al R2. La conexión al R3 se debe utilizar solo para respaldo.</a:t>
+            </a:r>
+          </a:p>
+          <a:p>
+            <a:pPr algn="l"/>
+            <a:endParaRPr lang="es-ES" sz="1400" dirty="0"/>
+          </a:p>
+          <a:p>
+            <a:pPr algn="l"/>
+            <a:r>
+              <a:rPr lang="es-ES" sz="1400" dirty="0"/>
+              <a:t>El R1 está configurado con una ruta estática flotante predeterminada que apunta al R3 con una distancia administrativa de 5. Este valor es mayor que el valor predeterminado 1, y, por lo tanto, esta ruta flota y no está presente en la tabla de ruteo, a menos que la ruta preferida falle.</a:t>
+            </a:r>
+          </a:p>
+        </p:txBody>
+      </p:sp>
     </p:spTree>
     <p:extLst>
       <p:ext uri="{BB962C8B-B14F-4D97-AF65-F5344CB8AC3E}">
-        <p14:creationId xmlns:p14="http://schemas.microsoft.com/office/powerpoint/2010/main" val="1279029311"/>
+        <p14:creationId xmlns:p14="http://schemas.microsoft.com/office/powerpoint/2010/main" val="4162460007"/>
       </p:ext>
     </p:extLst>
   </p:cSld>
@@ -21521,172 +21195,45 @@
       </p:grpSpPr>
       <p:sp>
         <p:nvSpPr>
-          <p:cNvPr id="5" name="Content Placeholder 4">
-            <a:extLst>
-              <a:ext uri="{FF2B5EF4-FFF2-40B4-BE49-F238E27FC236}">
-                <a16:creationId xmlns:a16="http://schemas.microsoft.com/office/drawing/2014/main" id="{9E0B2E6D-33A2-4140-8AFA-87A0B2C93EDB}"/>
-              </a:ext>
-            </a:extLst>
-          </p:cNvPr>
+          <p:cNvPr id="21505" name="Rectangle 2"/>
           <p:cNvSpPr>
-            <a:spLocks noGrp="1"/>
+            <a:spLocks noGrp="1" noChangeArrowheads="1"/>
           </p:cNvSpPr>
           <p:nvPr>
-            <p:ph idx="1"/>
+            <p:ph type="title"/>
           </p:nvPr>
         </p:nvSpPr>
-        <p:spPr>
-          <a:xfrm>
-            <a:off x="474663" y="1841637"/>
-            <a:ext cx="8280057" cy="3689897"/>
-          </a:xfrm>
-        </p:spPr>
+        <p:spPr/>
         <p:txBody>
           <a:bodyPr/>
           <a:lstStyle/>
           <a:p>
-            <a:pPr marL="342900" indent="-342900" algn="l">
-              <a:lnSpc>
-                <a:spcPct val="150000"/>
-              </a:lnSpc>
-              <a:buFont typeface="Arial" panose="020B0604020202020204" pitchFamily="34" charset="0"/>
-              <a:buChar char="•"/>
-            </a:pPr>
-            <a:r>
-              <a:rPr lang="es-419" sz="1400" dirty="0">
-                <a:solidFill>
-                  <a:srgbClr val="000000"/>
-                </a:solidFill>
-              </a:rPr>
-              <a:t>Para lograrlo, la ruta estática flotante se configura con una distancia administrativa mayor que la ruta principal. La distancia administrativa representa la confiabilidad de una ruta. Si existen varias rutas al destino, el </a:t>
-            </a:r>
-            <a:r>
-              <a:rPr lang="es-419" sz="1400" dirty="0" err="1">
-                <a:solidFill>
-                  <a:srgbClr val="000000"/>
-                </a:solidFill>
-              </a:rPr>
-              <a:t>router</a:t>
-            </a:r>
-            <a:r>
-              <a:rPr lang="es-419" sz="1400" dirty="0">
-                <a:solidFill>
-                  <a:srgbClr val="000000"/>
-                </a:solidFill>
-              </a:rPr>
-              <a:t> elegirá la que tenga una menor distancia administrativa.</a:t>
-            </a:r>
-          </a:p>
-          <a:p>
-            <a:pPr marL="0" indent="0" algn="l">
-              <a:lnSpc>
-                <a:spcPct val="150000"/>
-              </a:lnSpc>
-            </a:pPr>
-            <a:endParaRPr lang="es-419" sz="1400" dirty="0">
-              <a:solidFill>
-                <a:srgbClr val="000000"/>
-              </a:solidFill>
-            </a:endParaRPr>
-          </a:p>
-          <a:p>
-            <a:pPr marL="342900" indent="-342900" algn="l">
-              <a:lnSpc>
-                <a:spcPct val="150000"/>
-              </a:lnSpc>
-              <a:buFont typeface="Arial" panose="020B0604020202020204" pitchFamily="34" charset="0"/>
-              <a:buChar char="•"/>
-            </a:pPr>
-            <a:r>
-              <a:rPr lang="es-419" sz="1400" dirty="0">
-                <a:solidFill>
-                  <a:srgbClr val="000000"/>
-                </a:solidFill>
-              </a:rPr>
-              <a:t>De manera predeterminada, las rutas estáticas tienen una distancia administrativa de 1, lo que las hace preferibles a las rutas descubiertas mediante protocolos de </a:t>
-            </a:r>
-            <a:r>
-              <a:rPr lang="es-419" sz="1400" dirty="0" err="1">
-                <a:solidFill>
-                  <a:srgbClr val="000000"/>
-                </a:solidFill>
-              </a:rPr>
-              <a:t>routing</a:t>
-            </a:r>
-            <a:r>
-              <a:rPr lang="es-419" sz="1400" dirty="0">
-                <a:solidFill>
-                  <a:srgbClr val="000000"/>
-                </a:solidFill>
-              </a:rPr>
-              <a:t> dinámico. </a:t>
-            </a:r>
-          </a:p>
-          <a:p>
-            <a:pPr marL="0" indent="0" algn="l">
-              <a:lnSpc>
-                <a:spcPct val="150000"/>
-              </a:lnSpc>
-            </a:pPr>
-            <a:endParaRPr lang="es-419" sz="1400" dirty="0">
-              <a:solidFill>
-                <a:srgbClr val="000000"/>
-              </a:solidFill>
-            </a:endParaRPr>
-          </a:p>
-          <a:p>
-            <a:pPr marL="342900" indent="-342900" algn="l">
-              <a:lnSpc>
-                <a:spcPct val="150000"/>
-              </a:lnSpc>
-              <a:buFont typeface="Arial" panose="020B0604020202020204" pitchFamily="34" charset="0"/>
-              <a:buChar char="•"/>
-            </a:pPr>
-            <a:r>
-              <a:rPr lang="es-419" sz="1400" dirty="0">
-                <a:solidFill>
-                  <a:srgbClr val="000000"/>
-                </a:solidFill>
-              </a:rPr>
-              <a:t>La distancia administrativa de una ruta estática se puede aumentar para hacer que la ruta sea menos deseable que la ruta de otra ruta estática o una ruta descubierta mediante un protocolo de </a:t>
-            </a:r>
-            <a:r>
-              <a:rPr lang="es-419" sz="1400" dirty="0" err="1">
-                <a:solidFill>
-                  <a:srgbClr val="000000"/>
-                </a:solidFill>
-              </a:rPr>
-              <a:t>routing</a:t>
-            </a:r>
-            <a:r>
-              <a:rPr lang="es-419" sz="1400" dirty="0">
-                <a:solidFill>
-                  <a:srgbClr val="000000"/>
-                </a:solidFill>
-              </a:rPr>
-              <a:t> dinámico. De esta manera, la ruta estática “flota” y no se utiliza cuando está activa la ruta con la mejor distancia administrativa. </a:t>
+            <a:r>
+              <a:rPr lang="es-ES" sz="1800" dirty="0"/>
+              <a:t>Configurar rutas por default IPv6</a:t>
+            </a:r>
+            <a:br>
+              <a:rPr dirty="0"/>
+            </a:br>
+            <a:r>
+              <a:rPr lang="es-ES" dirty="0"/>
+              <a:t>Rutas estáticas flotantes</a:t>
             </a:r>
           </a:p>
         </p:txBody>
       </p:sp>
       <p:sp>
         <p:nvSpPr>
-          <p:cNvPr id="2" name="Rectangle 2">
-            <a:extLst>
-              <a:ext uri="{FF2B5EF4-FFF2-40B4-BE49-F238E27FC236}">
-                <a16:creationId xmlns:a16="http://schemas.microsoft.com/office/drawing/2014/main" id="{6E2F5669-B894-DCA6-E0FD-BC1E015AA009}"/>
-              </a:ext>
-            </a:extLst>
-          </p:cNvPr>
-          <p:cNvSpPr txBox="1">
+          <p:cNvPr id="2" name="Rectangle 1"/>
+          <p:cNvSpPr>
             <a:spLocks noChangeArrowheads="1"/>
           </p:cNvSpPr>
           <p:nvPr/>
         </p:nvSpPr>
         <p:spPr bwMode="auto">
           <a:xfrm>
-            <a:off x="474663" y="654838"/>
-            <a:ext cx="8772157" cy="838200"/>
+            <a:off x="789708" y="-48399"/>
+            <a:ext cx="8354291" cy="553998"/>
           </a:xfrm>
           <a:prstGeom prst="rect">
             <a:avLst/>
@@ -21695,36 +21242,48 @@
           <a:ln>
             <a:noFill/>
           </a:ln>
+          <a:effectLst/>
           <a:extLst>
             <a:ext uri="{909E8E84-426E-40DD-AFC4-6F175D3DCCD1}">
               <a14:hiddenFill xmlns:a14="http://schemas.microsoft.com/office/drawing/2010/main">
                 <a:solidFill>
-                  <a:srgbClr val="FFFFFF"/>
+                  <a:schemeClr val="accent1"/>
                 </a:solidFill>
               </a14:hiddenFill>
             </a:ext>
             <a:ext uri="{91240B29-F687-4F45-9708-019B960494DF}">
               <a14:hiddenLine xmlns:a14="http://schemas.microsoft.com/office/drawing/2010/main" w="9525">
                 <a:solidFill>
-                  <a:srgbClr val="000000"/>
+                  <a:schemeClr val="tx1"/>
                 </a:solidFill>
                 <a:miter lim="800000"/>
                 <a:headEnd/>
                 <a:tailEnd/>
               </a14:hiddenLine>
             </a:ext>
+            <a:ext uri="{AF507438-7753-43E0-B8FC-AC1667EBCBE1}">
+              <a14:hiddenEffects xmlns:a14="http://schemas.microsoft.com/office/drawing/2010/main">
+                <a:effectLst>
+                  <a:outerShdw dist="35921" dir="2700000" algn="ctr" rotWithShape="0">
+                    <a:schemeClr val="bg2"/>
+                  </a:outerShdw>
+                </a:effectLst>
+              </a14:hiddenEffects>
+            </a:ext>
           </a:extLst>
         </p:spPr>
         <p:txBody>
-          <a:bodyPr vert="horz" wrap="square" lIns="82124" tIns="41061" rIns="82124" bIns="41061" numCol="1" anchor="t" anchorCtr="0" compatLnSpc="1">
+          <a:bodyPr vert="horz" wrap="square" lIns="91440" tIns="45720" rIns="91440" bIns="45720" numCol="1" anchor="ctr" anchorCtr="0" compatLnSpc="1">
             <a:prstTxWarp prst="textNoShape">
               <a:avLst/>
             </a:prstTxWarp>
+            <a:spAutoFit/>
           </a:bodyPr>
-          <a:lstStyle>
-            <a:lvl1pPr algn="l" defTabSz="814388" rtl="0" eaLnBrk="0" fontAlgn="base" hangingPunct="0">
+          <a:lstStyle/>
+          <a:p>
+            <a:pPr marL="0" marR="0" lvl="0" indent="0" algn="l" defTabSz="914400" rtl="0" eaLnBrk="0" fontAlgn="base" latinLnBrk="0" hangingPunct="0">
               <a:lnSpc>
-                <a:spcPct val="90000"/>
+                <a:spcPct val="100000"/>
               </a:lnSpc>
               <a:spcBef>
                 <a:spcPct val="0"/>
@@ -21732,18 +21291,30 @@
               <a:spcAft>
                 <a:spcPct val="0"/>
               </a:spcAft>
-              <a:defRPr sz="3200" b="1">
-                <a:solidFill>
-                  <a:srgbClr val="004C69"/>
-                </a:solidFill>
-                <a:latin typeface="+mj-lt"/>
-                <a:ea typeface="ＭＳ Ｐゴシック" charset="0"/>
-                <a:cs typeface="ＭＳ Ｐゴシック" charset="0"/>
-              </a:defRPr>
-            </a:lvl1pPr>
-            <a:lvl2pPr algn="l" defTabSz="814388" rtl="0" eaLnBrk="0" fontAlgn="base" hangingPunct="0">
+              <a:buClrTx/>
+              <a:buSzTx/>
+              <a:buFontTx/>
+              <a:buNone/>
+              <a:tabLst/>
+            </a:pPr>
+            <a:r>
+              <a:rPr kumimoji="0" lang="es-ES" altLang="en-US" sz="1200" b="1" i="0" u="none" strike="noStrike" cap="none" normalizeH="0" baseline="0" dirty="0">
+                <a:ln>
+                  <a:noFill/>
+                </a:ln>
+                <a:solidFill>
+                  <a:schemeClr val="tx1"/>
+                </a:solidFill>
+                <a:effectLst/>
+                <a:latin typeface="Arial" panose="020B0604020202020204" pitchFamily="34" charset="0"/>
+              </a:rPr>
+              <a:t>Verificar una ruta estática predeterminada</a:t>
+            </a:r>
+          </a:p>
+          <a:p>
+            <a:pPr marL="0" marR="0" lvl="0" indent="0" algn="l" defTabSz="914400" rtl="0" eaLnBrk="0" fontAlgn="base" latinLnBrk="0" hangingPunct="0">
               <a:lnSpc>
-                <a:spcPct val="90000"/>
+                <a:spcPct val="100000"/>
               </a:lnSpc>
               <a:spcBef>
                 <a:spcPct val="0"/>
@@ -21751,18 +21322,87 @@
               <a:spcAft>
                 <a:spcPct val="0"/>
               </a:spcAft>
-              <a:defRPr sz="3200" b="1">
-                <a:solidFill>
-                  <a:srgbClr val="708CA1"/>
-                </a:solidFill>
-                <a:latin typeface="Arial" charset="0"/>
-                <a:ea typeface="ＭＳ Ｐゴシック" charset="0"/>
-                <a:cs typeface="ＭＳ Ｐゴシック" charset="0"/>
-              </a:defRPr>
-            </a:lvl2pPr>
-            <a:lvl3pPr algn="l" defTabSz="814388" rtl="0" eaLnBrk="0" fontAlgn="base" hangingPunct="0">
+              <a:buClrTx/>
+              <a:buSzTx/>
+              <a:buFontTx/>
+              <a:buNone/>
+              <a:tabLst/>
+            </a:pPr>
+            <a:endParaRPr kumimoji="0" lang="es-ES" altLang="en-US" sz="1800" b="0" i="0" u="none" strike="noStrike" cap="none" normalizeH="0" baseline="0" dirty="0">
+              <a:ln>
+                <a:noFill/>
+              </a:ln>
+              <a:solidFill>
+                <a:schemeClr val="tx1"/>
+              </a:solidFill>
+              <a:effectLst/>
+              <a:latin typeface="Arial" panose="020B0604020202020204" pitchFamily="34" charset="0"/>
+            </a:endParaRPr>
+          </a:p>
+        </p:txBody>
+      </p:sp>
+      <p:sp>
+        <p:nvSpPr>
+          <p:cNvPr id="4" name="Rectangle 2"/>
+          <p:cNvSpPr>
+            <a:spLocks noChangeArrowheads="1"/>
+          </p:cNvSpPr>
+          <p:nvPr/>
+        </p:nvSpPr>
+        <p:spPr bwMode="auto">
+          <a:xfrm>
+            <a:off x="656704" y="104001"/>
+            <a:ext cx="8639695" cy="553998"/>
+          </a:xfrm>
+          <a:prstGeom prst="rect">
+            <a:avLst/>
+          </a:prstGeom>
+          <a:noFill/>
+          <a:ln>
+            <a:noFill/>
+          </a:ln>
+          <a:effectLst/>
+          <a:extLst>
+            <a:ext uri="{909E8E84-426E-40DD-AFC4-6F175D3DCCD1}">
+              <a14:hiddenFill xmlns:a14="http://schemas.microsoft.com/office/drawing/2010/main">
+                <a:solidFill>
+                  <a:schemeClr val="accent1"/>
+                </a:solidFill>
+              </a14:hiddenFill>
+            </a:ext>
+            <a:ext uri="{91240B29-F687-4F45-9708-019B960494DF}">
+              <a14:hiddenLine xmlns:a14="http://schemas.microsoft.com/office/drawing/2010/main" w="9525">
+                <a:solidFill>
+                  <a:schemeClr val="tx1"/>
+                </a:solidFill>
+                <a:miter lim="800000"/>
+                <a:headEnd/>
+                <a:tailEnd/>
+              </a14:hiddenLine>
+            </a:ext>
+            <a:ext uri="{AF507438-7753-43E0-B8FC-AC1667EBCBE1}">
+              <a14:hiddenEffects xmlns:a14="http://schemas.microsoft.com/office/drawing/2010/main">
+                <a:effectLst>
+                  <a:outerShdw dist="35921" dir="2700000" algn="ctr" rotWithShape="0">
+                    <a:schemeClr val="bg2"/>
+                  </a:outerShdw>
+                </a:effectLst>
+              </a14:hiddenEffects>
+            </a:ext>
+          </a:extLst>
+        </p:spPr>
+        <p:txBody>
+          <a:bodyPr vert="horz" wrap="square" lIns="91440" tIns="45720" rIns="91440" bIns="45720" numCol="1" anchor="ctr" anchorCtr="0" compatLnSpc="1">
+            <a:prstTxWarp prst="textNoShape">
+              <a:avLst/>
+            </a:prstTxWarp>
+            <a:spAutoFit/>
+          </a:bodyPr>
+          <a:lstStyle/>
+          <a:p>
+            <a:pPr marL="0" marR="0" lvl="0" indent="0" algn="l" defTabSz="914400" rtl="0" eaLnBrk="0" fontAlgn="base" latinLnBrk="0" hangingPunct="0">
               <a:lnSpc>
-                <a:spcPct val="90000"/>
+                <a:spcPct val="100000"/>
               </a:lnSpc>
               <a:spcBef>
                 <a:spcPct val="0"/>
@@ -21770,18 +21410,30 @@
               <a:spcAft>
                 <a:spcPct val="0"/>
               </a:spcAft>
-              <a:defRPr sz="3200" b="1">
-                <a:solidFill>
-                  <a:srgbClr val="708CA1"/>
-                </a:solidFill>
-                <a:latin typeface="Arial" charset="0"/>
-                <a:ea typeface="ＭＳ Ｐゴシック" charset="0"/>
-                <a:cs typeface="ＭＳ Ｐゴシック" charset="0"/>
-              </a:defRPr>
-            </a:lvl3pPr>
-            <a:lvl4pPr algn="l" defTabSz="814388" rtl="0" eaLnBrk="0" fontAlgn="base" hangingPunct="0">
+              <a:buClrTx/>
+              <a:buSzTx/>
+              <a:buFontTx/>
+              <a:buNone/>
+              <a:tabLst/>
+            </a:pPr>
+            <a:r>
+              <a:rPr kumimoji="0" lang="es-ES" altLang="en-US" sz="1200" b="1" i="0" u="none" strike="noStrike" cap="none" normalizeH="0" baseline="0" dirty="0">
+                <a:ln>
+                  <a:noFill/>
+                </a:ln>
+                <a:solidFill>
+                  <a:schemeClr val="tx1"/>
+                </a:solidFill>
+                <a:effectLst/>
+                <a:latin typeface="Arial" panose="020B0604020202020204" pitchFamily="34" charset="0"/>
+              </a:rPr>
+              <a:t>Verificar una ruta estática predeterminada</a:t>
+            </a:r>
+          </a:p>
+          <a:p>
+            <a:pPr marL="0" marR="0" lvl="0" indent="0" algn="l" defTabSz="914400" rtl="0" eaLnBrk="0" fontAlgn="base" latinLnBrk="0" hangingPunct="0">
               <a:lnSpc>
-                <a:spcPct val="90000"/>
+                <a:spcPct val="100000"/>
               </a:lnSpc>
               <a:spcBef>
                 <a:spcPct val="0"/>
@@ -21789,173 +21441,230 @@
               <a:spcAft>
                 <a:spcPct val="0"/>
               </a:spcAft>
-              <a:defRPr sz="3200" b="1">
-                <a:solidFill>
-                  <a:srgbClr val="708CA1"/>
-                </a:solidFill>
-                <a:latin typeface="Arial" charset="0"/>
-                <a:ea typeface="ＭＳ Ｐゴシック" charset="0"/>
-                <a:cs typeface="ＭＳ Ｐゴシック" charset="0"/>
-              </a:defRPr>
-            </a:lvl4pPr>
-            <a:lvl5pPr algn="l" defTabSz="814388" rtl="0" eaLnBrk="0" fontAlgn="base" hangingPunct="0">
+              <a:buClrTx/>
+              <a:buSzTx/>
+              <a:buFontTx/>
+              <a:buNone/>
+              <a:tabLst/>
+            </a:pPr>
+            <a:endParaRPr kumimoji="0" lang="es-ES" altLang="en-US" sz="1800" b="0" i="0" u="none" strike="noStrike" cap="none" normalizeH="0" baseline="0" dirty="0">
+              <a:ln>
+                <a:noFill/>
+              </a:ln>
+              <a:solidFill>
+                <a:schemeClr val="tx1"/>
+              </a:solidFill>
+              <a:effectLst/>
+              <a:latin typeface="Arial" panose="020B0604020202020204" pitchFamily="34" charset="0"/>
+            </a:endParaRPr>
+          </a:p>
+        </p:txBody>
+      </p:sp>
+      <p:sp>
+        <p:nvSpPr>
+          <p:cNvPr id="3" name="Rectangle 2"/>
+          <p:cNvSpPr/>
+          <p:nvPr/>
+        </p:nvSpPr>
+        <p:spPr>
+          <a:xfrm>
+            <a:off x="336480" y="1403149"/>
+            <a:ext cx="8564239" cy="1708160"/>
+          </a:xfrm>
+          <a:prstGeom prst="rect">
+            <a:avLst/>
+          </a:prstGeom>
+        </p:spPr>
+        <p:txBody>
+          <a:bodyPr wrap="square">
+            <a:spAutoFit/>
+          </a:bodyPr>
+          <a:lstStyle/>
+          <a:p>
+            <a:pPr lvl="0" algn="l" defTabSz="814388">
               <a:lnSpc>
-                <a:spcPct val="90000"/>
+                <a:spcPct val="95000"/>
               </a:lnSpc>
               <a:spcBef>
-                <a:spcPct val="0"/>
+                <a:spcPct val="50000"/>
               </a:spcBef>
-              <a:spcAft>
-                <a:spcPct val="0"/>
-              </a:spcAft>
-              <a:defRPr sz="3200" b="1">
-                <a:solidFill>
-                  <a:srgbClr val="708CA1"/>
-                </a:solidFill>
-                <a:latin typeface="Arial" charset="0"/>
-                <a:ea typeface="ＭＳ Ｐゴシック" charset="0"/>
-                <a:cs typeface="ＭＳ Ｐゴシック" charset="0"/>
-              </a:defRPr>
-            </a:lvl5pPr>
-            <a:lvl6pPr marL="457200" algn="l" defTabSz="814388" rtl="0" eaLnBrk="1" fontAlgn="base" hangingPunct="1">
+              <a:buClr>
+                <a:srgbClr val="708CA1"/>
+              </a:buClr>
+            </a:pPr>
+            <a:r>
+              <a:rPr lang="es-ES" sz="2000" kern="0" dirty="0">
+                <a:solidFill>
+                  <a:srgbClr val="000000"/>
+                </a:solidFill>
+                <a:latin typeface="Arial"/>
+              </a:rPr>
+              <a:t>Las rutas estáticas flotantes tienen una distancia administrativa mayor que la distancia administrativa de otras rutas estáticas o dinámicas. </a:t>
+            </a:r>
+          </a:p>
+          <a:p>
+            <a:pPr marL="236538" lvl="0" indent="-236538" algn="l" defTabSz="814388">
               <a:lnSpc>
-                <a:spcPct val="90000"/>
+                <a:spcPct val="95000"/>
               </a:lnSpc>
               <a:spcBef>
-                <a:spcPct val="0"/>
+                <a:spcPct val="50000"/>
               </a:spcBef>
-              <a:spcAft>
-                <a:spcPct val="0"/>
-              </a:spcAft>
-              <a:defRPr sz="3200" b="1">
-                <a:solidFill>
-                  <a:srgbClr val="708CA1"/>
-                </a:solidFill>
-                <a:latin typeface="Arial" charset="0"/>
-              </a:defRPr>
-            </a:lvl6pPr>
-            <a:lvl7pPr marL="914400" algn="l" defTabSz="814388" rtl="0" eaLnBrk="1" fontAlgn="base" hangingPunct="1">
+              <a:buClr>
+                <a:srgbClr val="708CA1"/>
+              </a:buClr>
+              <a:buFont typeface="Wingdings" pitchFamily="2" charset="2"/>
+              <a:buChar char="§"/>
+            </a:pPr>
+            <a:r>
+              <a:rPr lang="es-ES" sz="2000" kern="0" dirty="0">
+                <a:solidFill>
+                  <a:srgbClr val="000000"/>
+                </a:solidFill>
+                <a:latin typeface="Arial"/>
+              </a:rPr>
+              <a:t>De manera predeterminada, las rutas estáticas tienen una distancia administrativa de 1, lo que las hace preferibles a las rutas descubiertas mediante protocolos de </a:t>
+            </a:r>
+            <a:r>
+              <a:rPr lang="es-ES" sz="2000" kern="0" dirty="0" err="1">
+                <a:solidFill>
+                  <a:srgbClr val="000000"/>
+                </a:solidFill>
+                <a:latin typeface="Arial"/>
+              </a:rPr>
+              <a:t>routing</a:t>
+            </a:r>
+            <a:r>
+              <a:rPr lang="es-ES" sz="2000" kern="0" dirty="0">
+                <a:solidFill>
+                  <a:srgbClr val="000000"/>
+                </a:solidFill>
+                <a:latin typeface="Arial"/>
+              </a:rPr>
+              <a:t> dinámico. </a:t>
+            </a:r>
+          </a:p>
+        </p:txBody>
+      </p:sp>
+      <p:pic>
+        <p:nvPicPr>
+          <p:cNvPr id="6" name="Picture 5"/>
+          <p:cNvPicPr>
+            <a:picLocks noChangeAspect="1"/>
+          </p:cNvPicPr>
+          <p:nvPr/>
+        </p:nvPicPr>
+        <p:blipFill>
+          <a:blip r:embed="rId3" cstate="email">
+            <a:extLst>
+              <a:ext uri="{28A0092B-C50C-407E-A947-70E740481C1C}">
+                <a14:useLocalDpi xmlns:a14="http://schemas.microsoft.com/office/drawing/2010/main" val="0"/>
+              </a:ext>
+            </a:extLst>
+          </a:blip>
+          <a:stretch>
+            <a:fillRect/>
+          </a:stretch>
+        </p:blipFill>
+        <p:spPr>
+          <a:xfrm>
+            <a:off x="4126495" y="3281866"/>
+            <a:ext cx="4681024" cy="3552225"/>
+          </a:xfrm>
+          <a:prstGeom prst="rect">
+            <a:avLst/>
+          </a:prstGeom>
+        </p:spPr>
+      </p:pic>
+      <p:sp>
+        <p:nvSpPr>
+          <p:cNvPr id="5" name="Rectangle 2">
+            <a:extLst>
+              <a:ext uri="{FF2B5EF4-FFF2-40B4-BE49-F238E27FC236}">
+                <a16:creationId xmlns:a16="http://schemas.microsoft.com/office/drawing/2014/main" id="{A2E2F8A8-BED2-A513-2BD8-654CCECCFA60}"/>
+              </a:ext>
+            </a:extLst>
+          </p:cNvPr>
+          <p:cNvSpPr/>
+          <p:nvPr/>
+        </p:nvSpPr>
+        <p:spPr>
+          <a:xfrm>
+            <a:off x="336480" y="3281866"/>
+            <a:ext cx="3472121" cy="2585323"/>
+          </a:xfrm>
+          <a:prstGeom prst="rect">
+            <a:avLst/>
+          </a:prstGeom>
+        </p:spPr>
+        <p:txBody>
+          <a:bodyPr wrap="square">
+            <a:spAutoFit/>
+          </a:bodyPr>
+          <a:lstStyle/>
+          <a:p>
+            <a:pPr marL="236538" lvl="0" indent="-236538" algn="l" defTabSz="814388">
               <a:lnSpc>
-                <a:spcPct val="90000"/>
+                <a:spcPct val="95000"/>
               </a:lnSpc>
               <a:spcBef>
-                <a:spcPct val="0"/>
+                <a:spcPct val="50000"/>
               </a:spcBef>
-              <a:spcAft>
-                <a:spcPct val="0"/>
-              </a:spcAft>
-              <a:defRPr sz="3200" b="1">
-                <a:solidFill>
-                  <a:srgbClr val="708CA1"/>
-                </a:solidFill>
-                <a:latin typeface="Arial" charset="0"/>
-              </a:defRPr>
-            </a:lvl7pPr>
-            <a:lvl8pPr marL="1371600" algn="l" defTabSz="814388" rtl="0" eaLnBrk="1" fontAlgn="base" hangingPunct="1">
+              <a:buClr>
+                <a:srgbClr val="708CA1"/>
+              </a:buClr>
+              <a:buFont typeface="Wingdings" pitchFamily="2" charset="2"/>
+              <a:buChar char="§"/>
+            </a:pPr>
+            <a:r>
+              <a:rPr lang="es-ES" sz="2000" kern="0" dirty="0">
+                <a:solidFill>
+                  <a:srgbClr val="000000"/>
+                </a:solidFill>
+                <a:latin typeface="Arial"/>
+              </a:rPr>
+              <a:t>La ruta estática "flota" y no se utiliza cuando está activa la ruta con la mejor distancia administrativa. </a:t>
+            </a:r>
+          </a:p>
+          <a:p>
+            <a:pPr marL="236538" lvl="0" indent="-236538" algn="l" defTabSz="814388">
               <a:lnSpc>
-                <a:spcPct val="90000"/>
+                <a:spcPct val="95000"/>
               </a:lnSpc>
               <a:spcBef>
-                <a:spcPct val="0"/>
+                <a:spcPct val="50000"/>
               </a:spcBef>
-              <a:spcAft>
-                <a:spcPct val="0"/>
-              </a:spcAft>
-              <a:defRPr sz="3200" b="1">
-                <a:solidFill>
-                  <a:srgbClr val="708CA1"/>
-                </a:solidFill>
-                <a:latin typeface="Arial" charset="0"/>
-              </a:defRPr>
-            </a:lvl8pPr>
-            <a:lvl9pPr marL="1828800" algn="l" defTabSz="814388" rtl="0" eaLnBrk="1" fontAlgn="base" hangingPunct="1">
-              <a:lnSpc>
-                <a:spcPct val="90000"/>
-              </a:lnSpc>
-              <a:spcBef>
-                <a:spcPct val="0"/>
-              </a:spcBef>
-              <a:spcAft>
-                <a:spcPct val="0"/>
-              </a:spcAft>
-              <a:defRPr sz="3200" b="1">
-                <a:solidFill>
-                  <a:srgbClr val="708CA1"/>
-                </a:solidFill>
-                <a:latin typeface="Arial" charset="0"/>
-              </a:defRPr>
-            </a:lvl9pPr>
-          </a:lstStyle>
-          <a:p>
-            <a:r>
-              <a:rPr lang="es-ES" sz="1800" dirty="0">
-                <a:solidFill>
-                  <a:srgbClr val="708CA1"/>
-                </a:solidFill>
+              <a:buClr>
+                <a:srgbClr val="708CA1"/>
+              </a:buClr>
+              <a:buFont typeface="Wingdings" pitchFamily="2" charset="2"/>
+              <a:buChar char="§"/>
+            </a:pPr>
+            <a:r>
+              <a:rPr lang="es-ES" sz="2000" kern="0" dirty="0">
+                <a:solidFill>
+                  <a:srgbClr val="000000"/>
+                </a:solidFill>
+                <a:latin typeface="Arial"/>
               </a:rPr>
-              <a:t>Configurar rutas </a:t>
-            </a:r>
-            <a:r>
-              <a:rPr lang="es-ES" sz="1800" dirty="0" err="1">
-                <a:solidFill>
-                  <a:srgbClr val="708CA1"/>
-                </a:solidFill>
-              </a:rPr>
-              <a:t>státicas</a:t>
-            </a:r>
-            <a:r>
-              <a:rPr lang="es-ES" sz="1800" dirty="0">
-                <a:solidFill>
-                  <a:srgbClr val="708CA1"/>
-                </a:solidFill>
-              </a:rPr>
-              <a:t> flotantes</a:t>
-            </a:r>
-            <a:br>
-              <a:rPr lang="es-ES" kern="0" dirty="0">
-                <a:solidFill>
-                  <a:schemeClr val="accent5">
-                    <a:lumMod val="75000"/>
-                  </a:schemeClr>
-                </a:solidFill>
-              </a:rPr>
-            </a:br>
-            <a:r>
-              <a:rPr lang="es-ES" dirty="0">
-                <a:solidFill>
-                  <a:srgbClr val="708CA1"/>
-                </a:solidFill>
-              </a:rPr>
-              <a:t>Rutas estáticas flotantes</a:t>
+              <a:t>Si se pierde la ruta preferida, la ruta estática flotante puede tomar el control.</a:t>
             </a:r>
           </a:p>
         </p:txBody>
       </p:sp>
     </p:spTree>
-    <p:custDataLst>
-      <p:tags r:id="rId1"/>
-    </p:custDataLst>
     <p:extLst>
       <p:ext uri="{BB962C8B-B14F-4D97-AF65-F5344CB8AC3E}">
-        <p14:creationId xmlns:p14="http://schemas.microsoft.com/office/powerpoint/2010/main" val="1069385919"/>
+        <p14:creationId xmlns:p14="http://schemas.microsoft.com/office/powerpoint/2010/main" val="1279029311"/>
       </p:ext>
     </p:extLst>
   </p:cSld>
   <p:clrMapOvr>
     <a:masterClrMapping/>
   </p:clrMapOvr>
-  <mc:AlternateContent xmlns:mc="http://schemas.openxmlformats.org/markup-compatibility/2006" xmlns:p14="http://schemas.microsoft.com/office/powerpoint/2010/main">
-    <mc:Choice Requires="p14">
-      <p:transition spd="med" p14:dur="700">
-        <p:fade/>
-      </p:transition>
-    </mc:Choice>
-    <mc:Fallback xmlns="" xmlns:c15="http://schemas.microsoft.com/office/drawing/2012/chart" xmlns:c="http://schemas.openxmlformats.org/drawingml/2006/chart">
-      <p:transition xmlns:p14="http://schemas.microsoft.com/office/powerpoint/2010/main" spd="med">
-        <p:fade/>
-      </p:transition>
-    </mc:Fallback>
-  </mc:AlternateContent>
+  <p:transition spd="med">
+    <p:wipe dir="r"/>
+  </p:transition>
 </p:sld>
 </file>
 
@@ -23517,6 +23226,36 @@
           </a:p>
         </p:txBody>
       </p:sp>
+      <p:pic>
+        <p:nvPicPr>
+          <p:cNvPr id="2" name="Picture 3">
+            <a:extLst>
+              <a:ext uri="{FF2B5EF4-FFF2-40B4-BE49-F238E27FC236}">
+                <a16:creationId xmlns:a16="http://schemas.microsoft.com/office/drawing/2014/main" id="{1094A4B8-D234-0125-328B-984EFB97477B}"/>
+              </a:ext>
+            </a:extLst>
+          </p:cNvPr>
+          <p:cNvPicPr>
+            <a:picLocks noChangeAspect="1"/>
+          </p:cNvPicPr>
+          <p:nvPr/>
+        </p:nvPicPr>
+        <p:blipFill>
+          <a:blip r:embed="rId4"/>
+          <a:stretch>
+            <a:fillRect/>
+          </a:stretch>
+        </p:blipFill>
+        <p:spPr>
+          <a:xfrm>
+            <a:off x="1445290" y="3655973"/>
+            <a:ext cx="6035306" cy="2040103"/>
+          </a:xfrm>
+          <a:prstGeom prst="rect">
+            <a:avLst/>
+          </a:prstGeom>
+        </p:spPr>
+      </p:pic>
     </p:spTree>
     <p:custDataLst>
       <p:tags r:id="rId1"/>
@@ -23796,7 +23535,19 @@
             </a:pPr>
             <a:r>
               <a:rPr lang="es-ES" sz="2000" dirty="0"/>
-              <a:t>Para proporcionar un gateway de último recurso para una red de conexión única (</a:t>
+              <a:t>Para proporcionar un gateway de último recurso para una </a:t>
+            </a:r>
+            <a:r>
+              <a:rPr lang="es-ES" sz="2000" b="1" dirty="0">
+                <a:solidFill>
+                  <a:srgbClr val="FF0000"/>
+                </a:solidFill>
+              </a:rPr>
+              <a:t>red de conexión única </a:t>
+            </a:r>
+            <a:r>
+              <a:rPr lang="es-ES" sz="2000" dirty="0"/>
+              <a:t>(</a:t>
             </a:r>
             <a:r>
               <a:rPr lang="es-ES" sz="2000" b="1" dirty="0" err="1"/>
@@ -23828,7 +23579,7 @@
             </a:r>
             <a:r>
               <a:rPr lang="es-ES" sz="2000" dirty="0"/>
-              <a:t>) es aquella a la cual se accede a través un de una única ruta y cuyo </a:t>
+              <a:t>) es aquella a la cual se accede a través de una única ruta y cuyo </a:t>
             </a:r>
             <a:r>
               <a:rPr lang="es-ES" sz="2000" dirty="0" err="1"/>
@@ -24131,7 +23882,19 @@
             </a:pPr>
             <a:r>
               <a:rPr lang="es-ES" sz="2000" kern="0" dirty="0"/>
-              <a:t>Para reducir el número de rutas anunciadas mediante el resumen de varias redes contiguas como una sola ruta estática.</a:t>
+              <a:t>Para reducir el número de rutas anunciadas mediante el </a:t>
+            </a:r>
+            <a:r>
+              <a:rPr lang="es-ES" sz="2000" b="1" kern="0" dirty="0">
+                <a:solidFill>
+                  <a:srgbClr val="FF0000"/>
+                </a:solidFill>
+              </a:rPr>
+              <a:t>resumen de varias redes contiguas</a:t>
+            </a:r>
+            <a:r>
+              <a:rPr lang="es-ES" sz="2000" kern="0" dirty="0"/>
+              <a:t> como una sola ruta estática.</a:t>
             </a:r>
           </a:p>
           <a:p>
@@ -24141,7 +23904,19 @@
             </a:pPr>
             <a:r>
               <a:rPr lang="es-ES" sz="2000" kern="0" dirty="0"/>
-              <a:t>Para crear una ruta de respaldo en caso de que falle un enlace de la ruta principal.</a:t>
+              <a:t>Para crear una ruta de respaldo en caso de que falle un enlace de la ruta principal (</a:t>
+            </a:r>
+            <a:r>
+              <a:rPr lang="es-ES" sz="2000" b="1" kern="0" dirty="0">
+                <a:solidFill>
+                  <a:srgbClr val="FF0000"/>
+                </a:solidFill>
+              </a:rPr>
+              <a:t>rutas flotantes</a:t>
+            </a:r>
+            <a:r>
+              <a:rPr lang="es-ES" sz="2000" kern="0" dirty="0"/>
+              <a:t>).</a:t>
             </a:r>
           </a:p>
         </p:txBody>
@@ -24232,7 +24007,7 @@
         </p:blipFill>
         <p:spPr>
           <a:xfrm>
-            <a:off x="2162294" y="3016019"/>
+            <a:off x="2069304" y="2512324"/>
             <a:ext cx="5428610" cy="3752173"/>
           </a:xfrm>
         </p:spPr>
@@ -24245,8 +24020,8 @@
         </p:nvSpPr>
         <p:spPr>
           <a:xfrm>
-            <a:off x="277042" y="1423059"/>
-            <a:ext cx="8718102" cy="1948226"/>
+            <a:off x="247923" y="1614166"/>
+            <a:ext cx="8718102" cy="1020279"/>
           </a:xfrm>
           <a:prstGeom prst="rect">
             <a:avLst/>
@@ -24297,66 +24072,6 @@
                 <a:latin typeface="Arial"/>
               </a:rPr>
               <a:t> es aquella que coincide con todos los paquetes. </a:t>
-            </a:r>
-          </a:p>
-          <a:p>
-            <a:pPr marL="236538" lvl="0" indent="-236538" algn="l" defTabSz="814388">
-              <a:lnSpc>
-                <a:spcPct val="95000"/>
-              </a:lnSpc>
-              <a:spcBef>
-                <a:spcPct val="50000"/>
-              </a:spcBef>
-              <a:buClr>
-                <a:srgbClr val="708CA1"/>
-              </a:buClr>
-              <a:buFont typeface="Wingdings" pitchFamily="2" charset="2"/>
-              <a:buChar char="§"/>
-            </a:pPr>
-            <a:r>
-              <a:rPr lang="es-ES" sz="1800" kern="0" dirty="0">
-                <a:solidFill>
-                  <a:srgbClr val="000000"/>
-                </a:solidFill>
-                <a:latin typeface="Arial"/>
-              </a:rPr>
-              <a:t>Una </a:t>
-            </a:r>
-            <a:r>
-              <a:rPr lang="es-ES" sz="1800" b="1" kern="0" dirty="0">
-                <a:solidFill>
-                  <a:srgbClr val="000000"/>
-                </a:solidFill>
-                <a:latin typeface="Arial"/>
-              </a:rPr>
-              <a:t>ruta estática por default</a:t>
-            </a:r>
-            <a:r>
-              <a:rPr lang="es-ES" sz="1800" kern="0" dirty="0">
-                <a:solidFill>
-                  <a:srgbClr val="000000"/>
-                </a:solidFill>
-                <a:latin typeface="Arial"/>
-              </a:rPr>
-              <a:t> identifica la dirección </a:t>
-            </a:r>
-            <a:r>
-              <a:rPr lang="es-ES" sz="1800" b="1" kern="0" dirty="0">
-                <a:solidFill>
-                  <a:srgbClr val="000000"/>
-                </a:solidFill>
-                <a:latin typeface="Arial"/>
-              </a:rPr>
-              <a:t>IP del gateway </a:t>
-            </a:r>
-            <a:r>
-              <a:rPr lang="es-ES" sz="1800" kern="0" dirty="0">
-                <a:solidFill>
-                  <a:srgbClr val="000000"/>
-                </a:solidFill>
-                <a:latin typeface="Arial"/>
-              </a:rPr>
-              <a:t>al cual el router envía todos los paquetes IP para los que no tiene una ruta descubierta o estática. </a:t>
             </a:r>
           </a:p>
           <a:p>
@@ -24989,12 +24704,6 @@
 </file>
 
 <file path=ppt/tags/tag4.xml><?xml version="1.0" encoding="utf-8"?>
-<p:tagLst xmlns:a="http://schemas.openxmlformats.org/drawingml/2006/main" xmlns:r="http://schemas.openxmlformats.org/officeDocument/2006/relationships" xmlns:p="http://schemas.openxmlformats.org/presentationml/2006/main">
-  <p:tag name="ARTICULATE_SLIDE_THUMBNAIL_REFRESH" val="1"/>
-</p:tagLst>
-</file>
-
-<file path=ppt/tags/tag5.xml><?xml version="1.0" encoding="utf-8"?>
 <p:tagLst xmlns:a="http://schemas.openxmlformats.org/drawingml/2006/main" xmlns:r="http://schemas.openxmlformats.org/officeDocument/2006/relationships" xmlns:p="http://schemas.openxmlformats.org/presentationml/2006/main">
   <p:tag name="ARTICULATE_SLIDE_THUMBNAIL_REFRESH" val="1"/>
 </p:tagLst>

--- a/Calendario/Presentaciones/6_Ruteo_estatico.pptx
+++ b/Calendario/Presentaciones/6_Ruteo_estatico.pptx
@@ -6,10 +6,10 @@
     <p:sldMasterId id="2147483945" r:id="rId2"/>
   </p:sldMasterIdLst>
   <p:notesMasterIdLst>
-    <p:notesMasterId r:id="rId39"/>
+    <p:notesMasterId r:id="rId34"/>
   </p:notesMasterIdLst>
   <p:handoutMasterIdLst>
-    <p:handoutMasterId r:id="rId40"/>
+    <p:handoutMasterId r:id="rId35"/>
   </p:handoutMasterIdLst>
   <p:sldIdLst>
     <p:sldId id="500" r:id="rId3"/>
@@ -43,11 +43,6 @@
     <p:sldId id="1017" r:id="rId31"/>
     <p:sldId id="1018" r:id="rId32"/>
     <p:sldId id="1288" r:id="rId33"/>
-    <p:sldId id="1296" r:id="rId34"/>
-    <p:sldId id="1021" r:id="rId35"/>
-    <p:sldId id="1297" r:id="rId36"/>
-    <p:sldId id="1298" r:id="rId37"/>
-    <p:sldId id="1293" r:id="rId38"/>
   </p:sldIdLst>
   <p:sldSz cx="9144000" cy="6858000" type="screen4x3"/>
   <p:notesSz cx="7010400" cy="9296400"/>
@@ -789,7 +784,7 @@
               </a14:hiddenFill>
             </a:ext>
             <a:ext uri="{FAA26D3D-D897-4be2-8F04-BA451C77F1D7}">
-              <ma14:placeholderFlag xmlns:ma14="http://schemas.microsoft.com/office/mac/drawingml/2011/main" xmlns:mc="http://schemas.openxmlformats.org/markup-compatibility/2006" xmlns:a14="http://schemas.microsoft.com/office/drawing/2010/main" xmlns:c="http://schemas.openxmlformats.org/drawingml/2006/chart" xmlns:dgm="http://schemas.openxmlformats.org/drawingml/2006/diagram" xmlns:cdr="http://schemas.openxmlformats.org/drawingml/2006/chartDrawing" xmlns:wne="http://schemas.microsoft.com/office/powerpoint/2006/powerpointml" xmlns:wp="http://schemas.openxmlformats.org/drawingml/2006/powerpointprocessingDrawing" xmlns:v="urn:schemas-microsoft-com:vml" xmlns:o="urn:schemas-microsoft-com:office:office" xmlns="" val="1"/>
+              <ma14:placeholderFlag xmlns="" xmlns:o="urn:schemas-microsoft-com:office:office" xmlns:v="urn:schemas-microsoft-com:vml" xmlns:wp="http://schemas.openxmlformats.org/drawingml/2006/powerpointprocessingDrawing" xmlns:wne="http://schemas.microsoft.com/office/powerpoint/2006/powerpointml" xmlns:cdr="http://schemas.openxmlformats.org/drawingml/2006/chartDrawing" xmlns:dgm="http://schemas.openxmlformats.org/drawingml/2006/diagram" xmlns:c="http://schemas.openxmlformats.org/drawingml/2006/chart" xmlns:a14="http://schemas.microsoft.com/office/drawing/2010/main" xmlns:mc="http://schemas.openxmlformats.org/markup-compatibility/2006" xmlns:ma14="http://schemas.microsoft.com/office/mac/drawingml/2011/main" val="1"/>
             </a:ext>
           </a:extLst>
         </p:spPr>
@@ -7101,713 +7096,6 @@
 </p:notes>
 </file>
 
-<file path=ppt/notesSlides/notesSlide32.xml><?xml version="1.0" encoding="utf-8"?>
-<p:notes xmlns:a="http://schemas.openxmlformats.org/drawingml/2006/main" xmlns:r="http://schemas.openxmlformats.org/officeDocument/2006/relationships" xmlns:p="http://schemas.openxmlformats.org/presentationml/2006/main">
-  <p:cSld>
-    <p:spTree>
-      <p:nvGrpSpPr>
-        <p:cNvPr id="1" name=""/>
-        <p:cNvGrpSpPr/>
-        <p:nvPr/>
-      </p:nvGrpSpPr>
-      <p:grpSpPr>
-        <a:xfrm>
-          <a:off x="0" y="0"/>
-          <a:ext cx="0" cy="0"/>
-          <a:chOff x="0" y="0"/>
-          <a:chExt cx="0" cy="0"/>
-        </a:xfrm>
-      </p:grpSpPr>
-      <p:sp>
-        <p:nvSpPr>
-          <p:cNvPr id="31746" name="Rectangle 11"/>
-          <p:cNvSpPr>
-            <a:spLocks noGrp="1" noChangeArrowheads="1"/>
-          </p:cNvSpPr>
-          <p:nvPr>
-            <p:ph type="sldNum" sz="quarter" idx="5"/>
-          </p:nvPr>
-        </p:nvSpPr>
-        <p:spPr>
-          <a:noFill/>
-        </p:spPr>
-        <p:txBody>
-          <a:bodyPr/>
-          <a:lstStyle/>
-          <a:p>
-            <a:fld id="{F602A389-8690-465F-BB28-DC61C90E42E7}" type="slidenum">
-              <a:rPr lang="en-US" smtClean="0"/>
-              <a:pPr/>
-              <a:t>32</a:t>
-            </a:fld>
-            <a:endParaRPr lang="es-ES" dirty="0"/>
-          </a:p>
-        </p:txBody>
-      </p:sp>
-      <p:sp>
-        <p:nvSpPr>
-          <p:cNvPr id="31747" name="Rectangle 2"/>
-          <p:cNvSpPr>
-            <a:spLocks noGrp="1" noRot="1" noChangeAspect="1" noChangeArrowheads="1" noTextEdit="1"/>
-          </p:cNvSpPr>
-          <p:nvPr>
-            <p:ph type="sldImg"/>
-          </p:nvPr>
-        </p:nvSpPr>
-        <p:spPr>
-          <a:ln/>
-        </p:spPr>
-      </p:sp>
-      <p:sp>
-        <p:nvSpPr>
-          <p:cNvPr id="31748" name="Rectangle 3"/>
-          <p:cNvSpPr>
-            <a:spLocks noGrp="1" noChangeArrowheads="1"/>
-          </p:cNvSpPr>
-          <p:nvPr>
-            <p:ph type="body" idx="1"/>
-          </p:nvPr>
-        </p:nvSpPr>
-        <p:spPr>
-          <a:xfrm>
-            <a:off x="404813" y="4378325"/>
-            <a:ext cx="6121400" cy="4252913"/>
-          </a:xfrm>
-          <a:noFill/>
-          <a:ln/>
-        </p:spPr>
-        <p:txBody>
-          <a:bodyPr/>
-          <a:lstStyle/>
-          <a:p>
-            <a:pPr>
-              <a:buFontTx/>
-              <a:buNone/>
-            </a:pPr>
-            <a:r>
-              <a:rPr lang="es-ES" b="0" dirty="0"/>
-              <a:t>Cisco Networking Academy Program</a:t>
-            </a:r>
-          </a:p>
-          <a:p>
-            <a:pPr>
-              <a:buFontTx/>
-              <a:buNone/>
-            </a:pPr>
-            <a:r>
-              <a:rPr lang="es-ES" b="0" dirty="0"/>
-              <a:t>Routing and Switching Essentials v6.0</a:t>
-            </a:r>
-          </a:p>
-          <a:p>
-            <a:pPr>
-              <a:buFontTx/>
-              <a:buNone/>
-            </a:pPr>
-            <a:r>
-              <a:rPr lang="es-ES" sz="1200" b="0" dirty="0"/>
-              <a:t>Capítulo 2: Routing estático</a:t>
-            </a:r>
-            <a:endParaRPr lang="es-ES" b="0" dirty="0"/>
-          </a:p>
-        </p:txBody>
-      </p:sp>
-    </p:spTree>
-    <p:extLst>
-      <p:ext uri="{BB962C8B-B14F-4D97-AF65-F5344CB8AC3E}">
-        <p14:creationId xmlns:p14="http://schemas.microsoft.com/office/powerpoint/2010/main" val="3435471255"/>
-      </p:ext>
-    </p:extLst>
-  </p:cSld>
-  <p:clrMapOvr>
-    <a:masterClrMapping/>
-  </p:clrMapOvr>
-</p:notes>
-</file>
-
-<file path=ppt/notesSlides/notesSlide33.xml><?xml version="1.0" encoding="utf-8"?>
-<p:notes xmlns:a="http://schemas.openxmlformats.org/drawingml/2006/main" xmlns:r="http://schemas.openxmlformats.org/officeDocument/2006/relationships" xmlns:p="http://schemas.openxmlformats.org/presentationml/2006/main">
-  <p:cSld>
-    <p:spTree>
-      <p:nvGrpSpPr>
-        <p:cNvPr id="1" name=""/>
-        <p:cNvGrpSpPr/>
-        <p:nvPr/>
-      </p:nvGrpSpPr>
-      <p:grpSpPr>
-        <a:xfrm>
-          <a:off x="0" y="0"/>
-          <a:ext cx="0" cy="0"/>
-          <a:chOff x="0" y="0"/>
-          <a:chExt cx="0" cy="0"/>
-        </a:xfrm>
-      </p:grpSpPr>
-      <p:sp>
-        <p:nvSpPr>
-          <p:cNvPr id="22529" name="Rectangle 11"/>
-          <p:cNvSpPr>
-            <a:spLocks noGrp="1" noChangeArrowheads="1"/>
-          </p:cNvSpPr>
-          <p:nvPr>
-            <p:ph type="sldNum" sz="quarter" idx="5"/>
-          </p:nvPr>
-        </p:nvSpPr>
-        <p:spPr>
-          <a:noFill/>
-          <a:ln/>
-          <a:extLst>
-            <a:ext uri="{909E8E84-426E-40DD-AFC4-6F175D3DCCD1}">
-              <a14:hiddenFill xmlns:a14="http://schemas.microsoft.com/office/drawing/2010/main">
-                <a:solidFill>
-                  <a:srgbClr val="FFFFFF"/>
-                </a:solidFill>
-              </a14:hiddenFill>
-            </a:ext>
-            <a:ext uri="{91240B29-F687-4F45-9708-019B960494DF}">
-              <a14:hiddenLine xmlns:a14="http://schemas.microsoft.com/office/drawing/2010/main" w="9525">
-                <a:solidFill>
-                  <a:srgbClr val="000000"/>
-                </a:solidFill>
-                <a:miter lim="800000"/>
-                <a:headEnd/>
-                <a:tailEnd/>
-              </a14:hiddenLine>
-            </a:ext>
-          </a:extLst>
-        </p:spPr>
-        <p:txBody>
-          <a:bodyPr/>
-          <a:lstStyle>
-            <a:lvl1pPr defTabSz="903288">
-              <a:defRPr sz="2400">
-                <a:solidFill>
-                  <a:schemeClr val="tx1"/>
-                </a:solidFill>
-                <a:latin typeface="Arial" charset="0"/>
-                <a:ea typeface="ＭＳ Ｐゴシック" charset="0"/>
-                <a:cs typeface="ＭＳ Ｐゴシック" charset="0"/>
-              </a:defRPr>
-            </a:lvl1pPr>
-            <a:lvl2pPr marL="742950" indent="-285750" defTabSz="903288">
-              <a:defRPr sz="2400">
-                <a:solidFill>
-                  <a:schemeClr val="tx1"/>
-                </a:solidFill>
-                <a:latin typeface="Arial" charset="0"/>
-                <a:ea typeface="ＭＳ Ｐゴシック" charset="0"/>
-              </a:defRPr>
-            </a:lvl2pPr>
-            <a:lvl3pPr marL="1143000" indent="-228600" defTabSz="903288">
-              <a:defRPr sz="2400">
-                <a:solidFill>
-                  <a:schemeClr val="tx1"/>
-                </a:solidFill>
-                <a:latin typeface="Arial" charset="0"/>
-                <a:ea typeface="ＭＳ Ｐゴシック" charset="0"/>
-              </a:defRPr>
-            </a:lvl3pPr>
-            <a:lvl4pPr marL="1600200" indent="-228600" defTabSz="903288">
-              <a:defRPr sz="2400">
-                <a:solidFill>
-                  <a:schemeClr val="tx1"/>
-                </a:solidFill>
-                <a:latin typeface="Arial" charset="0"/>
-                <a:ea typeface="ＭＳ Ｐゴシック" charset="0"/>
-              </a:defRPr>
-            </a:lvl4pPr>
-            <a:lvl5pPr marL="2057400" indent="-228600" defTabSz="903288">
-              <a:defRPr sz="2400">
-                <a:solidFill>
-                  <a:schemeClr val="tx1"/>
-                </a:solidFill>
-                <a:latin typeface="Arial" charset="0"/>
-                <a:ea typeface="ＭＳ Ｐゴシック" charset="0"/>
-              </a:defRPr>
-            </a:lvl5pPr>
-            <a:lvl6pPr marL="2514600" indent="-228600" algn="ctr" defTabSz="903288" eaLnBrk="0" fontAlgn="base" hangingPunct="0">
-              <a:lnSpc>
-                <a:spcPct val="90000"/>
-              </a:lnSpc>
-              <a:spcBef>
-                <a:spcPct val="0"/>
-              </a:spcBef>
-              <a:spcAft>
-                <a:spcPct val="0"/>
-              </a:spcAft>
-              <a:defRPr sz="2400">
-                <a:solidFill>
-                  <a:schemeClr val="tx1"/>
-                </a:solidFill>
-                <a:latin typeface="Arial" charset="0"/>
-                <a:ea typeface="ＭＳ Ｐゴシック" charset="0"/>
-              </a:defRPr>
-            </a:lvl6pPr>
-            <a:lvl7pPr marL="2971800" indent="-228600" algn="ctr" defTabSz="903288" eaLnBrk="0" fontAlgn="base" hangingPunct="0">
-              <a:lnSpc>
-                <a:spcPct val="90000"/>
-              </a:lnSpc>
-              <a:spcBef>
-                <a:spcPct val="0"/>
-              </a:spcBef>
-              <a:spcAft>
-                <a:spcPct val="0"/>
-              </a:spcAft>
-              <a:defRPr sz="2400">
-                <a:solidFill>
-                  <a:schemeClr val="tx1"/>
-                </a:solidFill>
-                <a:latin typeface="Arial" charset="0"/>
-                <a:ea typeface="ＭＳ Ｐゴシック" charset="0"/>
-              </a:defRPr>
-            </a:lvl7pPr>
-            <a:lvl8pPr marL="3429000" indent="-228600" algn="ctr" defTabSz="903288" eaLnBrk="0" fontAlgn="base" hangingPunct="0">
-              <a:lnSpc>
-                <a:spcPct val="90000"/>
-              </a:lnSpc>
-              <a:spcBef>
-                <a:spcPct val="0"/>
-              </a:spcBef>
-              <a:spcAft>
-                <a:spcPct val="0"/>
-              </a:spcAft>
-              <a:defRPr sz="2400">
-                <a:solidFill>
-                  <a:schemeClr val="tx1"/>
-                </a:solidFill>
-                <a:latin typeface="Arial" charset="0"/>
-                <a:ea typeface="ＭＳ Ｐゴシック" charset="0"/>
-              </a:defRPr>
-            </a:lvl8pPr>
-            <a:lvl9pPr marL="3886200" indent="-228600" algn="ctr" defTabSz="903288" eaLnBrk="0" fontAlgn="base" hangingPunct="0">
-              <a:lnSpc>
-                <a:spcPct val="90000"/>
-              </a:lnSpc>
-              <a:spcBef>
-                <a:spcPct val="0"/>
-              </a:spcBef>
-              <a:spcAft>
-                <a:spcPct val="0"/>
-              </a:spcAft>
-              <a:defRPr sz="2400">
-                <a:solidFill>
-                  <a:schemeClr val="tx1"/>
-                </a:solidFill>
-                <a:latin typeface="Arial" charset="0"/>
-                <a:ea typeface="ＭＳ Ｐゴシック" charset="0"/>
-              </a:defRPr>
-            </a:lvl9pPr>
-          </a:lstStyle>
-          <a:p>
-            <a:fld id="{3997A419-355F-A04A-96E0-21643AF8E9FF}" type="slidenum">
-              <a:rPr lang="en-US" sz="800"/>
-              <a:pPr/>
-              <a:t>33</a:t>
-            </a:fld>
-            <a:endParaRPr lang="es-ES" sz="800"/>
-          </a:p>
-        </p:txBody>
-      </p:sp>
-      <p:sp>
-        <p:nvSpPr>
-          <p:cNvPr id="22530" name="Rectangle 2"/>
-          <p:cNvSpPr>
-            <a:spLocks noGrp="1" noRot="1" noChangeAspect="1" noChangeArrowheads="1" noTextEdit="1"/>
-          </p:cNvSpPr>
-          <p:nvPr>
-            <p:ph type="sldImg"/>
-          </p:nvPr>
-        </p:nvSpPr>
-        <p:spPr>
-          <a:ln/>
-        </p:spPr>
-      </p:sp>
-      <p:sp>
-        <p:nvSpPr>
-          <p:cNvPr id="22531" name="Rectangle 3"/>
-          <p:cNvSpPr>
-            <a:spLocks noGrp="1" noChangeArrowheads="1"/>
-          </p:cNvSpPr>
-          <p:nvPr>
-            <p:ph type="body" idx="1"/>
-          </p:nvPr>
-        </p:nvSpPr>
-        <p:spPr>
-          <a:noFill/>
-          <a:ln/>
-          <a:extLst>
-            <a:ext uri="{909E8E84-426E-40DD-AFC4-6F175D3DCCD1}">
-              <a14:hiddenFill xmlns:a14="http://schemas.microsoft.com/office/drawing/2010/main">
-                <a:solidFill>
-                  <a:srgbClr val="FFFFFF"/>
-                </a:solidFill>
-              </a14:hiddenFill>
-            </a:ext>
-            <a:ext uri="{91240B29-F687-4F45-9708-019B960494DF}">
-              <a14:hiddenLine xmlns:a14="http://schemas.microsoft.com/office/drawing/2010/main" w="9525">
-                <a:solidFill>
-                  <a:srgbClr val="000000"/>
-                </a:solidFill>
-                <a:miter lim="800000"/>
-                <a:headEnd/>
-                <a:tailEnd/>
-              </a14:hiddenLine>
-            </a:ext>
-          </a:extLst>
-        </p:spPr>
-        <p:txBody>
-          <a:bodyPr/>
-          <a:lstStyle/>
-          <a:p>
-            <a:r>
-              <a:rPr lang="es-ES"/>
-              <a:t>2.2.6.1 Rutas de hosts instaladas automáticamente</a:t>
-            </a:r>
-            <a:endParaRPr lang="es-ES" b="0" dirty="0">
-              <a:effectLst/>
-            </a:endParaRPr>
-          </a:p>
-          <a:p>
-            <a:pPr marL="0" indent="0">
-              <a:buNone/>
-            </a:pPr>
-            <a:endParaRPr lang="es-ES" dirty="0"/>
-          </a:p>
-        </p:txBody>
-      </p:sp>
-    </p:spTree>
-    <p:extLst>
-      <p:ext uri="{BB962C8B-B14F-4D97-AF65-F5344CB8AC3E}">
-        <p14:creationId xmlns:p14="http://schemas.microsoft.com/office/powerpoint/2010/main" val="351300409"/>
-      </p:ext>
-    </p:extLst>
-  </p:cSld>
-  <p:clrMapOvr>
-    <a:masterClrMapping/>
-  </p:clrMapOvr>
-</p:notes>
-</file>
-
-<file path=ppt/notesSlides/notesSlide34.xml><?xml version="1.0" encoding="utf-8"?>
-<p:notes xmlns:a="http://schemas.openxmlformats.org/drawingml/2006/main" xmlns:r="http://schemas.openxmlformats.org/officeDocument/2006/relationships" xmlns:p="http://schemas.openxmlformats.org/presentationml/2006/main">
-  <p:cSld>
-    <p:spTree>
-      <p:nvGrpSpPr>
-        <p:cNvPr id="1" name=""/>
-        <p:cNvGrpSpPr/>
-        <p:nvPr/>
-      </p:nvGrpSpPr>
-      <p:grpSpPr>
-        <a:xfrm>
-          <a:off x="0" y="0"/>
-          <a:ext cx="0" cy="0"/>
-          <a:chOff x="0" y="0"/>
-          <a:chExt cx="0" cy="0"/>
-        </a:xfrm>
-      </p:grpSpPr>
-      <p:sp>
-        <p:nvSpPr>
-          <p:cNvPr id="2" name="Slide Image Placeholder 1"/>
-          <p:cNvSpPr>
-            <a:spLocks noGrp="1" noRot="1" noChangeAspect="1"/>
-          </p:cNvSpPr>
-          <p:nvPr>
-            <p:ph type="sldImg"/>
-          </p:nvPr>
-        </p:nvSpPr>
-        <p:spPr/>
-      </p:sp>
-      <p:sp>
-        <p:nvSpPr>
-          <p:cNvPr id="3" name="Notes Placeholder 2"/>
-          <p:cNvSpPr>
-            <a:spLocks noGrp="1"/>
-          </p:cNvSpPr>
-          <p:nvPr>
-            <p:ph type="body" idx="1"/>
-          </p:nvPr>
-        </p:nvSpPr>
-        <p:spPr/>
-        <p:txBody>
-          <a:bodyPr/>
-          <a:lstStyle/>
-          <a:p>
-            <a:pPr rtl="0"/>
-            <a:r>
-              <a:rPr lang="es-419"/>
-              <a:t>15 — Enrutamiento IP Estático</a:t>
-            </a:r>
-          </a:p>
-          <a:p>
-            <a:pPr rtl="0"/>
-            <a:r>
-              <a:rPr lang="es-419"/>
-              <a:t>15.5 - Rutas de Host Estáticas</a:t>
-            </a:r>
-          </a:p>
-          <a:p>
-            <a:pPr rtl="0"/>
-            <a:r>
-              <a:rPr lang="es-419"/>
-              <a:t>15.5.3- </a:t>
-            </a:r>
-            <a:r>
-              <a:rPr lang="es-419" sz="1200"/>
-              <a:t>Rutas de Host Estáticas</a:t>
-            </a:r>
-          </a:p>
-        </p:txBody>
-      </p:sp>
-      <p:sp>
-        <p:nvSpPr>
-          <p:cNvPr id="4" name="Slide Number Placeholder 3"/>
-          <p:cNvSpPr>
-            <a:spLocks noGrp="1"/>
-          </p:cNvSpPr>
-          <p:nvPr>
-            <p:ph type="sldNum" sz="quarter" idx="5"/>
-          </p:nvPr>
-        </p:nvSpPr>
-        <p:spPr/>
-        <p:txBody>
-          <a:bodyPr/>
-          <a:lstStyle/>
-          <a:p>
-            <a:pPr rtl="0"/>
-            <a:fld id="{5641018C-6CAF-B84E-B92C-ECB119457FBA}" type="slidenum">
-              <a:rPr/>
-              <a:t>34</a:t>
-            </a:fld>
-            <a:endParaRPr/>
-          </a:p>
-        </p:txBody>
-      </p:sp>
-    </p:spTree>
-    <p:extLst>
-      <p:ext uri="{BB962C8B-B14F-4D97-AF65-F5344CB8AC3E}">
-        <p14:creationId xmlns:p14="http://schemas.microsoft.com/office/powerpoint/2010/main" val="2698746454"/>
-      </p:ext>
-    </p:extLst>
-  </p:cSld>
-  <p:clrMapOvr>
-    <a:masterClrMapping/>
-  </p:clrMapOvr>
-</p:notes>
-</file>
-
-<file path=ppt/notesSlides/notesSlide35.xml><?xml version="1.0" encoding="utf-8"?>
-<p:notes xmlns:a="http://schemas.openxmlformats.org/drawingml/2006/main" xmlns:r="http://schemas.openxmlformats.org/officeDocument/2006/relationships" xmlns:p="http://schemas.openxmlformats.org/presentationml/2006/main">
-  <p:cSld>
-    <p:spTree>
-      <p:nvGrpSpPr>
-        <p:cNvPr id="1" name=""/>
-        <p:cNvGrpSpPr/>
-        <p:nvPr/>
-      </p:nvGrpSpPr>
-      <p:grpSpPr>
-        <a:xfrm>
-          <a:off x="0" y="0"/>
-          <a:ext cx="0" cy="0"/>
-          <a:chOff x="0" y="0"/>
-          <a:chExt cx="0" cy="0"/>
-        </a:xfrm>
-      </p:grpSpPr>
-      <p:sp>
-        <p:nvSpPr>
-          <p:cNvPr id="2" name="Slide Image Placeholder 1"/>
-          <p:cNvSpPr>
-            <a:spLocks noGrp="1" noRot="1" noChangeAspect="1"/>
-          </p:cNvSpPr>
-          <p:nvPr>
-            <p:ph type="sldImg"/>
-          </p:nvPr>
-        </p:nvSpPr>
-        <p:spPr/>
-      </p:sp>
-      <p:sp>
-        <p:nvSpPr>
-          <p:cNvPr id="3" name="Notes Placeholder 2"/>
-          <p:cNvSpPr>
-            <a:spLocks noGrp="1"/>
-          </p:cNvSpPr>
-          <p:nvPr>
-            <p:ph type="body" idx="1"/>
-          </p:nvPr>
-        </p:nvSpPr>
-        <p:spPr/>
-        <p:txBody>
-          <a:bodyPr/>
-          <a:lstStyle/>
-          <a:p>
-            <a:pPr rtl="0"/>
-            <a:r>
-              <a:rPr lang="es-419"/>
-              <a:t>15 — Enrutamiento IP Estático</a:t>
-            </a:r>
-          </a:p>
-          <a:p>
-            <a:pPr rtl="0"/>
-            <a:r>
-              <a:rPr lang="es-419"/>
-              <a:t>15.5 - Rutas de Host Estáticas</a:t>
-            </a:r>
-          </a:p>
-          <a:p>
-            <a:pPr rtl="0"/>
-            <a:r>
-              <a:rPr lang="es-419"/>
-              <a:t>15.5.4 - Configurar</a:t>
-            </a:r>
-            <a:r>
-              <a:rPr lang="es-419" sz="1200"/>
-              <a:t>Rutas de Host Estáticas</a:t>
-            </a:r>
-          </a:p>
-        </p:txBody>
-      </p:sp>
-      <p:sp>
-        <p:nvSpPr>
-          <p:cNvPr id="4" name="Slide Number Placeholder 3"/>
-          <p:cNvSpPr>
-            <a:spLocks noGrp="1"/>
-          </p:cNvSpPr>
-          <p:nvPr>
-            <p:ph type="sldNum" sz="quarter" idx="5"/>
-          </p:nvPr>
-        </p:nvSpPr>
-        <p:spPr/>
-        <p:txBody>
-          <a:bodyPr/>
-          <a:lstStyle/>
-          <a:p>
-            <a:pPr rtl="0"/>
-            <a:fld id="{5641018C-6CAF-B84E-B92C-ECB119457FBA}" type="slidenum">
-              <a:rPr/>
-              <a:t>35</a:t>
-            </a:fld>
-            <a:endParaRPr/>
-          </a:p>
-        </p:txBody>
-      </p:sp>
-    </p:spTree>
-    <p:extLst>
-      <p:ext uri="{BB962C8B-B14F-4D97-AF65-F5344CB8AC3E}">
-        <p14:creationId xmlns:p14="http://schemas.microsoft.com/office/powerpoint/2010/main" val="1939049346"/>
-      </p:ext>
-    </p:extLst>
-  </p:cSld>
-  <p:clrMapOvr>
-    <a:masterClrMapping/>
-  </p:clrMapOvr>
-</p:notes>
-</file>
-
-<file path=ppt/notesSlides/notesSlide36.xml><?xml version="1.0" encoding="utf-8"?>
-<p:notes xmlns:a="http://schemas.openxmlformats.org/drawingml/2006/main" xmlns:r="http://schemas.openxmlformats.org/officeDocument/2006/relationships" xmlns:p="http://schemas.openxmlformats.org/presentationml/2006/main">
-  <p:cSld>
-    <p:spTree>
-      <p:nvGrpSpPr>
-        <p:cNvPr id="1" name=""/>
-        <p:cNvGrpSpPr/>
-        <p:nvPr/>
-      </p:nvGrpSpPr>
-      <p:grpSpPr>
-        <a:xfrm>
-          <a:off x="0" y="0"/>
-          <a:ext cx="0" cy="0"/>
-          <a:chOff x="0" y="0"/>
-          <a:chExt cx="0" cy="0"/>
-        </a:xfrm>
-      </p:grpSpPr>
-      <p:sp>
-        <p:nvSpPr>
-          <p:cNvPr id="2" name="Slide Image Placeholder 1"/>
-          <p:cNvSpPr>
-            <a:spLocks noGrp="1" noRot="1" noChangeAspect="1"/>
-          </p:cNvSpPr>
-          <p:nvPr>
-            <p:ph type="sldImg"/>
-          </p:nvPr>
-        </p:nvSpPr>
-        <p:spPr/>
-      </p:sp>
-      <p:sp>
-        <p:nvSpPr>
-          <p:cNvPr id="3" name="Notes Placeholder 2"/>
-          <p:cNvSpPr>
-            <a:spLocks noGrp="1"/>
-          </p:cNvSpPr>
-          <p:nvPr>
-            <p:ph type="body" idx="1"/>
-          </p:nvPr>
-        </p:nvSpPr>
-        <p:spPr/>
-        <p:txBody>
-          <a:bodyPr/>
-          <a:lstStyle/>
-          <a:p>
-            <a:pPr rtl="0"/>
-            <a:r>
-              <a:rPr lang="es-419"/>
-              <a:t>15 — Enrutamiento IP Estático</a:t>
-            </a:r>
-          </a:p>
-          <a:p>
-            <a:pPr rtl="0"/>
-            <a:r>
-              <a:rPr lang="es-419"/>
-              <a:t>15.5 - Rutas de Host Estáticas</a:t>
-            </a:r>
-          </a:p>
-          <a:p>
-            <a:pPr rtl="0"/>
-            <a:r>
-              <a:rPr lang="es-419"/>
-              <a:t>15.5.5 - Verificar </a:t>
-            </a:r>
-            <a:r>
-              <a:rPr lang="es-419" sz="1200"/>
-              <a:t>rutas de host estáticas</a:t>
-            </a:r>
-          </a:p>
-        </p:txBody>
-      </p:sp>
-      <p:sp>
-        <p:nvSpPr>
-          <p:cNvPr id="4" name="Slide Number Placeholder 3"/>
-          <p:cNvSpPr>
-            <a:spLocks noGrp="1"/>
-          </p:cNvSpPr>
-          <p:nvPr>
-            <p:ph type="sldNum" sz="quarter" idx="5"/>
-          </p:nvPr>
-        </p:nvSpPr>
-        <p:spPr/>
-        <p:txBody>
-          <a:bodyPr/>
-          <a:lstStyle/>
-          <a:p>
-            <a:pPr rtl="0"/>
-            <a:fld id="{5641018C-6CAF-B84E-B92C-ECB119457FBA}" type="slidenum">
-              <a:rPr/>
-              <a:t>36</a:t>
-            </a:fld>
-            <a:endParaRPr/>
-          </a:p>
-        </p:txBody>
-      </p:sp>
-    </p:spTree>
-    <p:extLst>
-      <p:ext uri="{BB962C8B-B14F-4D97-AF65-F5344CB8AC3E}">
-        <p14:creationId xmlns:p14="http://schemas.microsoft.com/office/powerpoint/2010/main" val="235377548"/>
-      </p:ext>
-    </p:extLst>
-  </p:cSld>
-  <p:clrMapOvr>
-    <a:masterClrMapping/>
-  </p:clrMapOvr>
-</p:notes>
-</file>
-
 <file path=ppt/notesSlides/notesSlide4.xml><?xml version="1.0" encoding="utf-8"?>
 <p:notes xmlns:a="http://schemas.openxmlformats.org/drawingml/2006/main" xmlns:r="http://schemas.openxmlformats.org/officeDocument/2006/relationships" xmlns:p="http://schemas.openxmlformats.org/presentationml/2006/main">
   <p:cSld>
@@ -12447,7 +11735,7 @@
         <p:fade/>
       </p:transition>
     </mc:Choice>
-    <mc:Fallback xmlns="" xmlns:c15="http://schemas.microsoft.com/office/drawing/2012/chart" xmlns:c="http://schemas.openxmlformats.org/drawingml/2006/chart">
+    <mc:Fallback xmlns:c="http://schemas.openxmlformats.org/drawingml/2006/chart" xmlns:c15="http://schemas.microsoft.com/office/drawing/2012/chart" xmlns="">
       <p:transition xmlns:p14="http://schemas.microsoft.com/office/powerpoint/2010/main" spd="med">
         <p:fade/>
       </p:transition>
@@ -13707,7 +12995,7 @@
               </a14:hiddenLine>
             </a:ext>
             <a:ext uri="{FAA26D3D-D897-4be2-8F04-BA451C77F1D7}">
-              <ma14:placeholderFlag xmlns:ma14="http://schemas.microsoft.com/office/mac/drawingml/2011/main" xmlns:mc="http://schemas.openxmlformats.org/markup-compatibility/2006" xmlns:a14="http://schemas.microsoft.com/office/drawing/2010/main" xmlns:c="http://schemas.openxmlformats.org/drawingml/2006/chart" xmlns:dgm="http://schemas.openxmlformats.org/drawingml/2006/diagram" xmlns:cdr="http://schemas.openxmlformats.org/drawingml/2006/chartDrawing" xmlns:wne="http://schemas.microsoft.com/office/powerpoint/2006/powerpointml" xmlns:wp="http://schemas.openxmlformats.org/drawingml/2006/powerpointprocessingDrawing" xmlns:v="urn:schemas-microsoft-com:vml" xmlns:o="urn:schemas-microsoft-com:office:office" xmlns="" val="1"/>
+              <ma14:placeholderFlag xmlns="" xmlns:o="urn:schemas-microsoft-com:office:office" xmlns:v="urn:schemas-microsoft-com:vml" xmlns:wp="http://schemas.openxmlformats.org/drawingml/2006/powerpointprocessingDrawing" xmlns:wne="http://schemas.microsoft.com/office/powerpoint/2006/powerpointml" xmlns:cdr="http://schemas.openxmlformats.org/drawingml/2006/chartDrawing" xmlns:dgm="http://schemas.openxmlformats.org/drawingml/2006/diagram" xmlns:c="http://schemas.openxmlformats.org/drawingml/2006/chart" xmlns:a14="http://schemas.microsoft.com/office/drawing/2010/main" xmlns:mc="http://schemas.openxmlformats.org/markup-compatibility/2006" xmlns:ma14="http://schemas.microsoft.com/office/mac/drawingml/2011/main" val="1"/>
             </a:ext>
           </a:extLst>
         </p:spPr>
@@ -13917,7 +13205,7 @@
               </a14:hiddenLine>
             </a:ext>
             <a:ext uri="{FAA26D3D-D897-4be2-8F04-BA451C77F1D7}">
-              <ma14:placeholderFlag xmlns:ma14="http://schemas.microsoft.com/office/mac/drawingml/2011/main" xmlns:mc="http://schemas.openxmlformats.org/markup-compatibility/2006" xmlns:a14="http://schemas.microsoft.com/office/drawing/2010/main" xmlns:c="http://schemas.openxmlformats.org/drawingml/2006/chart" xmlns:dgm="http://schemas.openxmlformats.org/drawingml/2006/diagram" xmlns:cdr="http://schemas.openxmlformats.org/drawingml/2006/chartDrawing" xmlns:wne="http://schemas.microsoft.com/office/powerpoint/2006/powerpointml" xmlns:wp="http://schemas.openxmlformats.org/drawingml/2006/powerpointprocessingDrawing" xmlns:v="urn:schemas-microsoft-com:vml" xmlns:o="urn:schemas-microsoft-com:office:office" xmlns="" val="1"/>
+              <ma14:placeholderFlag xmlns="" xmlns:o="urn:schemas-microsoft-com:office:office" xmlns:v="urn:schemas-microsoft-com:vml" xmlns:wp="http://schemas.openxmlformats.org/drawingml/2006/powerpointprocessingDrawing" xmlns:wne="http://schemas.microsoft.com/office/powerpoint/2006/powerpointml" xmlns:cdr="http://schemas.openxmlformats.org/drawingml/2006/chartDrawing" xmlns:dgm="http://schemas.openxmlformats.org/drawingml/2006/diagram" xmlns:c="http://schemas.openxmlformats.org/drawingml/2006/chart" xmlns:a14="http://schemas.microsoft.com/office/drawing/2010/main" xmlns:mc="http://schemas.openxmlformats.org/markup-compatibility/2006" xmlns:ma14="http://schemas.microsoft.com/office/mac/drawingml/2011/main" val="1"/>
             </a:ext>
           </a:extLst>
         </p:spPr>
@@ -14681,7 +13969,7 @@
               </a14:hiddenLine>
             </a:ext>
             <a:ext uri="{FAA26D3D-D897-4be2-8F04-BA451C77F1D7}">
-              <ma14:placeholderFlag xmlns:ma14="http://schemas.microsoft.com/office/mac/drawingml/2011/main" xmlns:mc="http://schemas.openxmlformats.org/markup-compatibility/2006" xmlns:a14="http://schemas.microsoft.com/office/drawing/2010/main" xmlns:c="http://schemas.openxmlformats.org/drawingml/2006/chart" xmlns:dgm="http://schemas.openxmlformats.org/drawingml/2006/diagram" xmlns:cdr="http://schemas.openxmlformats.org/drawingml/2006/chartDrawing" xmlns:wne="http://schemas.microsoft.com/office/powerpoint/2006/powerpointml" xmlns:wp="http://schemas.openxmlformats.org/drawingml/2006/powerpointprocessingDrawing" xmlns:v="urn:schemas-microsoft-com:vml" xmlns:o="urn:schemas-microsoft-com:office:office" xmlns="" val="1"/>
+              <ma14:placeholderFlag xmlns="" xmlns:o="urn:schemas-microsoft-com:office:office" xmlns:v="urn:schemas-microsoft-com:vml" xmlns:wp="http://schemas.openxmlformats.org/drawingml/2006/powerpointprocessingDrawing" xmlns:wne="http://schemas.microsoft.com/office/powerpoint/2006/powerpointml" xmlns:cdr="http://schemas.openxmlformats.org/drawingml/2006/chartDrawing" xmlns:dgm="http://schemas.openxmlformats.org/drawingml/2006/diagram" xmlns:c="http://schemas.openxmlformats.org/drawingml/2006/chart" xmlns:a14="http://schemas.microsoft.com/office/drawing/2010/main" xmlns:mc="http://schemas.openxmlformats.org/markup-compatibility/2006" xmlns:ma14="http://schemas.microsoft.com/office/mac/drawingml/2011/main" val="1"/>
             </a:ext>
           </a:extLst>
         </p:spPr>
@@ -14876,7 +14164,7 @@
               </a14:hiddenLine>
             </a:ext>
             <a:ext uri="{FAA26D3D-D897-4be2-8F04-BA451C77F1D7}">
-              <ma14:placeholderFlag xmlns:ma14="http://schemas.microsoft.com/office/mac/drawingml/2011/main" xmlns:mc="http://schemas.openxmlformats.org/markup-compatibility/2006" xmlns:a14="http://schemas.microsoft.com/office/drawing/2010/main" xmlns:c="http://schemas.openxmlformats.org/drawingml/2006/chart" xmlns:dgm="http://schemas.openxmlformats.org/drawingml/2006/diagram" xmlns:cdr="http://schemas.openxmlformats.org/drawingml/2006/chartDrawing" xmlns:wne="http://schemas.microsoft.com/office/powerpoint/2006/powerpointml" xmlns:wp="http://schemas.openxmlformats.org/drawingml/2006/powerpointprocessingDrawing" xmlns:v="urn:schemas-microsoft-com:vml" xmlns:o="urn:schemas-microsoft-com:office:office" xmlns="" val="1"/>
+              <ma14:placeholderFlag xmlns="" xmlns:o="urn:schemas-microsoft-com:office:office" xmlns:v="urn:schemas-microsoft-com:vml" xmlns:wp="http://schemas.openxmlformats.org/drawingml/2006/powerpointprocessingDrawing" xmlns:wne="http://schemas.microsoft.com/office/powerpoint/2006/powerpointml" xmlns:cdr="http://schemas.openxmlformats.org/drawingml/2006/chartDrawing" xmlns:dgm="http://schemas.openxmlformats.org/drawingml/2006/diagram" xmlns:c="http://schemas.openxmlformats.org/drawingml/2006/chart" xmlns:a14="http://schemas.microsoft.com/office/drawing/2010/main" xmlns:mc="http://schemas.openxmlformats.org/markup-compatibility/2006" xmlns:ma14="http://schemas.microsoft.com/office/mac/drawingml/2011/main" val="1"/>
             </a:ext>
           </a:extLst>
         </p:spPr>
@@ -22241,1195 +21529,7 @@
         <p:fade/>
       </p:transition>
     </mc:Choice>
-    <mc:Fallback xmlns="" xmlns:c15="http://schemas.microsoft.com/office/drawing/2012/chart" xmlns:c="http://schemas.openxmlformats.org/drawingml/2006/chart">
-      <p:transition xmlns:p14="http://schemas.microsoft.com/office/powerpoint/2010/main" spd="med">
-        <p:fade/>
-      </p:transition>
-    </mc:Fallback>
-  </mc:AlternateContent>
-</p:sld>
-</file>
-
-<file path=ppt/slides/slide32.xml><?xml version="1.0" encoding="utf-8"?>
-<p:sld xmlns:a="http://schemas.openxmlformats.org/drawingml/2006/main" xmlns:r="http://schemas.openxmlformats.org/officeDocument/2006/relationships" xmlns:p="http://schemas.openxmlformats.org/presentationml/2006/main">
-  <p:cSld>
-    <p:spTree>
-      <p:nvGrpSpPr>
-        <p:cNvPr id="1" name=""/>
-        <p:cNvGrpSpPr/>
-        <p:nvPr/>
-      </p:nvGrpSpPr>
-      <p:grpSpPr>
-        <a:xfrm>
-          <a:off x="0" y="0"/>
-          <a:ext cx="0" cy="0"/>
-          <a:chOff x="0" y="0"/>
-          <a:chExt cx="0" cy="0"/>
-        </a:xfrm>
-      </p:grpSpPr>
-      <p:sp>
-        <p:nvSpPr>
-          <p:cNvPr id="5122" name="Rectangle 2"/>
-          <p:cNvSpPr>
-            <a:spLocks noGrp="1" noChangeArrowheads="1"/>
-          </p:cNvSpPr>
-          <p:nvPr>
-            <p:ph type="ctrTitle"/>
-          </p:nvPr>
-        </p:nvSpPr>
-        <p:spPr>
-          <a:xfrm>
-            <a:off x="327478" y="2214789"/>
-            <a:ext cx="4146551" cy="1891846"/>
-          </a:xfrm>
-        </p:spPr>
-        <p:txBody>
-          <a:bodyPr/>
-          <a:lstStyle/>
-          <a:p>
-            <a:pPr eaLnBrk="1" hangingPunct="1"/>
-            <a:r>
-              <a:rPr lang="es-ES" sz="2400" dirty="0"/>
-              <a:t>Configurar rutas de host estáticas</a:t>
-            </a:r>
-            <a:endParaRPr lang="es-ES" sz="2400" dirty="0">
-              <a:solidFill>
-                <a:srgbClr val="00B0F0"/>
-              </a:solidFill>
-            </a:endParaRPr>
-          </a:p>
-        </p:txBody>
-      </p:sp>
-    </p:spTree>
-    <p:extLst>
-      <p:ext uri="{BB962C8B-B14F-4D97-AF65-F5344CB8AC3E}">
-        <p14:creationId xmlns:p14="http://schemas.microsoft.com/office/powerpoint/2010/main" val="1606665842"/>
-      </p:ext>
-    </p:extLst>
-  </p:cSld>
-  <p:clrMapOvr>
-    <a:masterClrMapping/>
-  </p:clrMapOvr>
-  <p:transition>
-    <p:wipe dir="r"/>
-  </p:transition>
-</p:sld>
-</file>
-
-<file path=ppt/slides/slide33.xml><?xml version="1.0" encoding="utf-8"?>
-<p:sld xmlns:a="http://schemas.openxmlformats.org/drawingml/2006/main" xmlns:r="http://schemas.openxmlformats.org/officeDocument/2006/relationships" xmlns:p="http://schemas.openxmlformats.org/presentationml/2006/main">
-  <p:cSld>
-    <p:spTree>
-      <p:nvGrpSpPr>
-        <p:cNvPr id="1" name=""/>
-        <p:cNvGrpSpPr/>
-        <p:nvPr/>
-      </p:nvGrpSpPr>
-      <p:grpSpPr>
-        <a:xfrm>
-          <a:off x="0" y="0"/>
-          <a:ext cx="0" cy="0"/>
-          <a:chOff x="0" y="0"/>
-          <a:chExt cx="0" cy="0"/>
-        </a:xfrm>
-      </p:grpSpPr>
-      <p:sp>
-        <p:nvSpPr>
-          <p:cNvPr id="21505" name="Rectangle 2"/>
-          <p:cNvSpPr>
-            <a:spLocks noGrp="1" noChangeArrowheads="1"/>
-          </p:cNvSpPr>
-          <p:nvPr>
-            <p:ph type="title"/>
-          </p:nvPr>
-        </p:nvSpPr>
-        <p:spPr/>
-        <p:txBody>
-          <a:bodyPr/>
-          <a:lstStyle/>
-          <a:p>
-            <a:r>
-              <a:rPr lang="es-ES" sz="1800" dirty="0"/>
-              <a:t>Configurar rutas de host estáticas</a:t>
-            </a:r>
-            <a:br>
-              <a:rPr dirty="0"/>
-            </a:br>
-            <a:r>
-              <a:rPr lang="es-ES" dirty="0"/>
-              <a:t>Rutas de host</a:t>
-            </a:r>
-          </a:p>
-        </p:txBody>
-      </p:sp>
-      <p:sp>
-        <p:nvSpPr>
-          <p:cNvPr id="2" name="Rectangle 1"/>
-          <p:cNvSpPr>
-            <a:spLocks noChangeArrowheads="1"/>
-          </p:cNvSpPr>
-          <p:nvPr/>
-        </p:nvSpPr>
-        <p:spPr bwMode="auto">
-          <a:xfrm>
-            <a:off x="831272" y="-48399"/>
-            <a:ext cx="8312728" cy="553998"/>
-          </a:xfrm>
-          <a:prstGeom prst="rect">
-            <a:avLst/>
-          </a:prstGeom>
-          <a:noFill/>
-          <a:ln>
-            <a:noFill/>
-          </a:ln>
-          <a:effectLst/>
-          <a:extLst>
-            <a:ext uri="{909E8E84-426E-40DD-AFC4-6F175D3DCCD1}">
-              <a14:hiddenFill xmlns:a14="http://schemas.microsoft.com/office/drawing/2010/main">
-                <a:solidFill>
-                  <a:schemeClr val="accent1"/>
-                </a:solidFill>
-              </a14:hiddenFill>
-            </a:ext>
-            <a:ext uri="{91240B29-F687-4F45-9708-019B960494DF}">
-              <a14:hiddenLine xmlns:a14="http://schemas.microsoft.com/office/drawing/2010/main" w="9525">
-                <a:solidFill>
-                  <a:schemeClr val="tx1"/>
-                </a:solidFill>
-                <a:miter lim="800000"/>
-                <a:headEnd/>
-                <a:tailEnd/>
-              </a14:hiddenLine>
-            </a:ext>
-            <a:ext uri="{AF507438-7753-43E0-B8FC-AC1667EBCBE1}">
-              <a14:hiddenEffects xmlns:a14="http://schemas.microsoft.com/office/drawing/2010/main">
-                <a:effectLst>
-                  <a:outerShdw dist="35921" dir="2700000" algn="ctr" rotWithShape="0">
-                    <a:schemeClr val="bg2"/>
-                  </a:outerShdw>
-                </a:effectLst>
-              </a14:hiddenEffects>
-            </a:ext>
-          </a:extLst>
-        </p:spPr>
-        <p:txBody>
-          <a:bodyPr vert="horz" wrap="square" lIns="91440" tIns="45720" rIns="91440" bIns="45720" numCol="1" anchor="ctr" anchorCtr="0" compatLnSpc="1">
-            <a:prstTxWarp prst="textNoShape">
-              <a:avLst/>
-            </a:prstTxWarp>
-            <a:spAutoFit/>
-          </a:bodyPr>
-          <a:lstStyle/>
-          <a:p>
-            <a:pPr marL="0" marR="0" lvl="0" indent="0" algn="l" defTabSz="914400" rtl="0" eaLnBrk="0" fontAlgn="base" latinLnBrk="0" hangingPunct="0">
-              <a:lnSpc>
-                <a:spcPct val="100000"/>
-              </a:lnSpc>
-              <a:spcBef>
-                <a:spcPct val="0"/>
-              </a:spcBef>
-              <a:spcAft>
-                <a:spcPct val="0"/>
-              </a:spcAft>
-              <a:buClrTx/>
-              <a:buSzTx/>
-              <a:buFontTx/>
-              <a:buNone/>
-              <a:tabLst/>
-            </a:pPr>
-            <a:r>
-              <a:rPr kumimoji="0" lang="es-ES" altLang="en-US" sz="1200" b="1" i="0" u="none" strike="noStrike" cap="none" normalizeH="0" baseline="0" dirty="0">
-                <a:ln>
-                  <a:noFill/>
-                </a:ln>
-                <a:solidFill>
-                  <a:schemeClr val="tx1"/>
-                </a:solidFill>
-                <a:effectLst/>
-                <a:latin typeface="Arial" panose="020B0604020202020204" pitchFamily="34" charset="0"/>
-              </a:rPr>
-              <a:t>Verificar una ruta estática predeterminada</a:t>
-            </a:r>
-          </a:p>
-          <a:p>
-            <a:pPr marL="0" marR="0" lvl="0" indent="0" algn="l" defTabSz="914400" rtl="0" eaLnBrk="0" fontAlgn="base" latinLnBrk="0" hangingPunct="0">
-              <a:lnSpc>
-                <a:spcPct val="100000"/>
-              </a:lnSpc>
-              <a:spcBef>
-                <a:spcPct val="0"/>
-              </a:spcBef>
-              <a:spcAft>
-                <a:spcPct val="0"/>
-              </a:spcAft>
-              <a:buClrTx/>
-              <a:buSzTx/>
-              <a:buFontTx/>
-              <a:buNone/>
-              <a:tabLst/>
-            </a:pPr>
-            <a:endParaRPr kumimoji="0" lang="es-ES" altLang="en-US" sz="1800" b="0" i="0" u="none" strike="noStrike" cap="none" normalizeH="0" baseline="0" dirty="0">
-              <a:ln>
-                <a:noFill/>
-              </a:ln>
-              <a:solidFill>
-                <a:schemeClr val="tx1"/>
-              </a:solidFill>
-              <a:effectLst/>
-              <a:latin typeface="Arial" panose="020B0604020202020204" pitchFamily="34" charset="0"/>
-            </a:endParaRPr>
-          </a:p>
-        </p:txBody>
-      </p:sp>
-      <p:sp>
-        <p:nvSpPr>
-          <p:cNvPr id="4" name="Rectangle 2"/>
-          <p:cNvSpPr>
-            <a:spLocks noChangeArrowheads="1"/>
-          </p:cNvSpPr>
-          <p:nvPr/>
-        </p:nvSpPr>
-        <p:spPr bwMode="auto">
-          <a:xfrm>
-            <a:off x="831272" y="104001"/>
-            <a:ext cx="8465127" cy="553998"/>
-          </a:xfrm>
-          <a:prstGeom prst="rect">
-            <a:avLst/>
-          </a:prstGeom>
-          <a:noFill/>
-          <a:ln>
-            <a:noFill/>
-          </a:ln>
-          <a:effectLst/>
-          <a:extLst>
-            <a:ext uri="{909E8E84-426E-40DD-AFC4-6F175D3DCCD1}">
-              <a14:hiddenFill xmlns:a14="http://schemas.microsoft.com/office/drawing/2010/main">
-                <a:solidFill>
-                  <a:schemeClr val="accent1"/>
-                </a:solidFill>
-              </a14:hiddenFill>
-            </a:ext>
-            <a:ext uri="{91240B29-F687-4F45-9708-019B960494DF}">
-              <a14:hiddenLine xmlns:a14="http://schemas.microsoft.com/office/drawing/2010/main" w="9525">
-                <a:solidFill>
-                  <a:schemeClr val="tx1"/>
-                </a:solidFill>
-                <a:miter lim="800000"/>
-                <a:headEnd/>
-                <a:tailEnd/>
-              </a14:hiddenLine>
-            </a:ext>
-            <a:ext uri="{AF507438-7753-43E0-B8FC-AC1667EBCBE1}">
-              <a14:hiddenEffects xmlns:a14="http://schemas.microsoft.com/office/drawing/2010/main">
-                <a:effectLst>
-                  <a:outerShdw dist="35921" dir="2700000" algn="ctr" rotWithShape="0">
-                    <a:schemeClr val="bg2"/>
-                  </a:outerShdw>
-                </a:effectLst>
-              </a14:hiddenEffects>
-            </a:ext>
-          </a:extLst>
-        </p:spPr>
-        <p:txBody>
-          <a:bodyPr vert="horz" wrap="square" lIns="91440" tIns="45720" rIns="91440" bIns="45720" numCol="1" anchor="ctr" anchorCtr="0" compatLnSpc="1">
-            <a:prstTxWarp prst="textNoShape">
-              <a:avLst/>
-            </a:prstTxWarp>
-            <a:spAutoFit/>
-          </a:bodyPr>
-          <a:lstStyle/>
-          <a:p>
-            <a:pPr marL="0" marR="0" lvl="0" indent="0" algn="l" defTabSz="914400" rtl="0" eaLnBrk="0" fontAlgn="base" latinLnBrk="0" hangingPunct="0">
-              <a:lnSpc>
-                <a:spcPct val="100000"/>
-              </a:lnSpc>
-              <a:spcBef>
-                <a:spcPct val="0"/>
-              </a:spcBef>
-              <a:spcAft>
-                <a:spcPct val="0"/>
-              </a:spcAft>
-              <a:buClrTx/>
-              <a:buSzTx/>
-              <a:buFontTx/>
-              <a:buNone/>
-              <a:tabLst/>
-            </a:pPr>
-            <a:r>
-              <a:rPr kumimoji="0" lang="es-ES" altLang="en-US" sz="1200" b="1" i="0" u="none" strike="noStrike" cap="none" normalizeH="0" baseline="0" dirty="0">
-                <a:ln>
-                  <a:noFill/>
-                </a:ln>
-                <a:solidFill>
-                  <a:schemeClr val="tx1"/>
-                </a:solidFill>
-                <a:effectLst/>
-                <a:latin typeface="Arial" panose="020B0604020202020204" pitchFamily="34" charset="0"/>
-              </a:rPr>
-              <a:t>Verificar una ruta estática predeterminada</a:t>
-            </a:r>
-          </a:p>
-          <a:p>
-            <a:pPr marL="0" marR="0" lvl="0" indent="0" algn="l" defTabSz="914400" rtl="0" eaLnBrk="0" fontAlgn="base" latinLnBrk="0" hangingPunct="0">
-              <a:lnSpc>
-                <a:spcPct val="100000"/>
-              </a:lnSpc>
-              <a:spcBef>
-                <a:spcPct val="0"/>
-              </a:spcBef>
-              <a:spcAft>
-                <a:spcPct val="0"/>
-              </a:spcAft>
-              <a:buClrTx/>
-              <a:buSzTx/>
-              <a:buFontTx/>
-              <a:buNone/>
-              <a:tabLst/>
-            </a:pPr>
-            <a:endParaRPr kumimoji="0" lang="es-ES" altLang="en-US" sz="1800" b="0" i="0" u="none" strike="noStrike" cap="none" normalizeH="0" baseline="0" dirty="0">
-              <a:ln>
-                <a:noFill/>
-              </a:ln>
-              <a:solidFill>
-                <a:schemeClr val="tx1"/>
-              </a:solidFill>
-              <a:effectLst/>
-              <a:latin typeface="Arial" panose="020B0604020202020204" pitchFamily="34" charset="0"/>
-            </a:endParaRPr>
-          </a:p>
-        </p:txBody>
-      </p:sp>
-      <p:sp>
-        <p:nvSpPr>
-          <p:cNvPr id="5" name="Rectangle 4"/>
-          <p:cNvSpPr/>
-          <p:nvPr/>
-        </p:nvSpPr>
-        <p:spPr>
-          <a:xfrm>
-            <a:off x="559848" y="1675383"/>
-            <a:ext cx="7939717" cy="2446824"/>
-          </a:xfrm>
-          <a:prstGeom prst="rect">
-            <a:avLst/>
-          </a:prstGeom>
-        </p:spPr>
-        <p:txBody>
-          <a:bodyPr wrap="square">
-            <a:spAutoFit/>
-          </a:bodyPr>
-          <a:lstStyle/>
-          <a:p>
-            <a:pPr lvl="0" algn="l" defTabSz="814388">
-              <a:lnSpc>
-                <a:spcPct val="95000"/>
-              </a:lnSpc>
-              <a:spcBef>
-                <a:spcPct val="50000"/>
-              </a:spcBef>
-              <a:buClr>
-                <a:srgbClr val="708CA1"/>
-              </a:buClr>
-            </a:pPr>
-            <a:r>
-              <a:rPr lang="es-ES" sz="2000" kern="0" dirty="0">
-                <a:solidFill>
-                  <a:srgbClr val="000000"/>
-                </a:solidFill>
-                <a:latin typeface="Arial"/>
-              </a:rPr>
-              <a:t>Una ruta de host es una dirección IPv4 con una máscara de 32 bits o una dirección IPv6 con una máscara de 128 bits. A continuación, se muestran dos maneras de agregar una ruta de host a una tabla de ruteo:</a:t>
-            </a:r>
-          </a:p>
-          <a:p>
-            <a:pPr marL="342900" lvl="0" indent="-342900" algn="l" defTabSz="814388">
-              <a:lnSpc>
-                <a:spcPct val="95000"/>
-              </a:lnSpc>
-              <a:spcBef>
-                <a:spcPct val="50000"/>
-              </a:spcBef>
-              <a:buClr>
-                <a:srgbClr val="708CA1"/>
-              </a:buClr>
-              <a:buFont typeface="Arial" panose="020B0604020202020204" pitchFamily="34" charset="0"/>
-              <a:buChar char="•"/>
-            </a:pPr>
-            <a:r>
-              <a:rPr lang="es-ES" sz="2000" kern="0" dirty="0">
-                <a:solidFill>
-                  <a:srgbClr val="000000"/>
-                </a:solidFill>
-                <a:latin typeface="Arial"/>
-              </a:rPr>
-              <a:t>Instalarla automáticamente cuando se configura una dirección IP de interfaz en el </a:t>
-            </a:r>
-            <a:r>
-              <a:rPr lang="es-ES" sz="2000" kern="0" dirty="0" err="1">
-                <a:solidFill>
-                  <a:srgbClr val="000000"/>
-                </a:solidFill>
-                <a:latin typeface="Arial"/>
-              </a:rPr>
-              <a:t>router</a:t>
-            </a:r>
-            <a:r>
-              <a:rPr lang="es-ES" sz="2000" kern="0" dirty="0">
-                <a:solidFill>
-                  <a:srgbClr val="000000"/>
-                </a:solidFill>
-                <a:latin typeface="Arial"/>
-              </a:rPr>
-              <a:t>.</a:t>
-            </a:r>
-          </a:p>
-          <a:p>
-            <a:pPr marL="342900" lvl="0" indent="-342900" algn="l" defTabSz="814388">
-              <a:lnSpc>
-                <a:spcPct val="95000"/>
-              </a:lnSpc>
-              <a:spcBef>
-                <a:spcPct val="50000"/>
-              </a:spcBef>
-              <a:buClr>
-                <a:srgbClr val="708CA1"/>
-              </a:buClr>
-              <a:buFont typeface="Arial" panose="020B0604020202020204" pitchFamily="34" charset="0"/>
-              <a:buChar char="•"/>
-            </a:pPr>
-            <a:r>
-              <a:rPr lang="es-ES" sz="2000" kern="0" dirty="0">
-                <a:solidFill>
-                  <a:srgbClr val="000000"/>
-                </a:solidFill>
-                <a:latin typeface="Arial"/>
-              </a:rPr>
-              <a:t>Configurarla como una ruta de host estático.</a:t>
-            </a:r>
-          </a:p>
-        </p:txBody>
-      </p:sp>
-    </p:spTree>
-    <p:extLst>
-      <p:ext uri="{BB962C8B-B14F-4D97-AF65-F5344CB8AC3E}">
-        <p14:creationId xmlns:p14="http://schemas.microsoft.com/office/powerpoint/2010/main" val="291478851"/>
-      </p:ext>
-    </p:extLst>
-  </p:cSld>
-  <p:clrMapOvr>
-    <a:masterClrMapping/>
-  </p:clrMapOvr>
-  <p:transition spd="med">
-    <p:wipe dir="r"/>
-  </p:transition>
-</p:sld>
-</file>
-
-<file path=ppt/slides/slide34.xml><?xml version="1.0" encoding="utf-8"?>
-<p:sld xmlns:a="http://schemas.openxmlformats.org/drawingml/2006/main" xmlns:r="http://schemas.openxmlformats.org/officeDocument/2006/relationships" xmlns:p="http://schemas.openxmlformats.org/presentationml/2006/main">
-  <p:cSld>
-    <p:spTree>
-      <p:nvGrpSpPr>
-        <p:cNvPr id="1" name=""/>
-        <p:cNvGrpSpPr/>
-        <p:nvPr/>
-      </p:nvGrpSpPr>
-      <p:grpSpPr>
-        <a:xfrm>
-          <a:off x="0" y="0"/>
-          <a:ext cx="0" cy="0"/>
-          <a:chOff x="0" y="0"/>
-          <a:chExt cx="0" cy="0"/>
-        </a:xfrm>
-      </p:grpSpPr>
-      <p:sp>
-        <p:nvSpPr>
-          <p:cNvPr id="3" name="Title 2">
-            <a:extLst>
-              <a:ext uri="{FF2B5EF4-FFF2-40B4-BE49-F238E27FC236}">
-                <a16:creationId xmlns:a16="http://schemas.microsoft.com/office/drawing/2014/main" id="{C02AA8F8-1E43-384B-8982-C0BB94049B5C}"/>
-              </a:ext>
-            </a:extLst>
-          </p:cNvPr>
-          <p:cNvSpPr>
-            <a:spLocks noGrp="1"/>
-          </p:cNvSpPr>
-          <p:nvPr>
-            <p:ph type="title"/>
-          </p:nvPr>
-        </p:nvSpPr>
-        <p:spPr>
-          <a:xfrm>
-            <a:off x="441947" y="578577"/>
-            <a:ext cx="8345488" cy="731837"/>
-          </a:xfrm>
-        </p:spPr>
-        <p:txBody>
-          <a:bodyPr/>
-          <a:lstStyle/>
-          <a:p>
-            <a:pPr rtl="0"/>
-            <a:r>
-              <a:rPr lang="es-419" sz="1600" dirty="0"/>
-              <a:t>Configurar Rutas de Host Estáticas</a:t>
-            </a:r>
-            <a:br>
-              <a:rPr lang="en-US" sz="1600" dirty="0"/>
-            </a:br>
-            <a:r>
-              <a:rPr lang="es-419" sz="2400" dirty="0"/>
-              <a:t>Rutas </a:t>
-            </a:r>
-            <a:r>
-              <a:rPr lang="es-419" sz="2400" dirty="0" err="1"/>
-              <a:t>Estaticas</a:t>
-            </a:r>
-            <a:r>
-              <a:rPr lang="es-419" sz="2400" dirty="0"/>
-              <a:t> de Host</a:t>
-            </a:r>
-          </a:p>
-        </p:txBody>
-      </p:sp>
-      <p:sp>
-        <p:nvSpPr>
-          <p:cNvPr id="5" name="Content Placeholder 4">
-            <a:extLst>
-              <a:ext uri="{FF2B5EF4-FFF2-40B4-BE49-F238E27FC236}">
-                <a16:creationId xmlns:a16="http://schemas.microsoft.com/office/drawing/2014/main" id="{781FC384-28C4-C443-8D7D-F78EEC18346C}"/>
-              </a:ext>
-            </a:extLst>
-          </p:cNvPr>
-          <p:cNvSpPr>
-            <a:spLocks noGrp="1"/>
-          </p:cNvSpPr>
-          <p:nvPr>
-            <p:ph idx="1"/>
-          </p:nvPr>
-        </p:nvSpPr>
-        <p:spPr>
-          <a:xfrm>
-            <a:off x="474663" y="1589088"/>
-            <a:ext cx="8280057" cy="1115251"/>
-          </a:xfrm>
-        </p:spPr>
-        <p:txBody>
-          <a:bodyPr/>
-          <a:lstStyle/>
-          <a:p>
-            <a:pPr marL="0" indent="0" algn="l"/>
-            <a:r>
-              <a:rPr lang="es-419" sz="1600">
-                <a:solidFill>
-                  <a:srgbClr val="000000"/>
-                </a:solidFill>
-              </a:rPr>
-              <a:t>Una ruta de host puede ser una ruta estática configurada manualmente para dirigir el tráfico a un dispositivo de destino específico, como un servidor de autenticación. La ruta estática utiliza una dirección IP de destino y una máscara 255.255.255.255 (/32) para las rutas de host IPv4 y una longitud de prefijo /128 para las rutas de host IPv6.</a:t>
-            </a:r>
-          </a:p>
-        </p:txBody>
-      </p:sp>
-      <p:pic>
-        <p:nvPicPr>
-          <p:cNvPr id="4" name="Picture 3">
-            <a:extLst>
-              <a:ext uri="{FF2B5EF4-FFF2-40B4-BE49-F238E27FC236}">
-                <a16:creationId xmlns:a16="http://schemas.microsoft.com/office/drawing/2014/main" id="{82EA4509-4060-514C-BF00-3EDCFC302DB5}"/>
-              </a:ext>
-            </a:extLst>
-          </p:cNvPr>
-          <p:cNvPicPr>
-            <a:picLocks noChangeAspect="1"/>
-          </p:cNvPicPr>
-          <p:nvPr/>
-        </p:nvPicPr>
-        <p:blipFill>
-          <a:blip r:embed="rId4"/>
-          <a:stretch>
-            <a:fillRect/>
-          </a:stretch>
-        </p:blipFill>
-        <p:spPr>
-          <a:xfrm>
-            <a:off x="1554347" y="2909353"/>
-            <a:ext cx="6035306" cy="2040103"/>
-          </a:xfrm>
-          <a:prstGeom prst="rect">
-            <a:avLst/>
-          </a:prstGeom>
-        </p:spPr>
-      </p:pic>
-    </p:spTree>
-    <p:custDataLst>
-      <p:tags r:id="rId1"/>
-    </p:custDataLst>
-    <p:extLst>
-      <p:ext uri="{BB962C8B-B14F-4D97-AF65-F5344CB8AC3E}">
-        <p14:creationId xmlns:p14="http://schemas.microsoft.com/office/powerpoint/2010/main" val="3584584962"/>
-      </p:ext>
-    </p:extLst>
-  </p:cSld>
-  <p:clrMapOvr>
-    <a:masterClrMapping/>
-  </p:clrMapOvr>
-  <mc:AlternateContent xmlns:mc="http://schemas.openxmlformats.org/markup-compatibility/2006" xmlns:p14="http://schemas.microsoft.com/office/powerpoint/2010/main">
-    <mc:Choice Requires="p14">
-      <p:transition spd="med" p14:dur="700">
-        <p:fade/>
-      </p:transition>
-    </mc:Choice>
-    <mc:Fallback xmlns="" xmlns:c15="http://schemas.microsoft.com/office/drawing/2012/chart" xmlns:c="http://schemas.openxmlformats.org/drawingml/2006/chart">
-      <p:transition xmlns:p14="http://schemas.microsoft.com/office/powerpoint/2010/main" spd="med">
-        <p:fade/>
-      </p:transition>
-    </mc:Fallback>
-  </mc:AlternateContent>
-</p:sld>
-</file>
-
-<file path=ppt/slides/slide35.xml><?xml version="1.0" encoding="utf-8"?>
-<p:sld xmlns:a="http://schemas.openxmlformats.org/drawingml/2006/main" xmlns:r="http://schemas.openxmlformats.org/officeDocument/2006/relationships" xmlns:p="http://schemas.openxmlformats.org/presentationml/2006/main">
-  <p:cSld>
-    <p:spTree>
-      <p:nvGrpSpPr>
-        <p:cNvPr id="1" name=""/>
-        <p:cNvGrpSpPr/>
-        <p:nvPr/>
-      </p:nvGrpSpPr>
-      <p:grpSpPr>
-        <a:xfrm>
-          <a:off x="0" y="0"/>
-          <a:ext cx="0" cy="0"/>
-          <a:chOff x="0" y="0"/>
-          <a:chExt cx="0" cy="0"/>
-        </a:xfrm>
-      </p:grpSpPr>
-      <p:sp>
-        <p:nvSpPr>
-          <p:cNvPr id="3" name="Title 2">
-            <a:extLst>
-              <a:ext uri="{FF2B5EF4-FFF2-40B4-BE49-F238E27FC236}">
-                <a16:creationId xmlns:a16="http://schemas.microsoft.com/office/drawing/2014/main" id="{C02AA8F8-1E43-384B-8982-C0BB94049B5C}"/>
-              </a:ext>
-            </a:extLst>
-          </p:cNvPr>
-          <p:cNvSpPr>
-            <a:spLocks noGrp="1"/>
-          </p:cNvSpPr>
-          <p:nvPr>
-            <p:ph type="title"/>
-          </p:nvPr>
-        </p:nvSpPr>
-        <p:spPr>
-          <a:xfrm>
-            <a:off x="474663" y="665662"/>
-            <a:ext cx="8345488" cy="731837"/>
-          </a:xfrm>
-        </p:spPr>
-        <p:txBody>
-          <a:bodyPr/>
-          <a:lstStyle/>
-          <a:p>
-            <a:pPr rtl="0"/>
-            <a:r>
-              <a:rPr lang="es-419" sz="1600" dirty="0"/>
-              <a:t>Configurar Rutas de Host Estáticas</a:t>
-            </a:r>
-            <a:br>
-              <a:rPr lang="en-US" sz="1600" dirty="0"/>
-            </a:br>
-            <a:r>
-              <a:rPr lang="es-419" sz="2400" dirty="0"/>
-              <a:t>Configurar Rutas de Host Estáticas</a:t>
-            </a:r>
-          </a:p>
-        </p:txBody>
-      </p:sp>
-      <p:sp>
-        <p:nvSpPr>
-          <p:cNvPr id="5" name="Content Placeholder 4">
-            <a:extLst>
-              <a:ext uri="{FF2B5EF4-FFF2-40B4-BE49-F238E27FC236}">
-                <a16:creationId xmlns:a16="http://schemas.microsoft.com/office/drawing/2014/main" id="{781FC384-28C4-C443-8D7D-F78EEC18346C}"/>
-              </a:ext>
-            </a:extLst>
-          </p:cNvPr>
-          <p:cNvSpPr>
-            <a:spLocks noGrp="1"/>
-          </p:cNvSpPr>
-          <p:nvPr>
-            <p:ph idx="1"/>
-          </p:nvPr>
-        </p:nvSpPr>
-        <p:spPr>
-          <a:xfrm>
-            <a:off x="474663" y="1589088"/>
-            <a:ext cx="8280057" cy="3689897"/>
-          </a:xfrm>
-        </p:spPr>
-        <p:txBody>
-          <a:bodyPr/>
-          <a:lstStyle/>
-          <a:p>
-            <a:pPr marL="0" indent="0" algn="l"/>
-            <a:r>
-              <a:rPr lang="es-419" sz="1600" dirty="0">
-                <a:solidFill>
-                  <a:srgbClr val="000000"/>
-                </a:solidFill>
-              </a:rPr>
-              <a:t>El ejemplo muestra la configuración de la ruta de host estática IPv4 e IPv6 en el </a:t>
-            </a:r>
-            <a:r>
-              <a:rPr lang="es-419" sz="1600" dirty="0" err="1">
-                <a:solidFill>
-                  <a:srgbClr val="000000"/>
-                </a:solidFill>
-              </a:rPr>
-              <a:t>router</a:t>
-            </a:r>
-            <a:r>
-              <a:rPr lang="es-419" sz="1600" dirty="0">
-                <a:solidFill>
-                  <a:srgbClr val="000000"/>
-                </a:solidFill>
-              </a:rPr>
-              <a:t> Branch para acceder al servidor.</a:t>
-            </a:r>
-          </a:p>
-          <a:p>
-            <a:pPr marL="0" indent="0" algn="l"/>
-            <a:endParaRPr lang="en-US" sz="1600" dirty="0">
-              <a:solidFill>
-                <a:srgbClr val="000000"/>
-              </a:solidFill>
-            </a:endParaRPr>
-          </a:p>
-          <a:p>
-            <a:pPr marL="0" indent="0" algn="l">
-              <a:spcBef>
-                <a:spcPts val="0"/>
-              </a:spcBef>
-            </a:pPr>
-            <a:r>
-              <a:rPr lang="es-419" sz="1400" dirty="0">
-                <a:solidFill>
-                  <a:srgbClr val="000000"/>
-                </a:solidFill>
-                <a:latin typeface="Courier New" panose="02070309020205020404" pitchFamily="49" charset="0"/>
-                <a:cs typeface="Courier New" panose="02070309020205020404" pitchFamily="49" charset="0"/>
-              </a:rPr>
-              <a:t>Branch(</a:t>
-            </a:r>
-            <a:r>
-              <a:rPr lang="es-419" sz="1400" dirty="0" err="1">
-                <a:solidFill>
-                  <a:srgbClr val="000000"/>
-                </a:solidFill>
-                <a:latin typeface="Courier New" panose="02070309020205020404" pitchFamily="49" charset="0"/>
-                <a:cs typeface="Courier New" panose="02070309020205020404" pitchFamily="49" charset="0"/>
-              </a:rPr>
-              <a:t>config</a:t>
-            </a:r>
-            <a:r>
-              <a:rPr lang="es-419" sz="1400" dirty="0">
-                <a:solidFill>
-                  <a:srgbClr val="000000"/>
-                </a:solidFill>
-                <a:latin typeface="Courier New" panose="02070309020205020404" pitchFamily="49" charset="0"/>
-                <a:cs typeface="Courier New" panose="02070309020205020404" pitchFamily="49" charset="0"/>
-              </a:rPr>
-              <a:t>)# </a:t>
-            </a:r>
-            <a:r>
-              <a:rPr lang="es-419" sz="1400" b="1" dirty="0" err="1">
-                <a:solidFill>
-                  <a:srgbClr val="000000"/>
-                </a:solidFill>
-                <a:latin typeface="Courier New" panose="02070309020205020404" pitchFamily="49" charset="0"/>
-                <a:cs typeface="Courier New" panose="02070309020205020404" pitchFamily="49" charset="0"/>
-              </a:rPr>
-              <a:t>ip</a:t>
-            </a:r>
-            <a:r>
-              <a:rPr lang="es-419" sz="1400" b="1" dirty="0">
-                <a:solidFill>
-                  <a:srgbClr val="000000"/>
-                </a:solidFill>
-                <a:latin typeface="Courier New" panose="02070309020205020404" pitchFamily="49" charset="0"/>
-                <a:cs typeface="Courier New" panose="02070309020205020404" pitchFamily="49" charset="0"/>
-              </a:rPr>
-              <a:t> </a:t>
-            </a:r>
-            <a:r>
-              <a:rPr lang="es-419" sz="1400" b="1" dirty="0" err="1">
-                <a:solidFill>
-                  <a:srgbClr val="000000"/>
-                </a:solidFill>
-                <a:latin typeface="Courier New" panose="02070309020205020404" pitchFamily="49" charset="0"/>
-                <a:cs typeface="Courier New" panose="02070309020205020404" pitchFamily="49" charset="0"/>
-              </a:rPr>
-              <a:t>route</a:t>
-            </a:r>
-            <a:r>
-              <a:rPr lang="es-419" sz="1400" b="1" dirty="0">
-                <a:solidFill>
-                  <a:srgbClr val="000000"/>
-                </a:solidFill>
-                <a:latin typeface="Courier New" panose="02070309020205020404" pitchFamily="49" charset="0"/>
-                <a:cs typeface="Courier New" panose="02070309020205020404" pitchFamily="49" charset="0"/>
-              </a:rPr>
-              <a:t> 209.165.200.238 255.255.255.255 198.51.100.2</a:t>
-            </a:r>
-          </a:p>
-          <a:p>
-            <a:pPr marL="0" indent="0" algn="l">
-              <a:spcBef>
-                <a:spcPts val="0"/>
-              </a:spcBef>
-            </a:pPr>
-            <a:r>
-              <a:rPr lang="es-419" sz="1400" dirty="0">
-                <a:solidFill>
-                  <a:srgbClr val="000000"/>
-                </a:solidFill>
-                <a:latin typeface="Courier New" panose="02070309020205020404" pitchFamily="49" charset="0"/>
-                <a:cs typeface="Courier New" panose="02070309020205020404" pitchFamily="49" charset="0"/>
-              </a:rPr>
-              <a:t>Branch(</a:t>
-            </a:r>
-            <a:r>
-              <a:rPr lang="es-419" sz="1400" dirty="0" err="1">
-                <a:solidFill>
-                  <a:srgbClr val="000000"/>
-                </a:solidFill>
-                <a:latin typeface="Courier New" panose="02070309020205020404" pitchFamily="49" charset="0"/>
-                <a:cs typeface="Courier New" panose="02070309020205020404" pitchFamily="49" charset="0"/>
-              </a:rPr>
-              <a:t>config</a:t>
-            </a:r>
-            <a:r>
-              <a:rPr lang="es-419" sz="1400" dirty="0">
-                <a:solidFill>
-                  <a:srgbClr val="000000"/>
-                </a:solidFill>
-                <a:latin typeface="Courier New" panose="02070309020205020404" pitchFamily="49" charset="0"/>
-                <a:cs typeface="Courier New" panose="02070309020205020404" pitchFamily="49" charset="0"/>
-              </a:rPr>
-              <a:t>)# </a:t>
-            </a:r>
-            <a:r>
-              <a:rPr lang="es-419" sz="1400" b="1" dirty="0">
-                <a:solidFill>
-                  <a:srgbClr val="000000"/>
-                </a:solidFill>
-                <a:latin typeface="Courier New" panose="02070309020205020404" pitchFamily="49" charset="0"/>
-                <a:cs typeface="Courier New" panose="02070309020205020404" pitchFamily="49" charset="0"/>
-              </a:rPr>
-              <a:t>ipv6 </a:t>
-            </a:r>
-            <a:r>
-              <a:rPr lang="es-419" sz="1400" b="1" dirty="0" err="1">
-                <a:solidFill>
-                  <a:srgbClr val="000000"/>
-                </a:solidFill>
-                <a:latin typeface="Courier New" panose="02070309020205020404" pitchFamily="49" charset="0"/>
-                <a:cs typeface="Courier New" panose="02070309020205020404" pitchFamily="49" charset="0"/>
-              </a:rPr>
-              <a:t>route</a:t>
-            </a:r>
-            <a:r>
-              <a:rPr lang="es-419" sz="1400" b="1" dirty="0">
-                <a:solidFill>
-                  <a:srgbClr val="000000"/>
-                </a:solidFill>
-                <a:latin typeface="Courier New" panose="02070309020205020404" pitchFamily="49" charset="0"/>
-                <a:cs typeface="Courier New" panose="02070309020205020404" pitchFamily="49" charset="0"/>
-              </a:rPr>
-              <a:t> 2001:db8:acad:2::238/128 2001:db8:acad:1::2</a:t>
-            </a:r>
-          </a:p>
-          <a:p>
-            <a:pPr marL="0" indent="0" algn="l">
-              <a:spcBef>
-                <a:spcPts val="0"/>
-              </a:spcBef>
-            </a:pPr>
-            <a:r>
-              <a:rPr lang="es-419" sz="1400" dirty="0">
-                <a:solidFill>
-                  <a:srgbClr val="000000"/>
-                </a:solidFill>
-                <a:latin typeface="Courier New" panose="02070309020205020404" pitchFamily="49" charset="0"/>
-                <a:cs typeface="Courier New" panose="02070309020205020404" pitchFamily="49" charset="0"/>
-              </a:rPr>
-              <a:t>Branch(</a:t>
-            </a:r>
-            <a:r>
-              <a:rPr lang="es-419" sz="1400" dirty="0" err="1">
-                <a:solidFill>
-                  <a:srgbClr val="000000"/>
-                </a:solidFill>
-                <a:latin typeface="Courier New" panose="02070309020205020404" pitchFamily="49" charset="0"/>
-                <a:cs typeface="Courier New" panose="02070309020205020404" pitchFamily="49" charset="0"/>
-              </a:rPr>
-              <a:t>config</a:t>
-            </a:r>
-            <a:r>
-              <a:rPr lang="es-419" sz="1400" dirty="0">
-                <a:solidFill>
-                  <a:srgbClr val="000000"/>
-                </a:solidFill>
-                <a:latin typeface="Courier New" panose="02070309020205020404" pitchFamily="49" charset="0"/>
-                <a:cs typeface="Courier New" panose="02070309020205020404" pitchFamily="49" charset="0"/>
-              </a:rPr>
-              <a:t>)# </a:t>
-            </a:r>
-            <a:r>
-              <a:rPr lang="es-419" sz="1400" b="1" dirty="0" err="1">
-                <a:solidFill>
-                  <a:srgbClr val="000000"/>
-                </a:solidFill>
-                <a:latin typeface="Courier New" panose="02070309020205020404" pitchFamily="49" charset="0"/>
-                <a:cs typeface="Courier New" panose="02070309020205020404" pitchFamily="49" charset="0"/>
-              </a:rPr>
-              <a:t>exit</a:t>
-            </a:r>
-            <a:r>
-              <a:rPr lang="es-419" sz="1400" b="1" dirty="0">
-                <a:solidFill>
-                  <a:srgbClr val="000000"/>
-                </a:solidFill>
-                <a:latin typeface="Courier New" panose="02070309020205020404" pitchFamily="49" charset="0"/>
-                <a:cs typeface="Courier New" panose="02070309020205020404" pitchFamily="49" charset="0"/>
-              </a:rPr>
-              <a:t> </a:t>
-            </a:r>
-          </a:p>
-          <a:p>
-            <a:pPr marL="0" indent="0" algn="l">
-              <a:spcBef>
-                <a:spcPts val="0"/>
-              </a:spcBef>
-            </a:pPr>
-            <a:r>
-              <a:rPr lang="es-419" sz="1400" dirty="0">
-                <a:solidFill>
-                  <a:srgbClr val="000000"/>
-                </a:solidFill>
-                <a:latin typeface="Courier New" panose="02070309020205020404" pitchFamily="49" charset="0"/>
-                <a:cs typeface="Courier New" panose="02070309020205020404" pitchFamily="49" charset="0"/>
-              </a:rPr>
-              <a:t>Branch#</a:t>
-            </a:r>
-          </a:p>
-        </p:txBody>
-      </p:sp>
-      <p:pic>
-        <p:nvPicPr>
-          <p:cNvPr id="2" name="Picture 3">
-            <a:extLst>
-              <a:ext uri="{FF2B5EF4-FFF2-40B4-BE49-F238E27FC236}">
-                <a16:creationId xmlns:a16="http://schemas.microsoft.com/office/drawing/2014/main" id="{1094A4B8-D234-0125-328B-984EFB97477B}"/>
-              </a:ext>
-            </a:extLst>
-          </p:cNvPr>
-          <p:cNvPicPr>
-            <a:picLocks noChangeAspect="1"/>
-          </p:cNvPicPr>
-          <p:nvPr/>
-        </p:nvPicPr>
-        <p:blipFill>
-          <a:blip r:embed="rId4"/>
-          <a:stretch>
-            <a:fillRect/>
-          </a:stretch>
-        </p:blipFill>
-        <p:spPr>
-          <a:xfrm>
-            <a:off x="1445290" y="3655973"/>
-            <a:ext cx="6035306" cy="2040103"/>
-          </a:xfrm>
-          <a:prstGeom prst="rect">
-            <a:avLst/>
-          </a:prstGeom>
-        </p:spPr>
-      </p:pic>
-    </p:spTree>
-    <p:custDataLst>
-      <p:tags r:id="rId1"/>
-    </p:custDataLst>
-    <p:extLst>
-      <p:ext uri="{BB962C8B-B14F-4D97-AF65-F5344CB8AC3E}">
-        <p14:creationId xmlns:p14="http://schemas.microsoft.com/office/powerpoint/2010/main" val="3885518046"/>
-      </p:ext>
-    </p:extLst>
-  </p:cSld>
-  <p:clrMapOvr>
-    <a:masterClrMapping/>
-  </p:clrMapOvr>
-  <mc:AlternateContent xmlns:mc="http://schemas.openxmlformats.org/markup-compatibility/2006" xmlns:p14="http://schemas.microsoft.com/office/powerpoint/2010/main">
-    <mc:Choice Requires="p14">
-      <p:transition spd="med" p14:dur="700">
-        <p:fade/>
-      </p:transition>
-    </mc:Choice>
-    <mc:Fallback xmlns="" xmlns:c15="http://schemas.microsoft.com/office/drawing/2012/chart" xmlns:c="http://schemas.openxmlformats.org/drawingml/2006/chart">
-      <p:transition xmlns:p14="http://schemas.microsoft.com/office/powerpoint/2010/main" spd="med">
-        <p:fade/>
-      </p:transition>
-    </mc:Fallback>
-  </mc:AlternateContent>
-</p:sld>
-</file>
-
-<file path=ppt/slides/slide36.xml><?xml version="1.0" encoding="utf-8"?>
-<p:sld xmlns:a="http://schemas.openxmlformats.org/drawingml/2006/main" xmlns:r="http://schemas.openxmlformats.org/officeDocument/2006/relationships" xmlns:p="http://schemas.openxmlformats.org/presentationml/2006/main">
-  <p:cSld>
-    <p:spTree>
-      <p:nvGrpSpPr>
-        <p:cNvPr id="1" name=""/>
-        <p:cNvGrpSpPr/>
-        <p:nvPr/>
-      </p:nvGrpSpPr>
-      <p:grpSpPr>
-        <a:xfrm>
-          <a:off x="0" y="0"/>
-          <a:ext cx="0" cy="0"/>
-          <a:chOff x="0" y="0"/>
-          <a:chExt cx="0" cy="0"/>
-        </a:xfrm>
-      </p:grpSpPr>
-      <p:sp>
-        <p:nvSpPr>
-          <p:cNvPr id="3" name="Title 2">
-            <a:extLst>
-              <a:ext uri="{FF2B5EF4-FFF2-40B4-BE49-F238E27FC236}">
-                <a16:creationId xmlns:a16="http://schemas.microsoft.com/office/drawing/2014/main" id="{C02AA8F8-1E43-384B-8982-C0BB94049B5C}"/>
-              </a:ext>
-            </a:extLst>
-          </p:cNvPr>
-          <p:cNvSpPr>
-            <a:spLocks noGrp="1"/>
-          </p:cNvSpPr>
-          <p:nvPr>
-            <p:ph type="title"/>
-          </p:nvPr>
-        </p:nvSpPr>
-        <p:spPr>
-          <a:xfrm>
-            <a:off x="441947" y="695054"/>
-            <a:ext cx="8345488" cy="731837"/>
-          </a:xfrm>
-        </p:spPr>
-        <p:txBody>
-          <a:bodyPr/>
-          <a:lstStyle/>
-          <a:p>
-            <a:pPr rtl="0"/>
-            <a:r>
-              <a:rPr lang="es-419" sz="1600" dirty="0"/>
-              <a:t>Configurar rutas de host estáticas</a:t>
-            </a:r>
-            <a:br>
-              <a:rPr lang="en-US" sz="1600" dirty="0"/>
-            </a:br>
-            <a:r>
-              <a:rPr lang="es-419" sz="2400" dirty="0"/>
-              <a:t>Verificar rutas de host estáticas</a:t>
-            </a:r>
-          </a:p>
-        </p:txBody>
-      </p:sp>
-      <p:sp>
-        <p:nvSpPr>
-          <p:cNvPr id="5" name="Content Placeholder 4">
-            <a:extLst>
-              <a:ext uri="{FF2B5EF4-FFF2-40B4-BE49-F238E27FC236}">
-                <a16:creationId xmlns:a16="http://schemas.microsoft.com/office/drawing/2014/main" id="{781FC384-28C4-C443-8D7D-F78EEC18346C}"/>
-              </a:ext>
-            </a:extLst>
-          </p:cNvPr>
-          <p:cNvSpPr>
-            <a:spLocks noGrp="1"/>
-          </p:cNvSpPr>
-          <p:nvPr>
-            <p:ph idx="1"/>
-          </p:nvPr>
-        </p:nvSpPr>
-        <p:spPr>
-          <a:xfrm>
-            <a:off x="474663" y="1589088"/>
-            <a:ext cx="8280057" cy="322263"/>
-          </a:xfrm>
-        </p:spPr>
-        <p:txBody>
-          <a:bodyPr/>
-          <a:lstStyle/>
-          <a:p>
-            <a:pPr marL="0" indent="0" algn="l"/>
-            <a:r>
-              <a:rPr lang="es-419" sz="1600">
-                <a:solidFill>
-                  <a:srgbClr val="000000"/>
-                </a:solidFill>
-              </a:rPr>
-              <a:t>Una revisión de las tablas de rutas IPv4 e IPv6 verifica que las rutas estén activas.</a:t>
-            </a:r>
-          </a:p>
-        </p:txBody>
-      </p:sp>
-      <p:pic>
-        <p:nvPicPr>
-          <p:cNvPr id="4" name="Picture 3">
-            <a:extLst>
-              <a:ext uri="{FF2B5EF4-FFF2-40B4-BE49-F238E27FC236}">
-                <a16:creationId xmlns:a16="http://schemas.microsoft.com/office/drawing/2014/main" id="{FBDCE70A-C6E1-4729-92F0-BDC10723DB6A}"/>
-              </a:ext>
-            </a:extLst>
-          </p:cNvPr>
-          <p:cNvPicPr>
-            <a:picLocks noChangeAspect="1"/>
-          </p:cNvPicPr>
-          <p:nvPr/>
-        </p:nvPicPr>
-        <p:blipFill>
-          <a:blip r:embed="rId4"/>
-          <a:stretch>
-            <a:fillRect/>
-          </a:stretch>
-        </p:blipFill>
-        <p:spPr>
-          <a:xfrm>
-            <a:off x="1945712" y="2013770"/>
-            <a:ext cx="5252577" cy="3417339"/>
-          </a:xfrm>
-          <a:prstGeom prst="rect">
-            <a:avLst/>
-          </a:prstGeom>
-        </p:spPr>
-      </p:pic>
-    </p:spTree>
-    <p:custDataLst>
-      <p:tags r:id="rId1"/>
-    </p:custDataLst>
-    <p:extLst>
-      <p:ext uri="{BB962C8B-B14F-4D97-AF65-F5344CB8AC3E}">
-        <p14:creationId xmlns:p14="http://schemas.microsoft.com/office/powerpoint/2010/main" val="3638484984"/>
-      </p:ext>
-    </p:extLst>
-  </p:cSld>
-  <p:clrMapOvr>
-    <a:masterClrMapping/>
-  </p:clrMapOvr>
-  <mc:AlternateContent xmlns:mc="http://schemas.openxmlformats.org/markup-compatibility/2006" xmlns:p14="http://schemas.microsoft.com/office/powerpoint/2010/main">
-    <mc:Choice Requires="p14">
-      <p:transition spd="med" p14:dur="700">
-        <p:fade/>
-      </p:transition>
-    </mc:Choice>
-    <mc:Fallback xmlns="" xmlns:c15="http://schemas.microsoft.com/office/drawing/2012/chart" xmlns:c="http://schemas.openxmlformats.org/drawingml/2006/chart">
+    <mc:Fallback xmlns:c="http://schemas.openxmlformats.org/drawingml/2006/chart" xmlns:c15="http://schemas.microsoft.com/office/drawing/2012/chart" xmlns="">
       <p:transition xmlns:p14="http://schemas.microsoft.com/office/powerpoint/2010/main" spd="med">
         <p:fade/>
       </p:transition>
@@ -23673,7 +21773,7 @@
               </a14:hiddenLine>
             </a:ext>
             <a:ext uri="{FAA26D3D-D897-4be2-8F04-BA451C77F1D7}">
-              <ma14:placeholderFlag xmlns:ma14="http://schemas.microsoft.com/office/mac/drawingml/2011/main" xmlns:mc="http://schemas.openxmlformats.org/markup-compatibility/2006" xmlns:a14="http://schemas.microsoft.com/office/drawing/2010/main" xmlns:c="http://schemas.openxmlformats.org/drawingml/2006/chart" xmlns:dgm="http://schemas.openxmlformats.org/drawingml/2006/diagram" xmlns:cdr="http://schemas.openxmlformats.org/drawingml/2006/chartDrawing" xmlns:wne="http://schemas.microsoft.com/office/powerpoint/2006/powerpointml" xmlns:wp="http://schemas.openxmlformats.org/drawingml/2006/powerpointprocessingDrawing" xmlns:v="urn:schemas-microsoft-com:vml" xmlns:o="urn:schemas-microsoft-com:office:office" xmlns="" val="1"/>
+              <ma14:placeholderFlag xmlns="" xmlns:o="urn:schemas-microsoft-com:office:office" xmlns:v="urn:schemas-microsoft-com:vml" xmlns:wp="http://schemas.openxmlformats.org/drawingml/2006/powerpointprocessingDrawing" xmlns:wne="http://schemas.microsoft.com/office/powerpoint/2006/powerpointml" xmlns:cdr="http://schemas.openxmlformats.org/drawingml/2006/chartDrawing" xmlns:dgm="http://schemas.openxmlformats.org/drawingml/2006/diagram" xmlns:c="http://schemas.openxmlformats.org/drawingml/2006/chart" xmlns:a14="http://schemas.microsoft.com/office/drawing/2010/main" xmlns:mc="http://schemas.openxmlformats.org/markup-compatibility/2006" xmlns:ma14="http://schemas.microsoft.com/office/mac/drawingml/2011/main" val="1"/>
             </a:ext>
           </a:extLst>
         </p:spPr>
@@ -24686,24 +22786,6 @@
 </file>
 
 <file path=ppt/tags/tag1.xml><?xml version="1.0" encoding="utf-8"?>
-<p:tagLst xmlns:a="http://schemas.openxmlformats.org/drawingml/2006/main" xmlns:r="http://schemas.openxmlformats.org/officeDocument/2006/relationships" xmlns:p="http://schemas.openxmlformats.org/presentationml/2006/main">
-  <p:tag name="ARTICULATE_SLIDE_THUMBNAIL_REFRESH" val="1"/>
-</p:tagLst>
-</file>
-
-<file path=ppt/tags/tag2.xml><?xml version="1.0" encoding="utf-8"?>
-<p:tagLst xmlns:a="http://schemas.openxmlformats.org/drawingml/2006/main" xmlns:r="http://schemas.openxmlformats.org/officeDocument/2006/relationships" xmlns:p="http://schemas.openxmlformats.org/presentationml/2006/main">
-  <p:tag name="ARTICULATE_SLIDE_THUMBNAIL_REFRESH" val="1"/>
-</p:tagLst>
-</file>
-
-<file path=ppt/tags/tag3.xml><?xml version="1.0" encoding="utf-8"?>
-<p:tagLst xmlns:a="http://schemas.openxmlformats.org/drawingml/2006/main" xmlns:r="http://schemas.openxmlformats.org/officeDocument/2006/relationships" xmlns:p="http://schemas.openxmlformats.org/presentationml/2006/main">
-  <p:tag name="ARTICULATE_SLIDE_THUMBNAIL_REFRESH" val="1"/>
-</p:tagLst>
-</file>
-
-<file path=ppt/tags/tag4.xml><?xml version="1.0" encoding="utf-8"?>
 <p:tagLst xmlns:a="http://schemas.openxmlformats.org/drawingml/2006/main" xmlns:r="http://schemas.openxmlformats.org/officeDocument/2006/relationships" xmlns:p="http://schemas.openxmlformats.org/presentationml/2006/main">
   <p:tag name="ARTICULATE_SLIDE_THUMBNAIL_REFRESH" val="1"/>
 </p:tagLst>
